--- a/PP-DAVE.pptx
+++ b/PP-DAVE.pptx
@@ -10,7 +10,9 @@
     <p:sldId id="258" r:id="rId4"/>
     <p:sldId id="261" r:id="rId5"/>
     <p:sldId id="259" r:id="rId6"/>
-    <p:sldId id="260" r:id="rId7"/>
+    <p:sldId id="262" r:id="rId7"/>
+    <p:sldId id="263" r:id="rId8"/>
+    <p:sldId id="260" r:id="rId9"/>
   </p:sldIdLst>
   <p:sldSz cx="12192000" cy="6858000"/>
   <p:notesSz cx="6858000" cy="9144000"/>
@@ -302,7 +304,7 @@
           <a:p>
             <a:fld id="{0C3A692C-48CF-417A-B040-C09682962CA8}" type="datetimeFigureOut">
               <a:rPr lang="fr-CA" smtClean="0"/>
-              <a:t>2020-01-28</a:t>
+              <a:t>2020-01-29</a:t>
             </a:fld>
             <a:endParaRPr lang="fr-CA"/>
           </a:p>
@@ -600,7 +602,7 @@
           <a:p>
             <a:fld id="{0C3A692C-48CF-417A-B040-C09682962CA8}" type="datetimeFigureOut">
               <a:rPr lang="fr-CA" smtClean="0"/>
-              <a:t>2020-01-28</a:t>
+              <a:t>2020-01-29</a:t>
             </a:fld>
             <a:endParaRPr lang="fr-CA"/>
           </a:p>
@@ -792,7 +794,7 @@
           <a:p>
             <a:fld id="{0C3A692C-48CF-417A-B040-C09682962CA8}" type="datetimeFigureOut">
               <a:rPr lang="fr-CA" smtClean="0"/>
-              <a:t>2020-01-28</a:t>
+              <a:t>2020-01-29</a:t>
             </a:fld>
             <a:endParaRPr lang="fr-CA"/>
           </a:p>
@@ -1053,7 +1055,7 @@
           <a:p>
             <a:fld id="{0C3A692C-48CF-417A-B040-C09682962CA8}" type="datetimeFigureOut">
               <a:rPr lang="fr-CA" smtClean="0"/>
-              <a:t>2020-01-28</a:t>
+              <a:t>2020-01-29</a:t>
             </a:fld>
             <a:endParaRPr lang="fr-CA"/>
           </a:p>
@@ -1477,7 +1479,7 @@
           <a:p>
             <a:fld id="{0C3A692C-48CF-417A-B040-C09682962CA8}" type="datetimeFigureOut">
               <a:rPr lang="fr-CA" smtClean="0"/>
-              <a:t>2020-01-28</a:t>
+              <a:t>2020-01-29</a:t>
             </a:fld>
             <a:endParaRPr lang="fr-CA"/>
           </a:p>
@@ -2014,7 +2016,7 @@
           <a:p>
             <a:fld id="{0C3A692C-48CF-417A-B040-C09682962CA8}" type="datetimeFigureOut">
               <a:rPr lang="fr-CA" smtClean="0"/>
-              <a:t>2020-01-28</a:t>
+              <a:t>2020-01-29</a:t>
             </a:fld>
             <a:endParaRPr lang="fr-CA"/>
           </a:p>
@@ -2878,7 +2880,7 @@
           <a:p>
             <a:fld id="{0C3A692C-48CF-417A-B040-C09682962CA8}" type="datetimeFigureOut">
               <a:rPr lang="fr-CA" smtClean="0"/>
-              <a:t>2020-01-28</a:t>
+              <a:t>2020-01-29</a:t>
             </a:fld>
             <a:endParaRPr lang="fr-CA"/>
           </a:p>
@@ -3048,7 +3050,7 @@
           <a:p>
             <a:fld id="{0C3A692C-48CF-417A-B040-C09682962CA8}" type="datetimeFigureOut">
               <a:rPr lang="fr-CA" smtClean="0"/>
-              <a:t>2020-01-28</a:t>
+              <a:t>2020-01-29</a:t>
             </a:fld>
             <a:endParaRPr lang="fr-CA"/>
           </a:p>
@@ -3232,7 +3234,7 @@
           <a:p>
             <a:fld id="{0C3A692C-48CF-417A-B040-C09682962CA8}" type="datetimeFigureOut">
               <a:rPr lang="fr-CA" smtClean="0"/>
-              <a:t>2020-01-28</a:t>
+              <a:t>2020-01-29</a:t>
             </a:fld>
             <a:endParaRPr lang="fr-CA"/>
           </a:p>
@@ -3402,7 +3404,7 @@
           <a:p>
             <a:fld id="{0C3A692C-48CF-417A-B040-C09682962CA8}" type="datetimeFigureOut">
               <a:rPr lang="fr-CA" smtClean="0"/>
-              <a:t>2020-01-28</a:t>
+              <a:t>2020-01-29</a:t>
             </a:fld>
             <a:endParaRPr lang="fr-CA"/>
           </a:p>
@@ -3646,7 +3648,7 @@
           <a:p>
             <a:fld id="{0C3A692C-48CF-417A-B040-C09682962CA8}" type="datetimeFigureOut">
               <a:rPr lang="fr-CA" smtClean="0"/>
-              <a:t>2020-01-28</a:t>
+              <a:t>2020-01-29</a:t>
             </a:fld>
             <a:endParaRPr lang="fr-CA"/>
           </a:p>
@@ -3882,7 +3884,7 @@
           <a:p>
             <a:fld id="{0C3A692C-48CF-417A-B040-C09682962CA8}" type="datetimeFigureOut">
               <a:rPr lang="fr-CA" smtClean="0"/>
-              <a:t>2020-01-28</a:t>
+              <a:t>2020-01-29</a:t>
             </a:fld>
             <a:endParaRPr lang="fr-CA"/>
           </a:p>
@@ -4348,7 +4350,7 @@
           <a:p>
             <a:fld id="{0C3A692C-48CF-417A-B040-C09682962CA8}" type="datetimeFigureOut">
               <a:rPr lang="fr-CA" smtClean="0"/>
-              <a:t>2020-01-28</a:t>
+              <a:t>2020-01-29</a:t>
             </a:fld>
             <a:endParaRPr lang="fr-CA"/>
           </a:p>
@@ -4466,7 +4468,7 @@
           <a:p>
             <a:fld id="{0C3A692C-48CF-417A-B040-C09682962CA8}" type="datetimeFigureOut">
               <a:rPr lang="fr-CA" smtClean="0"/>
-              <a:t>2020-01-28</a:t>
+              <a:t>2020-01-29</a:t>
             </a:fld>
             <a:endParaRPr lang="fr-CA"/>
           </a:p>
@@ -4561,7 +4563,7 @@
           <a:p>
             <a:fld id="{0C3A692C-48CF-417A-B040-C09682962CA8}" type="datetimeFigureOut">
               <a:rPr lang="fr-CA" smtClean="0"/>
-              <a:t>2020-01-28</a:t>
+              <a:t>2020-01-29</a:t>
             </a:fld>
             <a:endParaRPr lang="fr-CA"/>
           </a:p>
@@ -4816,7 +4818,7 @@
           <a:p>
             <a:fld id="{0C3A692C-48CF-417A-B040-C09682962CA8}" type="datetimeFigureOut">
               <a:rPr lang="fr-CA" smtClean="0"/>
-              <a:t>2020-01-28</a:t>
+              <a:t>2020-01-29</a:t>
             </a:fld>
             <a:endParaRPr lang="fr-CA"/>
           </a:p>
@@ -5116,7 +5118,7 @@
           <a:p>
             <a:fld id="{0C3A692C-48CF-417A-B040-C09682962CA8}" type="datetimeFigureOut">
               <a:rPr lang="fr-CA" smtClean="0"/>
-              <a:t>2020-01-28</a:t>
+              <a:t>2020-01-29</a:t>
             </a:fld>
             <a:endParaRPr lang="fr-CA"/>
           </a:p>
@@ -5350,7 +5352,7 @@
           <a:p>
             <a:fld id="{0C3A692C-48CF-417A-B040-C09682962CA8}" type="datetimeFigureOut">
               <a:rPr lang="fr-CA" smtClean="0"/>
-              <a:t>2020-01-28</a:t>
+              <a:t>2020-01-29</a:t>
             </a:fld>
             <a:endParaRPr lang="fr-CA"/>
           </a:p>
@@ -7949,6 +7951,749 @@
 </file>
 
 <file path=ppt/slides/slide6.xml><?xml version="1.0" encoding="utf-8"?>
+<p:sld xmlns:a="http://schemas.openxmlformats.org/drawingml/2006/main" xmlns:r="http://schemas.openxmlformats.org/officeDocument/2006/relationships" xmlns:p="http://schemas.openxmlformats.org/presentationml/2006/main">
+  <p:cSld>
+    <p:spTree>
+      <p:nvGrpSpPr>
+        <p:cNvPr id="1" name=""/>
+        <p:cNvGrpSpPr/>
+        <p:nvPr/>
+      </p:nvGrpSpPr>
+      <p:grpSpPr>
+        <a:xfrm>
+          <a:off x="0" y="0"/>
+          <a:ext cx="0" cy="0"/>
+          <a:chOff x="0" y="0"/>
+          <a:chExt cx="0" cy="0"/>
+        </a:xfrm>
+      </p:grpSpPr>
+      <p:sp>
+        <p:nvSpPr>
+          <p:cNvPr id="2" name="Title 1">
+            <a:extLst>
+              <a:ext uri="{FF2B5EF4-FFF2-40B4-BE49-F238E27FC236}">
+                <a16:creationId xmlns:a16="http://schemas.microsoft.com/office/drawing/2014/main" id="{5AF723C7-5629-4B43-8ECB-4A04BCD600C0}"/>
+              </a:ext>
+            </a:extLst>
+          </p:cNvPr>
+          <p:cNvSpPr>
+            <a:spLocks noGrp="1"/>
+          </p:cNvSpPr>
+          <p:nvPr>
+            <p:ph type="title"/>
+          </p:nvPr>
+        </p:nvSpPr>
+        <p:spPr>
+          <a:xfrm>
+            <a:off x="83820" y="609600"/>
+            <a:ext cx="11812257" cy="1122849"/>
+          </a:xfrm>
+        </p:spPr>
+        <p:txBody>
+          <a:bodyPr>
+            <a:normAutofit/>
+          </a:bodyPr>
+          <a:lstStyle/>
+          <a:p>
+            <a:r>
+              <a:rPr lang="en-CA" dirty="0"/>
+              <a:t>Les </a:t>
+            </a:r>
+            <a:r>
+              <a:rPr lang="en-CA" dirty="0" err="1"/>
+              <a:t>avantages</a:t>
+            </a:r>
+            <a:endParaRPr lang="en-CA" dirty="0"/>
+          </a:p>
+        </p:txBody>
+      </p:sp>
+      <p:sp>
+        <p:nvSpPr>
+          <p:cNvPr id="5" name="TextBox 4">
+            <a:extLst>
+              <a:ext uri="{FF2B5EF4-FFF2-40B4-BE49-F238E27FC236}">
+                <a16:creationId xmlns:a16="http://schemas.microsoft.com/office/drawing/2014/main" id="{1053EF29-FA1C-4E05-BADD-E693AC75840A}"/>
+              </a:ext>
+            </a:extLst>
+          </p:cNvPr>
+          <p:cNvSpPr txBox="1"/>
+          <p:nvPr/>
+        </p:nvSpPr>
+        <p:spPr>
+          <a:xfrm>
+            <a:off x="83820" y="6377940"/>
+            <a:ext cx="11998689" cy="461665"/>
+          </a:xfrm>
+          <a:prstGeom prst="rect">
+            <a:avLst/>
+          </a:prstGeom>
+          <a:noFill/>
+        </p:spPr>
+        <p:txBody>
+          <a:bodyPr wrap="square" rtlCol="0">
+            <a:spAutoFit/>
+          </a:bodyPr>
+          <a:lstStyle/>
+          <a:p>
+            <a:pPr algn="ctr"/>
+            <a:r>
+              <a:rPr lang="en-CA" sz="1200" dirty="0"/>
+              <a:t>Source: </a:t>
+            </a:r>
+            <a:r>
+              <a:rPr lang="en-US" sz="1200" dirty="0"/>
+              <a:t>Kanban in Software Development: A Systematic Literature Review</a:t>
+            </a:r>
+          </a:p>
+          <a:p>
+            <a:pPr algn="ctr"/>
+            <a:endParaRPr lang="en-CA" sz="1200" dirty="0"/>
+          </a:p>
+        </p:txBody>
+      </p:sp>
+      <p:sp>
+        <p:nvSpPr>
+          <p:cNvPr id="7" name="Content Placeholder 6">
+            <a:extLst>
+              <a:ext uri="{FF2B5EF4-FFF2-40B4-BE49-F238E27FC236}">
+                <a16:creationId xmlns:a16="http://schemas.microsoft.com/office/drawing/2014/main" id="{FFA45650-C0BA-4E9E-93DB-3CC58EA81718}"/>
+              </a:ext>
+            </a:extLst>
+          </p:cNvPr>
+          <p:cNvSpPr>
+            <a:spLocks noGrp="1"/>
+          </p:cNvSpPr>
+          <p:nvPr>
+            <p:ph idx="1"/>
+          </p:nvPr>
+        </p:nvSpPr>
+        <p:spPr/>
+        <p:txBody>
+          <a:bodyPr/>
+          <a:lstStyle/>
+          <a:p>
+            <a:r>
+              <a:rPr lang="en-CA" dirty="0" err="1"/>
+              <a:t>Meilleure</a:t>
+            </a:r>
+            <a:r>
+              <a:rPr lang="en-CA" dirty="0"/>
+              <a:t> comprehension du </a:t>
+            </a:r>
+            <a:r>
+              <a:rPr lang="en-CA" dirty="0" err="1"/>
+              <a:t>processus</a:t>
+            </a:r>
+            <a:r>
+              <a:rPr lang="en-CA" dirty="0"/>
+              <a:t> global</a:t>
+            </a:r>
+          </a:p>
+          <a:p>
+            <a:r>
+              <a:rPr lang="en-CA" dirty="0"/>
+              <a:t>Aide à </a:t>
+            </a:r>
+            <a:r>
+              <a:rPr lang="en-CA" dirty="0" err="1"/>
+              <a:t>améliorer</a:t>
+            </a:r>
+            <a:r>
+              <a:rPr lang="en-CA" dirty="0"/>
+              <a:t> la </a:t>
+            </a:r>
+            <a:r>
+              <a:rPr lang="en-CA" dirty="0" err="1"/>
+              <a:t>qualité</a:t>
+            </a:r>
+            <a:r>
+              <a:rPr lang="en-CA" dirty="0"/>
+              <a:t> du </a:t>
+            </a:r>
+            <a:r>
+              <a:rPr lang="en-CA" dirty="0" err="1"/>
+              <a:t>logiciel</a:t>
+            </a:r>
+            <a:endParaRPr lang="en-CA" dirty="0"/>
+          </a:p>
+          <a:p>
+            <a:r>
+              <a:rPr lang="en-CA" dirty="0" err="1"/>
+              <a:t>Améliore</a:t>
+            </a:r>
+            <a:r>
+              <a:rPr lang="en-CA" dirty="0"/>
+              <a:t> les rencontres avec le client et de bien </a:t>
+            </a:r>
+            <a:r>
+              <a:rPr lang="en-CA" dirty="0" err="1"/>
+              <a:t>comprendre</a:t>
+            </a:r>
+            <a:r>
+              <a:rPr lang="en-CA" dirty="0"/>
+              <a:t> </a:t>
+            </a:r>
+            <a:r>
+              <a:rPr lang="en-CA" dirty="0" err="1"/>
+              <a:t>ses</a:t>
+            </a:r>
+            <a:r>
+              <a:rPr lang="en-CA" dirty="0"/>
+              <a:t> </a:t>
+            </a:r>
+            <a:r>
+              <a:rPr lang="en-CA" dirty="0" err="1"/>
+              <a:t>besoins</a:t>
+            </a:r>
+            <a:r>
+              <a:rPr lang="en-CA" dirty="0"/>
+              <a:t> et </a:t>
+            </a:r>
+            <a:r>
+              <a:rPr lang="en-CA" dirty="0" err="1"/>
+              <a:t>ses</a:t>
+            </a:r>
+            <a:r>
+              <a:rPr lang="en-CA" dirty="0"/>
+              <a:t> </a:t>
+            </a:r>
+            <a:r>
+              <a:rPr lang="en-CA" dirty="0" err="1"/>
+              <a:t>attentes</a:t>
+            </a:r>
+            <a:endParaRPr lang="en-CA" dirty="0"/>
+          </a:p>
+          <a:p>
+            <a:r>
+              <a:rPr lang="en-CA" dirty="0" err="1"/>
+              <a:t>Augmente</a:t>
+            </a:r>
+            <a:r>
+              <a:rPr lang="en-CA" dirty="0"/>
+              <a:t> la motivation des </a:t>
+            </a:r>
+            <a:r>
+              <a:rPr lang="en-CA" dirty="0" err="1"/>
+              <a:t>ingénieurs</a:t>
+            </a:r>
+            <a:r>
+              <a:rPr lang="en-CA" dirty="0"/>
+              <a:t> sur le </a:t>
+            </a:r>
+            <a:r>
+              <a:rPr lang="en-CA" dirty="0" err="1"/>
+              <a:t>projet</a:t>
+            </a:r>
+            <a:endParaRPr lang="en-CA" dirty="0"/>
+          </a:p>
+          <a:p>
+            <a:r>
+              <a:rPr lang="en-CA" dirty="0" err="1"/>
+              <a:t>Améliore</a:t>
+            </a:r>
+            <a:r>
+              <a:rPr lang="en-CA" dirty="0"/>
+              <a:t> la communication</a:t>
+            </a:r>
+          </a:p>
+          <a:p>
+            <a:r>
+              <a:rPr lang="en-CA" dirty="0"/>
+              <a:t>Les </a:t>
+            </a:r>
+            <a:r>
+              <a:rPr lang="en-CA" dirty="0" err="1"/>
+              <a:t>erreurs</a:t>
+            </a:r>
+            <a:r>
+              <a:rPr lang="en-CA" dirty="0"/>
+              <a:t> </a:t>
+            </a:r>
+            <a:r>
+              <a:rPr lang="en-CA" dirty="0" err="1"/>
+              <a:t>sont</a:t>
+            </a:r>
+            <a:r>
+              <a:rPr lang="en-CA" dirty="0"/>
+              <a:t> </a:t>
+            </a:r>
+            <a:r>
+              <a:rPr lang="en-CA" dirty="0" err="1"/>
+              <a:t>vues</a:t>
+            </a:r>
+            <a:r>
+              <a:rPr lang="en-CA" dirty="0"/>
+              <a:t> et </a:t>
+            </a:r>
+            <a:r>
+              <a:rPr lang="en-CA" dirty="0" err="1"/>
+              <a:t>corrigées</a:t>
+            </a:r>
+            <a:r>
+              <a:rPr lang="en-CA" dirty="0"/>
+              <a:t> plus </a:t>
+            </a:r>
+            <a:r>
+              <a:rPr lang="en-CA" dirty="0" err="1"/>
+              <a:t>rapidement</a:t>
+            </a:r>
+            <a:endParaRPr lang="en-CA" dirty="0"/>
+          </a:p>
+          <a:p>
+            <a:r>
+              <a:rPr lang="en-CA" dirty="0" err="1"/>
+              <a:t>Augmente</a:t>
+            </a:r>
+            <a:r>
+              <a:rPr lang="en-CA" dirty="0"/>
+              <a:t> le </a:t>
+            </a:r>
+            <a:r>
+              <a:rPr lang="en-CA" dirty="0" err="1"/>
+              <a:t>productivité</a:t>
+            </a:r>
+            <a:r>
+              <a:rPr lang="en-CA" dirty="0"/>
+              <a:t> du </a:t>
+            </a:r>
+            <a:r>
+              <a:rPr lang="en-CA" dirty="0" err="1"/>
+              <a:t>logiciel</a:t>
+            </a:r>
+            <a:endParaRPr lang="en-CA" dirty="0"/>
+          </a:p>
+          <a:p>
+            <a:r>
+              <a:rPr lang="en-CA" dirty="0" err="1"/>
+              <a:t>Réduit</a:t>
+            </a:r>
+            <a:r>
+              <a:rPr lang="en-CA" dirty="0"/>
+              <a:t> la </a:t>
+            </a:r>
+            <a:r>
+              <a:rPr lang="en-CA" dirty="0" err="1"/>
+              <a:t>taille</a:t>
+            </a:r>
+            <a:r>
+              <a:rPr lang="en-CA" dirty="0"/>
+              <a:t> des taches à faire</a:t>
+            </a:r>
+          </a:p>
+          <a:p>
+            <a:r>
+              <a:rPr lang="en-CA" dirty="0" err="1"/>
+              <a:t>Réduit</a:t>
+            </a:r>
+            <a:r>
+              <a:rPr lang="en-CA" dirty="0"/>
+              <a:t> le temps de livraison</a:t>
+            </a:r>
+          </a:p>
+        </p:txBody>
+      </p:sp>
+    </p:spTree>
+    <p:extLst>
+      <p:ext uri="{BB962C8B-B14F-4D97-AF65-F5344CB8AC3E}">
+        <p14:creationId xmlns:p14="http://schemas.microsoft.com/office/powerpoint/2010/main" val="3151787785"/>
+      </p:ext>
+    </p:extLst>
+  </p:cSld>
+  <p:clrMapOvr>
+    <a:masterClrMapping/>
+  </p:clrMapOvr>
+</p:sld>
+</file>
+
+<file path=ppt/slides/slide7.xml><?xml version="1.0" encoding="utf-8"?>
+<p:sld xmlns:a="http://schemas.openxmlformats.org/drawingml/2006/main" xmlns:r="http://schemas.openxmlformats.org/officeDocument/2006/relationships" xmlns:p="http://schemas.openxmlformats.org/presentationml/2006/main">
+  <p:cSld>
+    <p:spTree>
+      <p:nvGrpSpPr>
+        <p:cNvPr id="1" name=""/>
+        <p:cNvGrpSpPr/>
+        <p:nvPr/>
+      </p:nvGrpSpPr>
+      <p:grpSpPr>
+        <a:xfrm>
+          <a:off x="0" y="0"/>
+          <a:ext cx="0" cy="0"/>
+          <a:chOff x="0" y="0"/>
+          <a:chExt cx="0" cy="0"/>
+        </a:xfrm>
+      </p:grpSpPr>
+      <p:sp>
+        <p:nvSpPr>
+          <p:cNvPr id="2" name="Title 1">
+            <a:extLst>
+              <a:ext uri="{FF2B5EF4-FFF2-40B4-BE49-F238E27FC236}">
+                <a16:creationId xmlns:a16="http://schemas.microsoft.com/office/drawing/2014/main" id="{5AF723C7-5629-4B43-8ECB-4A04BCD600C0}"/>
+              </a:ext>
+            </a:extLst>
+          </p:cNvPr>
+          <p:cNvSpPr>
+            <a:spLocks noGrp="1"/>
+          </p:cNvSpPr>
+          <p:nvPr>
+            <p:ph type="title"/>
+          </p:nvPr>
+        </p:nvSpPr>
+        <p:spPr>
+          <a:xfrm>
+            <a:off x="83820" y="609600"/>
+            <a:ext cx="11812257" cy="1122849"/>
+          </a:xfrm>
+        </p:spPr>
+        <p:txBody>
+          <a:bodyPr>
+            <a:normAutofit/>
+          </a:bodyPr>
+          <a:lstStyle/>
+          <a:p>
+            <a:r>
+              <a:rPr lang="en-CA" dirty="0"/>
+              <a:t>Les </a:t>
+            </a:r>
+            <a:r>
+              <a:rPr lang="en-CA" dirty="0" err="1"/>
+              <a:t>avantages</a:t>
+            </a:r>
+            <a:endParaRPr lang="en-CA" dirty="0"/>
+          </a:p>
+        </p:txBody>
+      </p:sp>
+      <p:sp>
+        <p:nvSpPr>
+          <p:cNvPr id="5" name="TextBox 4">
+            <a:extLst>
+              <a:ext uri="{FF2B5EF4-FFF2-40B4-BE49-F238E27FC236}">
+                <a16:creationId xmlns:a16="http://schemas.microsoft.com/office/drawing/2014/main" id="{1053EF29-FA1C-4E05-BADD-E693AC75840A}"/>
+              </a:ext>
+            </a:extLst>
+          </p:cNvPr>
+          <p:cNvSpPr txBox="1"/>
+          <p:nvPr/>
+        </p:nvSpPr>
+        <p:spPr>
+          <a:xfrm>
+            <a:off x="83819" y="6396335"/>
+            <a:ext cx="11998690" cy="461665"/>
+          </a:xfrm>
+          <a:prstGeom prst="rect">
+            <a:avLst/>
+          </a:prstGeom>
+          <a:noFill/>
+        </p:spPr>
+        <p:txBody>
+          <a:bodyPr wrap="square" rtlCol="0">
+            <a:spAutoFit/>
+          </a:bodyPr>
+          <a:lstStyle/>
+          <a:p>
+            <a:pPr algn="ctr"/>
+            <a:r>
+              <a:rPr lang="en-CA" sz="1200" dirty="0"/>
+              <a:t>Source: </a:t>
+            </a:r>
+            <a:r>
+              <a:rPr lang="en-US" sz="1200" dirty="0"/>
+              <a:t>Kanban in Software Development: A Systematic Literature Review</a:t>
+            </a:r>
+          </a:p>
+          <a:p>
+            <a:pPr algn="ctr"/>
+            <a:endParaRPr lang="en-CA" sz="1200" dirty="0"/>
+          </a:p>
+        </p:txBody>
+      </p:sp>
+      <p:sp>
+        <p:nvSpPr>
+          <p:cNvPr id="7" name="Content Placeholder 6">
+            <a:extLst>
+              <a:ext uri="{FF2B5EF4-FFF2-40B4-BE49-F238E27FC236}">
+                <a16:creationId xmlns:a16="http://schemas.microsoft.com/office/drawing/2014/main" id="{FFA45650-C0BA-4E9E-93DB-3CC58EA81718}"/>
+              </a:ext>
+            </a:extLst>
+          </p:cNvPr>
+          <p:cNvSpPr>
+            <a:spLocks noGrp="1"/>
+          </p:cNvSpPr>
+          <p:nvPr>
+            <p:ph idx="1"/>
+          </p:nvPr>
+        </p:nvSpPr>
+        <p:spPr/>
+        <p:txBody>
+          <a:bodyPr/>
+          <a:lstStyle/>
+          <a:p>
+            <a:r>
+              <a:rPr lang="en-CA" dirty="0" err="1"/>
+              <a:t>Augmente</a:t>
+            </a:r>
+            <a:r>
+              <a:rPr lang="en-CA" dirty="0"/>
+              <a:t> la </a:t>
+            </a:r>
+            <a:r>
+              <a:rPr lang="en-CA" dirty="0" err="1"/>
+              <a:t>fréquence</a:t>
+            </a:r>
+            <a:r>
+              <a:rPr lang="en-CA" dirty="0"/>
+              <a:t> de production</a:t>
+            </a:r>
+          </a:p>
+          <a:p>
+            <a:r>
+              <a:rPr lang="en-CA" dirty="0" err="1"/>
+              <a:t>Permet</a:t>
+            </a:r>
+            <a:r>
+              <a:rPr lang="en-CA" dirty="0"/>
+              <a:t> de controller </a:t>
+            </a:r>
+            <a:r>
+              <a:rPr lang="en-CA" dirty="0" err="1"/>
+              <a:t>efficacement</a:t>
+            </a:r>
+            <a:r>
+              <a:rPr lang="en-CA" dirty="0"/>
+              <a:t> le </a:t>
+            </a:r>
+            <a:r>
+              <a:rPr lang="en-CA" dirty="0" err="1"/>
+              <a:t>projet</a:t>
+            </a:r>
+            <a:endParaRPr lang="en-CA" dirty="0"/>
+          </a:p>
+          <a:p>
+            <a:r>
+              <a:rPr lang="en-CA" dirty="0"/>
+              <a:t>Les </a:t>
+            </a:r>
+            <a:r>
+              <a:rPr lang="en-CA" dirty="0" err="1"/>
+              <a:t>changements</a:t>
+            </a:r>
+            <a:r>
+              <a:rPr lang="en-CA" dirty="0"/>
+              <a:t> </a:t>
+            </a:r>
+            <a:r>
+              <a:rPr lang="en-CA" dirty="0" err="1"/>
+              <a:t>sont</a:t>
+            </a:r>
+            <a:r>
+              <a:rPr lang="en-CA" dirty="0"/>
+              <a:t> </a:t>
+            </a:r>
+            <a:r>
+              <a:rPr lang="en-CA" dirty="0" err="1"/>
+              <a:t>bienvenus</a:t>
+            </a:r>
+            <a:r>
+              <a:rPr lang="en-CA" dirty="0"/>
+              <a:t> et </a:t>
+            </a:r>
+            <a:r>
+              <a:rPr lang="en-CA" dirty="0" err="1"/>
+              <a:t>moins</a:t>
+            </a:r>
+            <a:r>
+              <a:rPr lang="en-CA" dirty="0"/>
+              <a:t> source </a:t>
+            </a:r>
+            <a:r>
+              <a:rPr lang="en-CA" dirty="0" err="1"/>
+              <a:t>d’irritant</a:t>
+            </a:r>
+            <a:endParaRPr lang="en-CA" dirty="0"/>
+          </a:p>
+          <a:p>
+            <a:r>
+              <a:rPr lang="en-CA" dirty="0"/>
+              <a:t>Les </a:t>
+            </a:r>
+            <a:r>
+              <a:rPr lang="en-CA" dirty="0" err="1"/>
+              <a:t>commentaires</a:t>
+            </a:r>
+            <a:r>
+              <a:rPr lang="en-CA" dirty="0"/>
+              <a:t> et </a:t>
+            </a:r>
+            <a:r>
+              <a:rPr lang="en-CA" dirty="0" err="1"/>
+              <a:t>demandes</a:t>
+            </a:r>
+            <a:r>
+              <a:rPr lang="en-CA" dirty="0"/>
+              <a:t> de modifications </a:t>
+            </a:r>
+            <a:r>
+              <a:rPr lang="en-CA" dirty="0" err="1"/>
+              <a:t>sont</a:t>
+            </a:r>
+            <a:r>
+              <a:rPr lang="en-CA" dirty="0"/>
+              <a:t> </a:t>
+            </a:r>
+            <a:r>
+              <a:rPr lang="en-CA" dirty="0" err="1"/>
+              <a:t>faites</a:t>
+            </a:r>
+            <a:r>
+              <a:rPr lang="en-CA" dirty="0"/>
+              <a:t> plus </a:t>
+            </a:r>
+            <a:r>
+              <a:rPr lang="en-CA" dirty="0" err="1"/>
+              <a:t>rapidement</a:t>
+            </a:r>
+            <a:endParaRPr lang="en-CA" dirty="0"/>
+          </a:p>
+          <a:p>
+            <a:r>
+              <a:rPr lang="en-CA" dirty="0"/>
+              <a:t>La production de documents </a:t>
+            </a:r>
+            <a:r>
+              <a:rPr lang="en-CA" dirty="0" err="1"/>
+              <a:t>volumineux</a:t>
+            </a:r>
+            <a:r>
+              <a:rPr lang="en-CA" dirty="0"/>
+              <a:t> </a:t>
+            </a:r>
+            <a:r>
+              <a:rPr lang="en-CA" dirty="0" err="1"/>
+              <a:t>est</a:t>
+            </a:r>
+            <a:r>
+              <a:rPr lang="en-CA" dirty="0"/>
+              <a:t> </a:t>
+            </a:r>
+            <a:r>
+              <a:rPr lang="en-CA" dirty="0" err="1"/>
+              <a:t>réduite</a:t>
+            </a:r>
+            <a:r>
+              <a:rPr lang="en-CA" dirty="0"/>
+              <a:t>, sur </a:t>
+            </a:r>
+            <a:r>
+              <a:rPr lang="en-CA" dirty="0" err="1"/>
+              <a:t>demande</a:t>
+            </a:r>
+            <a:r>
+              <a:rPr lang="en-CA" dirty="0"/>
+              <a:t> </a:t>
+            </a:r>
+            <a:r>
+              <a:rPr lang="en-CA" dirty="0" err="1"/>
+              <a:t>seulement</a:t>
+            </a:r>
+            <a:r>
+              <a:rPr lang="en-CA" dirty="0"/>
+              <a:t> du client</a:t>
+            </a:r>
+          </a:p>
+          <a:p>
+            <a:r>
+              <a:rPr lang="en-CA" dirty="0" err="1"/>
+              <a:t>Limite</a:t>
+            </a:r>
+            <a:r>
+              <a:rPr lang="en-CA" dirty="0"/>
+              <a:t> des </a:t>
+            </a:r>
+            <a:r>
+              <a:rPr lang="en-CA" dirty="0" err="1"/>
+              <a:t>demandes</a:t>
+            </a:r>
+            <a:r>
+              <a:rPr lang="en-CA" dirty="0"/>
+              <a:t> par </a:t>
+            </a:r>
+            <a:r>
+              <a:rPr lang="en-CA" dirty="0" err="1"/>
+              <a:t>l’administration</a:t>
+            </a:r>
+            <a:r>
+              <a:rPr lang="en-CA" dirty="0"/>
+              <a:t> pour </a:t>
+            </a:r>
+            <a:r>
+              <a:rPr lang="en-CA" dirty="0" err="1"/>
+              <a:t>l’approbation</a:t>
+            </a:r>
+            <a:r>
+              <a:rPr lang="en-CA" dirty="0"/>
+              <a:t> des </a:t>
+            </a:r>
+            <a:r>
+              <a:rPr lang="en-CA" dirty="0" err="1"/>
+              <a:t>requis</a:t>
+            </a:r>
+            <a:r>
+              <a:rPr lang="en-CA" dirty="0"/>
+              <a:t> </a:t>
+            </a:r>
+            <a:r>
+              <a:rPr lang="en-CA" dirty="0" err="1"/>
+              <a:t>puisqu’ils</a:t>
+            </a:r>
+            <a:r>
+              <a:rPr lang="en-CA" dirty="0"/>
+              <a:t> </a:t>
+            </a:r>
+            <a:r>
+              <a:rPr lang="en-CA" dirty="0" err="1"/>
+              <a:t>sont</a:t>
+            </a:r>
+            <a:r>
+              <a:rPr lang="en-CA" dirty="0"/>
+              <a:t> déjà </a:t>
+            </a:r>
+            <a:r>
+              <a:rPr lang="en-CA" dirty="0" err="1"/>
+              <a:t>approuvés</a:t>
+            </a:r>
+            <a:r>
+              <a:rPr lang="en-CA" dirty="0"/>
+              <a:t> par le client </a:t>
+            </a:r>
+            <a:r>
+              <a:rPr lang="en-CA" dirty="0" err="1"/>
+              <a:t>lors</a:t>
+            </a:r>
+            <a:r>
+              <a:rPr lang="en-CA" dirty="0"/>
+              <a:t> de la </a:t>
+            </a:r>
+            <a:r>
+              <a:rPr lang="en-CA" dirty="0" err="1"/>
+              <a:t>présentation</a:t>
+            </a:r>
+            <a:endParaRPr lang="en-CA" dirty="0"/>
+          </a:p>
+        </p:txBody>
+      </p:sp>
+    </p:spTree>
+    <p:extLst>
+      <p:ext uri="{BB962C8B-B14F-4D97-AF65-F5344CB8AC3E}">
+        <p14:creationId xmlns:p14="http://schemas.microsoft.com/office/powerpoint/2010/main" val="4017379103"/>
+      </p:ext>
+    </p:extLst>
+  </p:cSld>
+  <p:clrMapOvr>
+    <a:masterClrMapping/>
+  </p:clrMapOvr>
+</p:sld>
+</file>
+
+<file path=ppt/slides/slide8.xml><?xml version="1.0" encoding="utf-8"?>
 <p:sld xmlns:a="http://schemas.openxmlformats.org/drawingml/2006/main" xmlns:r="http://schemas.openxmlformats.org/officeDocument/2006/relationships" xmlns:p="http://schemas.openxmlformats.org/presentationml/2006/main">
   <p:cSld>
     <p:spTree>

--- a/PP-DAVE.pptx
+++ b/PP-DAVE.pptx
@@ -12,7 +12,11 @@
     <p:sldId id="259" r:id="rId6"/>
     <p:sldId id="262" r:id="rId7"/>
     <p:sldId id="263" r:id="rId8"/>
-    <p:sldId id="260" r:id="rId9"/>
+    <p:sldId id="265" r:id="rId9"/>
+    <p:sldId id="264" r:id="rId10"/>
+    <p:sldId id="260" r:id="rId11"/>
+    <p:sldId id="267" r:id="rId12"/>
+    <p:sldId id="266" r:id="rId13"/>
   </p:sldIdLst>
   <p:sldSz cx="12192000" cy="6858000"/>
   <p:notesSz cx="6858000" cy="9144000"/>
@@ -304,7 +308,7 @@
           <a:p>
             <a:fld id="{0C3A692C-48CF-417A-B040-C09682962CA8}" type="datetimeFigureOut">
               <a:rPr lang="fr-CA" smtClean="0"/>
-              <a:t>2020-01-29</a:t>
+              <a:t>2020-02-03</a:t>
             </a:fld>
             <a:endParaRPr lang="fr-CA"/>
           </a:p>
@@ -602,7 +606,7 @@
           <a:p>
             <a:fld id="{0C3A692C-48CF-417A-B040-C09682962CA8}" type="datetimeFigureOut">
               <a:rPr lang="fr-CA" smtClean="0"/>
-              <a:t>2020-01-29</a:t>
+              <a:t>2020-02-03</a:t>
             </a:fld>
             <a:endParaRPr lang="fr-CA"/>
           </a:p>
@@ -794,7 +798,7 @@
           <a:p>
             <a:fld id="{0C3A692C-48CF-417A-B040-C09682962CA8}" type="datetimeFigureOut">
               <a:rPr lang="fr-CA" smtClean="0"/>
-              <a:t>2020-01-29</a:t>
+              <a:t>2020-02-03</a:t>
             </a:fld>
             <a:endParaRPr lang="fr-CA"/>
           </a:p>
@@ -1055,7 +1059,7 @@
           <a:p>
             <a:fld id="{0C3A692C-48CF-417A-B040-C09682962CA8}" type="datetimeFigureOut">
               <a:rPr lang="fr-CA" smtClean="0"/>
-              <a:t>2020-01-29</a:t>
+              <a:t>2020-02-03</a:t>
             </a:fld>
             <a:endParaRPr lang="fr-CA"/>
           </a:p>
@@ -1479,7 +1483,7 @@
           <a:p>
             <a:fld id="{0C3A692C-48CF-417A-B040-C09682962CA8}" type="datetimeFigureOut">
               <a:rPr lang="fr-CA" smtClean="0"/>
-              <a:t>2020-01-29</a:t>
+              <a:t>2020-02-03</a:t>
             </a:fld>
             <a:endParaRPr lang="fr-CA"/>
           </a:p>
@@ -2016,7 +2020,7 @@
           <a:p>
             <a:fld id="{0C3A692C-48CF-417A-B040-C09682962CA8}" type="datetimeFigureOut">
               <a:rPr lang="fr-CA" smtClean="0"/>
-              <a:t>2020-01-29</a:t>
+              <a:t>2020-02-03</a:t>
             </a:fld>
             <a:endParaRPr lang="fr-CA"/>
           </a:p>
@@ -2880,7 +2884,7 @@
           <a:p>
             <a:fld id="{0C3A692C-48CF-417A-B040-C09682962CA8}" type="datetimeFigureOut">
               <a:rPr lang="fr-CA" smtClean="0"/>
-              <a:t>2020-01-29</a:t>
+              <a:t>2020-02-03</a:t>
             </a:fld>
             <a:endParaRPr lang="fr-CA"/>
           </a:p>
@@ -3050,7 +3054,7 @@
           <a:p>
             <a:fld id="{0C3A692C-48CF-417A-B040-C09682962CA8}" type="datetimeFigureOut">
               <a:rPr lang="fr-CA" smtClean="0"/>
-              <a:t>2020-01-29</a:t>
+              <a:t>2020-02-03</a:t>
             </a:fld>
             <a:endParaRPr lang="fr-CA"/>
           </a:p>
@@ -3234,7 +3238,7 @@
           <a:p>
             <a:fld id="{0C3A692C-48CF-417A-B040-C09682962CA8}" type="datetimeFigureOut">
               <a:rPr lang="fr-CA" smtClean="0"/>
-              <a:t>2020-01-29</a:t>
+              <a:t>2020-02-03</a:t>
             </a:fld>
             <a:endParaRPr lang="fr-CA"/>
           </a:p>
@@ -3404,7 +3408,7 @@
           <a:p>
             <a:fld id="{0C3A692C-48CF-417A-B040-C09682962CA8}" type="datetimeFigureOut">
               <a:rPr lang="fr-CA" smtClean="0"/>
-              <a:t>2020-01-29</a:t>
+              <a:t>2020-02-03</a:t>
             </a:fld>
             <a:endParaRPr lang="fr-CA"/>
           </a:p>
@@ -3648,7 +3652,7 @@
           <a:p>
             <a:fld id="{0C3A692C-48CF-417A-B040-C09682962CA8}" type="datetimeFigureOut">
               <a:rPr lang="fr-CA" smtClean="0"/>
-              <a:t>2020-01-29</a:t>
+              <a:t>2020-02-03</a:t>
             </a:fld>
             <a:endParaRPr lang="fr-CA"/>
           </a:p>
@@ -3884,7 +3888,7 @@
           <a:p>
             <a:fld id="{0C3A692C-48CF-417A-B040-C09682962CA8}" type="datetimeFigureOut">
               <a:rPr lang="fr-CA" smtClean="0"/>
-              <a:t>2020-01-29</a:t>
+              <a:t>2020-02-03</a:t>
             </a:fld>
             <a:endParaRPr lang="fr-CA"/>
           </a:p>
@@ -4350,7 +4354,7 @@
           <a:p>
             <a:fld id="{0C3A692C-48CF-417A-B040-C09682962CA8}" type="datetimeFigureOut">
               <a:rPr lang="fr-CA" smtClean="0"/>
-              <a:t>2020-01-29</a:t>
+              <a:t>2020-02-03</a:t>
             </a:fld>
             <a:endParaRPr lang="fr-CA"/>
           </a:p>
@@ -4468,7 +4472,7 @@
           <a:p>
             <a:fld id="{0C3A692C-48CF-417A-B040-C09682962CA8}" type="datetimeFigureOut">
               <a:rPr lang="fr-CA" smtClean="0"/>
-              <a:t>2020-01-29</a:t>
+              <a:t>2020-02-03</a:t>
             </a:fld>
             <a:endParaRPr lang="fr-CA"/>
           </a:p>
@@ -4563,7 +4567,7 @@
           <a:p>
             <a:fld id="{0C3A692C-48CF-417A-B040-C09682962CA8}" type="datetimeFigureOut">
               <a:rPr lang="fr-CA" smtClean="0"/>
-              <a:t>2020-01-29</a:t>
+              <a:t>2020-02-03</a:t>
             </a:fld>
             <a:endParaRPr lang="fr-CA"/>
           </a:p>
@@ -4818,7 +4822,7 @@
           <a:p>
             <a:fld id="{0C3A692C-48CF-417A-B040-C09682962CA8}" type="datetimeFigureOut">
               <a:rPr lang="fr-CA" smtClean="0"/>
-              <a:t>2020-01-29</a:t>
+              <a:t>2020-02-03</a:t>
             </a:fld>
             <a:endParaRPr lang="fr-CA"/>
           </a:p>
@@ -5118,7 +5122,7 @@
           <a:p>
             <a:fld id="{0C3A692C-48CF-417A-B040-C09682962CA8}" type="datetimeFigureOut">
               <a:rPr lang="fr-CA" smtClean="0"/>
-              <a:t>2020-01-29</a:t>
+              <a:t>2020-02-03</a:t>
             </a:fld>
             <a:endParaRPr lang="fr-CA"/>
           </a:p>
@@ -5352,7 +5356,7 @@
           <a:p>
             <a:fld id="{0C3A692C-48CF-417A-B040-C09682962CA8}" type="datetimeFigureOut">
               <a:rPr lang="fr-CA" smtClean="0"/>
-              <a:t>2020-01-29</a:t>
+              <a:t>2020-02-03</a:t>
             </a:fld>
             <a:endParaRPr lang="fr-CA"/>
           </a:p>
@@ -6095,6 +6099,1302 @@
 </p:sld>
 </file>
 
+<file path=ppt/slides/slide10.xml><?xml version="1.0" encoding="utf-8"?>
+<p:sld xmlns:a="http://schemas.openxmlformats.org/drawingml/2006/main" xmlns:r="http://schemas.openxmlformats.org/officeDocument/2006/relationships" xmlns:p="http://schemas.openxmlformats.org/presentationml/2006/main">
+  <p:cSld>
+    <p:spTree>
+      <p:nvGrpSpPr>
+        <p:cNvPr id="1" name=""/>
+        <p:cNvGrpSpPr/>
+        <p:nvPr/>
+      </p:nvGrpSpPr>
+      <p:grpSpPr>
+        <a:xfrm>
+          <a:off x="0" y="0"/>
+          <a:ext cx="0" cy="0"/>
+          <a:chOff x="0" y="0"/>
+          <a:chExt cx="0" cy="0"/>
+        </a:xfrm>
+      </p:grpSpPr>
+      <p:sp>
+        <p:nvSpPr>
+          <p:cNvPr id="2" name="Title 1">
+            <a:extLst>
+              <a:ext uri="{FF2B5EF4-FFF2-40B4-BE49-F238E27FC236}">
+                <a16:creationId xmlns:a16="http://schemas.microsoft.com/office/drawing/2014/main" id="{EBDBC269-03F8-44E0-8873-7A09FB706B9D}"/>
+              </a:ext>
+            </a:extLst>
+          </p:cNvPr>
+          <p:cNvSpPr>
+            <a:spLocks noGrp="1"/>
+          </p:cNvSpPr>
+          <p:nvPr>
+            <p:ph type="title"/>
+          </p:nvPr>
+        </p:nvSpPr>
+        <p:spPr/>
+        <p:txBody>
+          <a:bodyPr/>
+          <a:lstStyle/>
+          <a:p>
+            <a:r>
+              <a:rPr lang="fr-CA" dirty="0"/>
+              <a:t>Conclusion</a:t>
+            </a:r>
+          </a:p>
+        </p:txBody>
+      </p:sp>
+      <p:sp>
+        <p:nvSpPr>
+          <p:cNvPr id="3" name="Content Placeholder 2">
+            <a:extLst>
+              <a:ext uri="{FF2B5EF4-FFF2-40B4-BE49-F238E27FC236}">
+                <a16:creationId xmlns:a16="http://schemas.microsoft.com/office/drawing/2014/main" id="{9DFD1CD0-CE01-46A9-A3EF-9DF8F02FFD64}"/>
+              </a:ext>
+            </a:extLst>
+          </p:cNvPr>
+          <p:cNvSpPr>
+            <a:spLocks noGrp="1"/>
+          </p:cNvSpPr>
+          <p:nvPr>
+            <p:ph idx="1"/>
+          </p:nvPr>
+        </p:nvSpPr>
+        <p:spPr>
+          <a:xfrm>
+            <a:off x="913795" y="1580050"/>
+            <a:ext cx="10353762" cy="5061382"/>
+          </a:xfrm>
+        </p:spPr>
+        <p:txBody>
+          <a:bodyPr>
+            <a:normAutofit lnSpcReduction="10000"/>
+          </a:bodyPr>
+          <a:lstStyle/>
+          <a:p>
+            <a:r>
+              <a:rPr lang="fr-CA" dirty="0"/>
+              <a:t>Il est possible de facilement intégrer le kanban dans tous les projets actifs. </a:t>
+            </a:r>
+          </a:p>
+          <a:p>
+            <a:r>
+              <a:rPr lang="fr-CA" dirty="0"/>
+              <a:t>Le kanban est un système ultra simple et efficace qui réduit le gaspille de temps et d’énergie</a:t>
+            </a:r>
+          </a:p>
+          <a:p>
+            <a:r>
+              <a:rPr lang="fr-CA" dirty="0"/>
+              <a:t>Possibilité d’être appliqué à tous les domaines de production</a:t>
+            </a:r>
+          </a:p>
+          <a:p>
+            <a:r>
+              <a:rPr lang="fr-CA" dirty="0"/>
+              <a:t>Pas la méthode la plus performante dans de grosses productions où les tâches sont toujours les mêmes.</a:t>
+            </a:r>
+          </a:p>
+          <a:p>
+            <a:r>
+              <a:rPr lang="fr-CA" dirty="0"/>
+              <a:t>Le kanban impose une limite de Work in Progress pour ne pas perdre le contrôle de la production. (mais il y a des risques de bottleneck)</a:t>
+            </a:r>
+          </a:p>
+          <a:p>
+            <a:r>
+              <a:rPr lang="fr-CA" dirty="0"/>
+              <a:t>Les délais de livraisons sont plus stables et plus facile à prédire.</a:t>
+            </a:r>
+          </a:p>
+          <a:p>
+            <a:pPr lvl="1"/>
+            <a:r>
+              <a:rPr lang="fr-CA" dirty="0"/>
+              <a:t>Mais les changement en milieu de projet sont un risque de ralentissement.</a:t>
+            </a:r>
+          </a:p>
+          <a:p>
+            <a:r>
+              <a:rPr lang="fr-CA" dirty="0"/>
+              <a:t>Le kanban vise plutôt le travail à l’interne (la production elle-même)</a:t>
+            </a:r>
+          </a:p>
+          <a:p>
+            <a:pPr lvl="1"/>
+            <a:r>
+              <a:rPr lang="fr-CA" dirty="0"/>
+              <a:t>Mais le Kanban est facile à joindre à une autre méthodologie comme le SCRUM.</a:t>
+            </a:r>
+          </a:p>
+          <a:p>
+            <a:pPr lvl="2"/>
+            <a:r>
+              <a:rPr lang="fr-CA" dirty="0"/>
+              <a:t>Le SCRUM donne une structure plus complète et permet de faire le côté client, le management, les équipes, etc.</a:t>
+            </a:r>
+          </a:p>
+          <a:p>
+            <a:endParaRPr lang="fr-CA" dirty="0"/>
+          </a:p>
+          <a:p>
+            <a:endParaRPr lang="fr-CA" dirty="0"/>
+          </a:p>
+          <a:p>
+            <a:endParaRPr lang="fr-CA" dirty="0"/>
+          </a:p>
+        </p:txBody>
+      </p:sp>
+    </p:spTree>
+    <p:extLst>
+      <p:ext uri="{BB962C8B-B14F-4D97-AF65-F5344CB8AC3E}">
+        <p14:creationId xmlns:p14="http://schemas.microsoft.com/office/powerpoint/2010/main" val="4216437686"/>
+      </p:ext>
+    </p:extLst>
+  </p:cSld>
+  <p:clrMapOvr>
+    <a:masterClrMapping/>
+  </p:clrMapOvr>
+  <p:timing>
+    <p:tnLst>
+      <p:par>
+        <p:cTn id="1" dur="indefinite" restart="never" nodeType="tmRoot">
+          <p:childTnLst>
+            <p:seq concurrent="1" nextAc="seek">
+              <p:cTn id="2" dur="indefinite" nodeType="mainSeq">
+                <p:childTnLst>
+                  <p:par>
+                    <p:cTn id="3" fill="hold">
+                      <p:stCondLst>
+                        <p:cond delay="indefinite"/>
+                      </p:stCondLst>
+                      <p:childTnLst>
+                        <p:par>
+                          <p:cTn id="4" fill="hold">
+                            <p:stCondLst>
+                              <p:cond delay="0"/>
+                            </p:stCondLst>
+                            <p:childTnLst>
+                              <p:par>
+                                <p:cTn id="5" presetID="1" presetClass="entr" presetSubtype="0" fill="hold" grpId="0" nodeType="clickEffect">
+                                  <p:stCondLst>
+                                    <p:cond delay="0"/>
+                                  </p:stCondLst>
+                                  <p:childTnLst>
+                                    <p:set>
+                                      <p:cBhvr>
+                                        <p:cTn id="6" dur="1" fill="hold">
+                                          <p:stCondLst>
+                                            <p:cond delay="0"/>
+                                          </p:stCondLst>
+                                        </p:cTn>
+                                        <p:tgtEl>
+                                          <p:spTgt spid="3">
+                                            <p:txEl>
+                                              <p:pRg st="0" end="0"/>
+                                            </p:txEl>
+                                          </p:spTgt>
+                                        </p:tgtEl>
+                                        <p:attrNameLst>
+                                          <p:attrName>style.visibility</p:attrName>
+                                        </p:attrNameLst>
+                                      </p:cBhvr>
+                                      <p:to>
+                                        <p:strVal val="visible"/>
+                                      </p:to>
+                                    </p:set>
+                                  </p:childTnLst>
+                                </p:cTn>
+                              </p:par>
+                            </p:childTnLst>
+                          </p:cTn>
+                        </p:par>
+                      </p:childTnLst>
+                    </p:cTn>
+                  </p:par>
+                  <p:par>
+                    <p:cTn id="7" fill="hold">
+                      <p:stCondLst>
+                        <p:cond delay="indefinite"/>
+                      </p:stCondLst>
+                      <p:childTnLst>
+                        <p:par>
+                          <p:cTn id="8" fill="hold">
+                            <p:stCondLst>
+                              <p:cond delay="0"/>
+                            </p:stCondLst>
+                            <p:childTnLst>
+                              <p:par>
+                                <p:cTn id="9" presetID="1" presetClass="entr" presetSubtype="0" fill="hold" grpId="0" nodeType="clickEffect">
+                                  <p:stCondLst>
+                                    <p:cond delay="0"/>
+                                  </p:stCondLst>
+                                  <p:childTnLst>
+                                    <p:set>
+                                      <p:cBhvr>
+                                        <p:cTn id="10" dur="1" fill="hold">
+                                          <p:stCondLst>
+                                            <p:cond delay="0"/>
+                                          </p:stCondLst>
+                                        </p:cTn>
+                                        <p:tgtEl>
+                                          <p:spTgt spid="3">
+                                            <p:txEl>
+                                              <p:pRg st="1" end="1"/>
+                                            </p:txEl>
+                                          </p:spTgt>
+                                        </p:tgtEl>
+                                        <p:attrNameLst>
+                                          <p:attrName>style.visibility</p:attrName>
+                                        </p:attrNameLst>
+                                      </p:cBhvr>
+                                      <p:to>
+                                        <p:strVal val="visible"/>
+                                      </p:to>
+                                    </p:set>
+                                  </p:childTnLst>
+                                </p:cTn>
+                              </p:par>
+                            </p:childTnLst>
+                          </p:cTn>
+                        </p:par>
+                      </p:childTnLst>
+                    </p:cTn>
+                  </p:par>
+                  <p:par>
+                    <p:cTn id="11" fill="hold">
+                      <p:stCondLst>
+                        <p:cond delay="indefinite"/>
+                      </p:stCondLst>
+                      <p:childTnLst>
+                        <p:par>
+                          <p:cTn id="12" fill="hold">
+                            <p:stCondLst>
+                              <p:cond delay="0"/>
+                            </p:stCondLst>
+                            <p:childTnLst>
+                              <p:par>
+                                <p:cTn id="13" presetID="1" presetClass="entr" presetSubtype="0" fill="hold" grpId="0" nodeType="clickEffect">
+                                  <p:stCondLst>
+                                    <p:cond delay="0"/>
+                                  </p:stCondLst>
+                                  <p:childTnLst>
+                                    <p:set>
+                                      <p:cBhvr>
+                                        <p:cTn id="14" dur="1" fill="hold">
+                                          <p:stCondLst>
+                                            <p:cond delay="0"/>
+                                          </p:stCondLst>
+                                        </p:cTn>
+                                        <p:tgtEl>
+                                          <p:spTgt spid="3">
+                                            <p:txEl>
+                                              <p:pRg st="2" end="2"/>
+                                            </p:txEl>
+                                          </p:spTgt>
+                                        </p:tgtEl>
+                                        <p:attrNameLst>
+                                          <p:attrName>style.visibility</p:attrName>
+                                        </p:attrNameLst>
+                                      </p:cBhvr>
+                                      <p:to>
+                                        <p:strVal val="visible"/>
+                                      </p:to>
+                                    </p:set>
+                                  </p:childTnLst>
+                                </p:cTn>
+                              </p:par>
+                            </p:childTnLst>
+                          </p:cTn>
+                        </p:par>
+                      </p:childTnLst>
+                    </p:cTn>
+                  </p:par>
+                  <p:par>
+                    <p:cTn id="15" fill="hold">
+                      <p:stCondLst>
+                        <p:cond delay="indefinite"/>
+                      </p:stCondLst>
+                      <p:childTnLst>
+                        <p:par>
+                          <p:cTn id="16" fill="hold">
+                            <p:stCondLst>
+                              <p:cond delay="0"/>
+                            </p:stCondLst>
+                            <p:childTnLst>
+                              <p:par>
+                                <p:cTn id="17" presetID="1" presetClass="entr" presetSubtype="0" fill="hold" grpId="0" nodeType="clickEffect">
+                                  <p:stCondLst>
+                                    <p:cond delay="0"/>
+                                  </p:stCondLst>
+                                  <p:childTnLst>
+                                    <p:set>
+                                      <p:cBhvr>
+                                        <p:cTn id="18" dur="1" fill="hold">
+                                          <p:stCondLst>
+                                            <p:cond delay="0"/>
+                                          </p:stCondLst>
+                                        </p:cTn>
+                                        <p:tgtEl>
+                                          <p:spTgt spid="3">
+                                            <p:txEl>
+                                              <p:pRg st="3" end="3"/>
+                                            </p:txEl>
+                                          </p:spTgt>
+                                        </p:tgtEl>
+                                        <p:attrNameLst>
+                                          <p:attrName>style.visibility</p:attrName>
+                                        </p:attrNameLst>
+                                      </p:cBhvr>
+                                      <p:to>
+                                        <p:strVal val="visible"/>
+                                      </p:to>
+                                    </p:set>
+                                  </p:childTnLst>
+                                </p:cTn>
+                              </p:par>
+                            </p:childTnLst>
+                          </p:cTn>
+                        </p:par>
+                      </p:childTnLst>
+                    </p:cTn>
+                  </p:par>
+                  <p:par>
+                    <p:cTn id="19" fill="hold">
+                      <p:stCondLst>
+                        <p:cond delay="indefinite"/>
+                      </p:stCondLst>
+                      <p:childTnLst>
+                        <p:par>
+                          <p:cTn id="20" fill="hold">
+                            <p:stCondLst>
+                              <p:cond delay="0"/>
+                            </p:stCondLst>
+                            <p:childTnLst>
+                              <p:par>
+                                <p:cTn id="21" presetID="1" presetClass="entr" presetSubtype="0" fill="hold" grpId="0" nodeType="clickEffect">
+                                  <p:stCondLst>
+                                    <p:cond delay="0"/>
+                                  </p:stCondLst>
+                                  <p:childTnLst>
+                                    <p:set>
+                                      <p:cBhvr>
+                                        <p:cTn id="22" dur="1" fill="hold">
+                                          <p:stCondLst>
+                                            <p:cond delay="0"/>
+                                          </p:stCondLst>
+                                        </p:cTn>
+                                        <p:tgtEl>
+                                          <p:spTgt spid="3">
+                                            <p:txEl>
+                                              <p:pRg st="4" end="4"/>
+                                            </p:txEl>
+                                          </p:spTgt>
+                                        </p:tgtEl>
+                                        <p:attrNameLst>
+                                          <p:attrName>style.visibility</p:attrName>
+                                        </p:attrNameLst>
+                                      </p:cBhvr>
+                                      <p:to>
+                                        <p:strVal val="visible"/>
+                                      </p:to>
+                                    </p:set>
+                                  </p:childTnLst>
+                                </p:cTn>
+                              </p:par>
+                            </p:childTnLst>
+                          </p:cTn>
+                        </p:par>
+                      </p:childTnLst>
+                    </p:cTn>
+                  </p:par>
+                  <p:par>
+                    <p:cTn id="23" fill="hold">
+                      <p:stCondLst>
+                        <p:cond delay="indefinite"/>
+                      </p:stCondLst>
+                      <p:childTnLst>
+                        <p:par>
+                          <p:cTn id="24" fill="hold">
+                            <p:stCondLst>
+                              <p:cond delay="0"/>
+                            </p:stCondLst>
+                            <p:childTnLst>
+                              <p:par>
+                                <p:cTn id="25" presetID="1" presetClass="entr" presetSubtype="0" fill="hold" grpId="0" nodeType="clickEffect">
+                                  <p:stCondLst>
+                                    <p:cond delay="0"/>
+                                  </p:stCondLst>
+                                  <p:childTnLst>
+                                    <p:set>
+                                      <p:cBhvr>
+                                        <p:cTn id="26" dur="1" fill="hold">
+                                          <p:stCondLst>
+                                            <p:cond delay="0"/>
+                                          </p:stCondLst>
+                                        </p:cTn>
+                                        <p:tgtEl>
+                                          <p:spTgt spid="3">
+                                            <p:txEl>
+                                              <p:pRg st="5" end="5"/>
+                                            </p:txEl>
+                                          </p:spTgt>
+                                        </p:tgtEl>
+                                        <p:attrNameLst>
+                                          <p:attrName>style.visibility</p:attrName>
+                                        </p:attrNameLst>
+                                      </p:cBhvr>
+                                      <p:to>
+                                        <p:strVal val="visible"/>
+                                      </p:to>
+                                    </p:set>
+                                  </p:childTnLst>
+                                </p:cTn>
+                              </p:par>
+                              <p:par>
+                                <p:cTn id="27" presetID="1" presetClass="entr" presetSubtype="0" fill="hold" grpId="0" nodeType="withEffect">
+                                  <p:stCondLst>
+                                    <p:cond delay="0"/>
+                                  </p:stCondLst>
+                                  <p:childTnLst>
+                                    <p:set>
+                                      <p:cBhvr>
+                                        <p:cTn id="28" dur="1" fill="hold">
+                                          <p:stCondLst>
+                                            <p:cond delay="0"/>
+                                          </p:stCondLst>
+                                        </p:cTn>
+                                        <p:tgtEl>
+                                          <p:spTgt spid="3">
+                                            <p:txEl>
+                                              <p:pRg st="6" end="6"/>
+                                            </p:txEl>
+                                          </p:spTgt>
+                                        </p:tgtEl>
+                                        <p:attrNameLst>
+                                          <p:attrName>style.visibility</p:attrName>
+                                        </p:attrNameLst>
+                                      </p:cBhvr>
+                                      <p:to>
+                                        <p:strVal val="visible"/>
+                                      </p:to>
+                                    </p:set>
+                                  </p:childTnLst>
+                                </p:cTn>
+                              </p:par>
+                            </p:childTnLst>
+                          </p:cTn>
+                        </p:par>
+                      </p:childTnLst>
+                    </p:cTn>
+                  </p:par>
+                  <p:par>
+                    <p:cTn id="29" fill="hold">
+                      <p:stCondLst>
+                        <p:cond delay="indefinite"/>
+                      </p:stCondLst>
+                      <p:childTnLst>
+                        <p:par>
+                          <p:cTn id="30" fill="hold">
+                            <p:stCondLst>
+                              <p:cond delay="0"/>
+                            </p:stCondLst>
+                            <p:childTnLst>
+                              <p:par>
+                                <p:cTn id="31" presetID="1" presetClass="entr" presetSubtype="0" fill="hold" grpId="0" nodeType="clickEffect">
+                                  <p:stCondLst>
+                                    <p:cond delay="0"/>
+                                  </p:stCondLst>
+                                  <p:childTnLst>
+                                    <p:set>
+                                      <p:cBhvr>
+                                        <p:cTn id="32" dur="1" fill="hold">
+                                          <p:stCondLst>
+                                            <p:cond delay="0"/>
+                                          </p:stCondLst>
+                                        </p:cTn>
+                                        <p:tgtEl>
+                                          <p:spTgt spid="3">
+                                            <p:txEl>
+                                              <p:pRg st="7" end="7"/>
+                                            </p:txEl>
+                                          </p:spTgt>
+                                        </p:tgtEl>
+                                        <p:attrNameLst>
+                                          <p:attrName>style.visibility</p:attrName>
+                                        </p:attrNameLst>
+                                      </p:cBhvr>
+                                      <p:to>
+                                        <p:strVal val="visible"/>
+                                      </p:to>
+                                    </p:set>
+                                  </p:childTnLst>
+                                </p:cTn>
+                              </p:par>
+                              <p:par>
+                                <p:cTn id="33" presetID="1" presetClass="entr" presetSubtype="0" fill="hold" grpId="0" nodeType="withEffect">
+                                  <p:stCondLst>
+                                    <p:cond delay="0"/>
+                                  </p:stCondLst>
+                                  <p:childTnLst>
+                                    <p:set>
+                                      <p:cBhvr>
+                                        <p:cTn id="34" dur="1" fill="hold">
+                                          <p:stCondLst>
+                                            <p:cond delay="0"/>
+                                          </p:stCondLst>
+                                        </p:cTn>
+                                        <p:tgtEl>
+                                          <p:spTgt spid="3">
+                                            <p:txEl>
+                                              <p:pRg st="8" end="8"/>
+                                            </p:txEl>
+                                          </p:spTgt>
+                                        </p:tgtEl>
+                                        <p:attrNameLst>
+                                          <p:attrName>style.visibility</p:attrName>
+                                        </p:attrNameLst>
+                                      </p:cBhvr>
+                                      <p:to>
+                                        <p:strVal val="visible"/>
+                                      </p:to>
+                                    </p:set>
+                                  </p:childTnLst>
+                                </p:cTn>
+                              </p:par>
+                              <p:par>
+                                <p:cTn id="35" presetID="1" presetClass="entr" presetSubtype="0" fill="hold" grpId="0" nodeType="withEffect">
+                                  <p:stCondLst>
+                                    <p:cond delay="0"/>
+                                  </p:stCondLst>
+                                  <p:childTnLst>
+                                    <p:set>
+                                      <p:cBhvr>
+                                        <p:cTn id="36" dur="1" fill="hold">
+                                          <p:stCondLst>
+                                            <p:cond delay="0"/>
+                                          </p:stCondLst>
+                                        </p:cTn>
+                                        <p:tgtEl>
+                                          <p:spTgt spid="3">
+                                            <p:txEl>
+                                              <p:pRg st="9" end="9"/>
+                                            </p:txEl>
+                                          </p:spTgt>
+                                        </p:tgtEl>
+                                        <p:attrNameLst>
+                                          <p:attrName>style.visibility</p:attrName>
+                                        </p:attrNameLst>
+                                      </p:cBhvr>
+                                      <p:to>
+                                        <p:strVal val="visible"/>
+                                      </p:to>
+                                    </p:set>
+                                  </p:childTnLst>
+                                </p:cTn>
+                              </p:par>
+                            </p:childTnLst>
+                          </p:cTn>
+                        </p:par>
+                      </p:childTnLst>
+                    </p:cTn>
+                  </p:par>
+                </p:childTnLst>
+              </p:cTn>
+              <p:prevCondLst>
+                <p:cond evt="onPrev" delay="0">
+                  <p:tgtEl>
+                    <p:sldTgt/>
+                  </p:tgtEl>
+                </p:cond>
+              </p:prevCondLst>
+              <p:nextCondLst>
+                <p:cond evt="onNext" delay="0">
+                  <p:tgtEl>
+                    <p:sldTgt/>
+                  </p:tgtEl>
+                </p:cond>
+              </p:nextCondLst>
+            </p:seq>
+          </p:childTnLst>
+        </p:cTn>
+      </p:par>
+    </p:tnLst>
+    <p:bldLst>
+      <p:bldP spid="3" grpId="0" uiExpand="1" build="p"/>
+    </p:bldLst>
+  </p:timing>
+</p:sld>
+</file>
+
+<file path=ppt/slides/slide11.xml><?xml version="1.0" encoding="utf-8"?>
+<p:sld xmlns:a="http://schemas.openxmlformats.org/drawingml/2006/main" xmlns:r="http://schemas.openxmlformats.org/officeDocument/2006/relationships" xmlns:p="http://schemas.openxmlformats.org/presentationml/2006/main">
+  <p:cSld>
+    <p:spTree>
+      <p:nvGrpSpPr>
+        <p:cNvPr id="1" name=""/>
+        <p:cNvGrpSpPr/>
+        <p:nvPr/>
+      </p:nvGrpSpPr>
+      <p:grpSpPr>
+        <a:xfrm>
+          <a:off x="0" y="0"/>
+          <a:ext cx="0" cy="0"/>
+          <a:chOff x="0" y="0"/>
+          <a:chExt cx="0" cy="0"/>
+        </a:xfrm>
+      </p:grpSpPr>
+      <p:sp>
+        <p:nvSpPr>
+          <p:cNvPr id="2" name="Title 1">
+            <a:extLst>
+              <a:ext uri="{FF2B5EF4-FFF2-40B4-BE49-F238E27FC236}">
+                <a16:creationId xmlns:a16="http://schemas.microsoft.com/office/drawing/2014/main" id="{8AD7A449-FFB3-4F33-B199-4DADD09DF255}"/>
+              </a:ext>
+            </a:extLst>
+          </p:cNvPr>
+          <p:cNvSpPr>
+            <a:spLocks noGrp="1"/>
+          </p:cNvSpPr>
+          <p:nvPr>
+            <p:ph type="title"/>
+          </p:nvPr>
+        </p:nvSpPr>
+        <p:spPr/>
+        <p:txBody>
+          <a:bodyPr/>
+          <a:lstStyle/>
+          <a:p>
+            <a:r>
+              <a:rPr lang="en-CA" dirty="0"/>
+              <a:t>Questions</a:t>
+            </a:r>
+          </a:p>
+        </p:txBody>
+      </p:sp>
+      <p:sp>
+        <p:nvSpPr>
+          <p:cNvPr id="3" name="Content Placeholder 2">
+            <a:extLst>
+              <a:ext uri="{FF2B5EF4-FFF2-40B4-BE49-F238E27FC236}">
+                <a16:creationId xmlns:a16="http://schemas.microsoft.com/office/drawing/2014/main" id="{DB53188E-B95A-4FB7-95C3-78F9C012F633}"/>
+              </a:ext>
+            </a:extLst>
+          </p:cNvPr>
+          <p:cNvSpPr>
+            <a:spLocks noGrp="1"/>
+          </p:cNvSpPr>
+          <p:nvPr>
+            <p:ph idx="1"/>
+          </p:nvPr>
+        </p:nvSpPr>
+        <p:spPr/>
+        <p:txBody>
+          <a:bodyPr>
+            <a:normAutofit/>
+          </a:bodyPr>
+          <a:lstStyle/>
+          <a:p>
+            <a:r>
+              <a:rPr lang="fr-FR" sz="2400" dirty="0"/>
+              <a:t>Est-ce que ce type de méthode est facilement adaptable ou </a:t>
+            </a:r>
+            <a:r>
+              <a:rPr lang="fr-FR" sz="2400" dirty="0" err="1"/>
+              <a:t>mixable</a:t>
+            </a:r>
+            <a:r>
+              <a:rPr lang="fr-FR" sz="2400" dirty="0"/>
+              <a:t> avec les autres?</a:t>
+            </a:r>
+          </a:p>
+          <a:p>
+            <a:endParaRPr lang="fr-FR" sz="2400" dirty="0"/>
+          </a:p>
+          <a:p>
+            <a:r>
+              <a:rPr lang="fr-FR" sz="2400" dirty="0"/>
+              <a:t>Quel risque principal peut être causé par un changement de développement à mi-projet ?</a:t>
+            </a:r>
+          </a:p>
+          <a:p>
+            <a:endParaRPr lang="fr-FR" sz="2400" dirty="0"/>
+          </a:p>
+          <a:p>
+            <a:r>
+              <a:rPr lang="fr-FR" sz="2400" dirty="0"/>
+              <a:t>Est-il possible d'implanter le kanban dans une chaine de production déjà active ?</a:t>
+            </a:r>
+          </a:p>
+          <a:p>
+            <a:endParaRPr lang="en-CA" sz="2400" dirty="0"/>
+          </a:p>
+        </p:txBody>
+      </p:sp>
+    </p:spTree>
+    <p:extLst>
+      <p:ext uri="{BB962C8B-B14F-4D97-AF65-F5344CB8AC3E}">
+        <p14:creationId xmlns:p14="http://schemas.microsoft.com/office/powerpoint/2010/main" val="1743792717"/>
+      </p:ext>
+    </p:extLst>
+  </p:cSld>
+  <p:clrMapOvr>
+    <a:masterClrMapping/>
+  </p:clrMapOvr>
+  <p:timing>
+    <p:tnLst>
+      <p:par>
+        <p:cTn id="1" dur="indefinite" restart="never" nodeType="tmRoot">
+          <p:childTnLst>
+            <p:seq concurrent="1" nextAc="seek">
+              <p:cTn id="2" dur="indefinite" nodeType="mainSeq">
+                <p:childTnLst>
+                  <p:par>
+                    <p:cTn id="3" fill="hold">
+                      <p:stCondLst>
+                        <p:cond delay="indefinite"/>
+                      </p:stCondLst>
+                      <p:childTnLst>
+                        <p:par>
+                          <p:cTn id="4" fill="hold">
+                            <p:stCondLst>
+                              <p:cond delay="0"/>
+                            </p:stCondLst>
+                            <p:childTnLst>
+                              <p:par>
+                                <p:cTn id="5" presetID="1" presetClass="entr" presetSubtype="0" fill="hold" nodeType="clickEffect">
+                                  <p:stCondLst>
+                                    <p:cond delay="0"/>
+                                  </p:stCondLst>
+                                  <p:childTnLst>
+                                    <p:set>
+                                      <p:cBhvr>
+                                        <p:cTn id="6" dur="1" fill="hold">
+                                          <p:stCondLst>
+                                            <p:cond delay="0"/>
+                                          </p:stCondLst>
+                                        </p:cTn>
+                                        <p:tgtEl>
+                                          <p:spTgt spid="3">
+                                            <p:txEl>
+                                              <p:pRg st="0" end="0"/>
+                                            </p:txEl>
+                                          </p:spTgt>
+                                        </p:tgtEl>
+                                        <p:attrNameLst>
+                                          <p:attrName>style.visibility</p:attrName>
+                                        </p:attrNameLst>
+                                      </p:cBhvr>
+                                      <p:to>
+                                        <p:strVal val="visible"/>
+                                      </p:to>
+                                    </p:set>
+                                  </p:childTnLst>
+                                </p:cTn>
+                              </p:par>
+                              <p:par>
+                                <p:cTn id="7" presetID="1" presetClass="entr" presetSubtype="0" fill="hold" nodeType="withEffect">
+                                  <p:stCondLst>
+                                    <p:cond delay="0"/>
+                                  </p:stCondLst>
+                                  <p:childTnLst>
+                                    <p:set>
+                                      <p:cBhvr>
+                                        <p:cTn id="8" dur="1" fill="hold">
+                                          <p:stCondLst>
+                                            <p:cond delay="0"/>
+                                          </p:stCondLst>
+                                        </p:cTn>
+                                        <p:tgtEl>
+                                          <p:spTgt spid="3">
+                                            <p:txEl>
+                                              <p:pRg st="2" end="2"/>
+                                            </p:txEl>
+                                          </p:spTgt>
+                                        </p:tgtEl>
+                                        <p:attrNameLst>
+                                          <p:attrName>style.visibility</p:attrName>
+                                        </p:attrNameLst>
+                                      </p:cBhvr>
+                                      <p:to>
+                                        <p:strVal val="visible"/>
+                                      </p:to>
+                                    </p:set>
+                                  </p:childTnLst>
+                                </p:cTn>
+                              </p:par>
+                              <p:par>
+                                <p:cTn id="9" presetID="1" presetClass="entr" presetSubtype="0" fill="hold" nodeType="withEffect">
+                                  <p:stCondLst>
+                                    <p:cond delay="0"/>
+                                  </p:stCondLst>
+                                  <p:childTnLst>
+                                    <p:set>
+                                      <p:cBhvr>
+                                        <p:cTn id="10" dur="1" fill="hold">
+                                          <p:stCondLst>
+                                            <p:cond delay="0"/>
+                                          </p:stCondLst>
+                                        </p:cTn>
+                                        <p:tgtEl>
+                                          <p:spTgt spid="3">
+                                            <p:txEl>
+                                              <p:pRg st="4" end="4"/>
+                                            </p:txEl>
+                                          </p:spTgt>
+                                        </p:tgtEl>
+                                        <p:attrNameLst>
+                                          <p:attrName>style.visibility</p:attrName>
+                                        </p:attrNameLst>
+                                      </p:cBhvr>
+                                      <p:to>
+                                        <p:strVal val="visible"/>
+                                      </p:to>
+                                    </p:set>
+                                  </p:childTnLst>
+                                </p:cTn>
+                              </p:par>
+                            </p:childTnLst>
+                          </p:cTn>
+                        </p:par>
+                      </p:childTnLst>
+                    </p:cTn>
+                  </p:par>
+                </p:childTnLst>
+              </p:cTn>
+              <p:prevCondLst>
+                <p:cond evt="onPrev" delay="0">
+                  <p:tgtEl>
+                    <p:sldTgt/>
+                  </p:tgtEl>
+                </p:cond>
+              </p:prevCondLst>
+              <p:nextCondLst>
+                <p:cond evt="onNext" delay="0">
+                  <p:tgtEl>
+                    <p:sldTgt/>
+                  </p:tgtEl>
+                </p:cond>
+              </p:nextCondLst>
+            </p:seq>
+          </p:childTnLst>
+        </p:cTn>
+      </p:par>
+    </p:tnLst>
+  </p:timing>
+</p:sld>
+</file>
+
+<file path=ppt/slides/slide12.xml><?xml version="1.0" encoding="utf-8"?>
+<p:sld xmlns:a="http://schemas.openxmlformats.org/drawingml/2006/main" xmlns:r="http://schemas.openxmlformats.org/officeDocument/2006/relationships" xmlns:p="http://schemas.openxmlformats.org/presentationml/2006/main">
+  <p:cSld>
+    <p:spTree>
+      <p:nvGrpSpPr>
+        <p:cNvPr id="1" name=""/>
+        <p:cNvGrpSpPr/>
+        <p:nvPr/>
+      </p:nvGrpSpPr>
+      <p:grpSpPr>
+        <a:xfrm>
+          <a:off x="0" y="0"/>
+          <a:ext cx="0" cy="0"/>
+          <a:chOff x="0" y="0"/>
+          <a:chExt cx="0" cy="0"/>
+        </a:xfrm>
+      </p:grpSpPr>
+      <p:sp>
+        <p:nvSpPr>
+          <p:cNvPr id="2" name="Title 1">
+            <a:extLst>
+              <a:ext uri="{FF2B5EF4-FFF2-40B4-BE49-F238E27FC236}">
+                <a16:creationId xmlns:a16="http://schemas.microsoft.com/office/drawing/2014/main" id="{DE00CFEE-4CCE-4DF3-B8BF-DA30872281DD}"/>
+              </a:ext>
+            </a:extLst>
+          </p:cNvPr>
+          <p:cNvSpPr>
+            <a:spLocks noGrp="1"/>
+          </p:cNvSpPr>
+          <p:nvPr>
+            <p:ph type="title"/>
+          </p:nvPr>
+        </p:nvSpPr>
+        <p:spPr/>
+        <p:txBody>
+          <a:bodyPr/>
+          <a:lstStyle/>
+          <a:p>
+            <a:r>
+              <a:rPr lang="en-CA" dirty="0"/>
+              <a:t>Questions</a:t>
+            </a:r>
+          </a:p>
+        </p:txBody>
+      </p:sp>
+      <p:sp>
+        <p:nvSpPr>
+          <p:cNvPr id="3" name="Content Placeholder 2">
+            <a:extLst>
+              <a:ext uri="{FF2B5EF4-FFF2-40B4-BE49-F238E27FC236}">
+                <a16:creationId xmlns:a16="http://schemas.microsoft.com/office/drawing/2014/main" id="{641B43FB-244C-4919-A461-1BFCD57CB41F}"/>
+              </a:ext>
+            </a:extLst>
+          </p:cNvPr>
+          <p:cNvSpPr>
+            <a:spLocks noGrp="1"/>
+          </p:cNvSpPr>
+          <p:nvPr>
+            <p:ph idx="1"/>
+          </p:nvPr>
+        </p:nvSpPr>
+        <p:spPr/>
+        <p:txBody>
+          <a:bodyPr/>
+          <a:lstStyle/>
+          <a:p>
+            <a:r>
+              <a:rPr lang="fr-FR" dirty="0"/>
+              <a:t>Est-ce que ce type de méthode est facilement adaptable ou </a:t>
+            </a:r>
+            <a:r>
+              <a:rPr lang="fr-FR" dirty="0" err="1"/>
+              <a:t>mixable</a:t>
+            </a:r>
+            <a:r>
+              <a:rPr lang="fr-FR" dirty="0"/>
+              <a:t> avec les autres?</a:t>
+            </a:r>
+          </a:p>
+          <a:p>
+            <a:pPr lvl="1"/>
+            <a:r>
+              <a:rPr lang="fr-FR" dirty="0"/>
+              <a:t>Oui et c’est même préférable</a:t>
+            </a:r>
+          </a:p>
+          <a:p>
+            <a:r>
+              <a:rPr lang="fr-FR" dirty="0"/>
+              <a:t>Quel risque principal peut être causé par un changement de </a:t>
+            </a:r>
+            <a:r>
+              <a:rPr lang="fr-FR" dirty="0" err="1"/>
+              <a:t>developpement</a:t>
+            </a:r>
+            <a:r>
+              <a:rPr lang="fr-FR" dirty="0"/>
+              <a:t> à mi-projet ?</a:t>
+            </a:r>
+          </a:p>
+          <a:p>
+            <a:pPr lvl="1"/>
+            <a:r>
+              <a:rPr lang="fr-FR"/>
+              <a:t>a</a:t>
+            </a:r>
+            <a:endParaRPr lang="fr-FR" dirty="0"/>
+          </a:p>
+          <a:p>
+            <a:r>
+              <a:rPr lang="fr-FR" dirty="0"/>
+              <a:t>Est-il possible d'implanter le kanban dans une chaine de production déjà active ?</a:t>
+            </a:r>
+          </a:p>
+          <a:p>
+            <a:pPr lvl="1"/>
+            <a:r>
+              <a:rPr lang="fr-FR" dirty="0"/>
+              <a:t>Oui, mais ce n’est pas recommandée, puisque l’implantation d’une telle méthode demande beaucoup de changements au niveau culture et philosophie d’entreprise de même que les processus en cours.</a:t>
+            </a:r>
+            <a:endParaRPr lang="en-CA" dirty="0"/>
+          </a:p>
+        </p:txBody>
+      </p:sp>
+    </p:spTree>
+    <p:extLst>
+      <p:ext uri="{BB962C8B-B14F-4D97-AF65-F5344CB8AC3E}">
+        <p14:creationId xmlns:p14="http://schemas.microsoft.com/office/powerpoint/2010/main" val="1199944603"/>
+      </p:ext>
+    </p:extLst>
+  </p:cSld>
+  <p:clrMapOvr>
+    <a:masterClrMapping/>
+  </p:clrMapOvr>
+  <p:timing>
+    <p:tnLst>
+      <p:par>
+        <p:cTn id="1" dur="indefinite" restart="never" nodeType="tmRoot">
+          <p:childTnLst>
+            <p:seq concurrent="1" nextAc="seek">
+              <p:cTn id="2" dur="indefinite" nodeType="mainSeq">
+                <p:childTnLst>
+                  <p:par>
+                    <p:cTn id="3" fill="hold">
+                      <p:stCondLst>
+                        <p:cond delay="indefinite"/>
+                      </p:stCondLst>
+                      <p:childTnLst>
+                        <p:par>
+                          <p:cTn id="4" fill="hold">
+                            <p:stCondLst>
+                              <p:cond delay="0"/>
+                            </p:stCondLst>
+                            <p:childTnLst>
+                              <p:par>
+                                <p:cTn id="5" presetID="1" presetClass="entr" presetSubtype="0" fill="hold" grpId="0" nodeType="clickEffect">
+                                  <p:stCondLst>
+                                    <p:cond delay="0"/>
+                                  </p:stCondLst>
+                                  <p:childTnLst>
+                                    <p:set>
+                                      <p:cBhvr>
+                                        <p:cTn id="6" dur="1" fill="hold">
+                                          <p:stCondLst>
+                                            <p:cond delay="0"/>
+                                          </p:stCondLst>
+                                        </p:cTn>
+                                        <p:tgtEl>
+                                          <p:spTgt spid="3">
+                                            <p:txEl>
+                                              <p:pRg st="0" end="0"/>
+                                            </p:txEl>
+                                          </p:spTgt>
+                                        </p:tgtEl>
+                                        <p:attrNameLst>
+                                          <p:attrName>style.visibility</p:attrName>
+                                        </p:attrNameLst>
+                                      </p:cBhvr>
+                                      <p:to>
+                                        <p:strVal val="visible"/>
+                                      </p:to>
+                                    </p:set>
+                                  </p:childTnLst>
+                                </p:cTn>
+                              </p:par>
+                              <p:par>
+                                <p:cTn id="7" presetID="1" presetClass="entr" presetSubtype="0" fill="hold" grpId="0" nodeType="withEffect">
+                                  <p:stCondLst>
+                                    <p:cond delay="0"/>
+                                  </p:stCondLst>
+                                  <p:childTnLst>
+                                    <p:set>
+                                      <p:cBhvr>
+                                        <p:cTn id="8" dur="1" fill="hold">
+                                          <p:stCondLst>
+                                            <p:cond delay="0"/>
+                                          </p:stCondLst>
+                                        </p:cTn>
+                                        <p:tgtEl>
+                                          <p:spTgt spid="3">
+                                            <p:txEl>
+                                              <p:pRg st="1" end="1"/>
+                                            </p:txEl>
+                                          </p:spTgt>
+                                        </p:tgtEl>
+                                        <p:attrNameLst>
+                                          <p:attrName>style.visibility</p:attrName>
+                                        </p:attrNameLst>
+                                      </p:cBhvr>
+                                      <p:to>
+                                        <p:strVal val="visible"/>
+                                      </p:to>
+                                    </p:set>
+                                  </p:childTnLst>
+                                </p:cTn>
+                              </p:par>
+                            </p:childTnLst>
+                          </p:cTn>
+                        </p:par>
+                      </p:childTnLst>
+                    </p:cTn>
+                  </p:par>
+                  <p:par>
+                    <p:cTn id="9" fill="hold">
+                      <p:stCondLst>
+                        <p:cond delay="indefinite"/>
+                      </p:stCondLst>
+                      <p:childTnLst>
+                        <p:par>
+                          <p:cTn id="10" fill="hold">
+                            <p:stCondLst>
+                              <p:cond delay="0"/>
+                            </p:stCondLst>
+                            <p:childTnLst>
+                              <p:par>
+                                <p:cTn id="11" presetID="1" presetClass="entr" presetSubtype="0" fill="hold" grpId="0" nodeType="clickEffect">
+                                  <p:stCondLst>
+                                    <p:cond delay="0"/>
+                                  </p:stCondLst>
+                                  <p:childTnLst>
+                                    <p:set>
+                                      <p:cBhvr>
+                                        <p:cTn id="12" dur="1" fill="hold">
+                                          <p:stCondLst>
+                                            <p:cond delay="0"/>
+                                          </p:stCondLst>
+                                        </p:cTn>
+                                        <p:tgtEl>
+                                          <p:spTgt spid="3">
+                                            <p:txEl>
+                                              <p:pRg st="2" end="2"/>
+                                            </p:txEl>
+                                          </p:spTgt>
+                                        </p:tgtEl>
+                                        <p:attrNameLst>
+                                          <p:attrName>style.visibility</p:attrName>
+                                        </p:attrNameLst>
+                                      </p:cBhvr>
+                                      <p:to>
+                                        <p:strVal val="visible"/>
+                                      </p:to>
+                                    </p:set>
+                                  </p:childTnLst>
+                                </p:cTn>
+                              </p:par>
+                              <p:par>
+                                <p:cTn id="13" presetID="1" presetClass="entr" presetSubtype="0" fill="hold" grpId="0" nodeType="withEffect">
+                                  <p:stCondLst>
+                                    <p:cond delay="0"/>
+                                  </p:stCondLst>
+                                  <p:childTnLst>
+                                    <p:set>
+                                      <p:cBhvr>
+                                        <p:cTn id="14" dur="1" fill="hold">
+                                          <p:stCondLst>
+                                            <p:cond delay="0"/>
+                                          </p:stCondLst>
+                                        </p:cTn>
+                                        <p:tgtEl>
+                                          <p:spTgt spid="3">
+                                            <p:txEl>
+                                              <p:pRg st="3" end="3"/>
+                                            </p:txEl>
+                                          </p:spTgt>
+                                        </p:tgtEl>
+                                        <p:attrNameLst>
+                                          <p:attrName>style.visibility</p:attrName>
+                                        </p:attrNameLst>
+                                      </p:cBhvr>
+                                      <p:to>
+                                        <p:strVal val="visible"/>
+                                      </p:to>
+                                    </p:set>
+                                  </p:childTnLst>
+                                </p:cTn>
+                              </p:par>
+                            </p:childTnLst>
+                          </p:cTn>
+                        </p:par>
+                      </p:childTnLst>
+                    </p:cTn>
+                  </p:par>
+                  <p:par>
+                    <p:cTn id="15" fill="hold">
+                      <p:stCondLst>
+                        <p:cond delay="indefinite"/>
+                      </p:stCondLst>
+                      <p:childTnLst>
+                        <p:par>
+                          <p:cTn id="16" fill="hold">
+                            <p:stCondLst>
+                              <p:cond delay="0"/>
+                            </p:stCondLst>
+                            <p:childTnLst>
+                              <p:par>
+                                <p:cTn id="17" presetID="1" presetClass="entr" presetSubtype="0" fill="hold" grpId="0" nodeType="clickEffect">
+                                  <p:stCondLst>
+                                    <p:cond delay="0"/>
+                                  </p:stCondLst>
+                                  <p:childTnLst>
+                                    <p:set>
+                                      <p:cBhvr>
+                                        <p:cTn id="18" dur="1" fill="hold">
+                                          <p:stCondLst>
+                                            <p:cond delay="0"/>
+                                          </p:stCondLst>
+                                        </p:cTn>
+                                        <p:tgtEl>
+                                          <p:spTgt spid="3">
+                                            <p:txEl>
+                                              <p:pRg st="4" end="4"/>
+                                            </p:txEl>
+                                          </p:spTgt>
+                                        </p:tgtEl>
+                                        <p:attrNameLst>
+                                          <p:attrName>style.visibility</p:attrName>
+                                        </p:attrNameLst>
+                                      </p:cBhvr>
+                                      <p:to>
+                                        <p:strVal val="visible"/>
+                                      </p:to>
+                                    </p:set>
+                                  </p:childTnLst>
+                                </p:cTn>
+                              </p:par>
+                              <p:par>
+                                <p:cTn id="19" presetID="1" presetClass="entr" presetSubtype="0" fill="hold" grpId="0" nodeType="withEffect">
+                                  <p:stCondLst>
+                                    <p:cond delay="0"/>
+                                  </p:stCondLst>
+                                  <p:childTnLst>
+                                    <p:set>
+                                      <p:cBhvr>
+                                        <p:cTn id="20" dur="1" fill="hold">
+                                          <p:stCondLst>
+                                            <p:cond delay="0"/>
+                                          </p:stCondLst>
+                                        </p:cTn>
+                                        <p:tgtEl>
+                                          <p:spTgt spid="3">
+                                            <p:txEl>
+                                              <p:pRg st="5" end="5"/>
+                                            </p:txEl>
+                                          </p:spTgt>
+                                        </p:tgtEl>
+                                        <p:attrNameLst>
+                                          <p:attrName>style.visibility</p:attrName>
+                                        </p:attrNameLst>
+                                      </p:cBhvr>
+                                      <p:to>
+                                        <p:strVal val="visible"/>
+                                      </p:to>
+                                    </p:set>
+                                  </p:childTnLst>
+                                </p:cTn>
+                              </p:par>
+                            </p:childTnLst>
+                          </p:cTn>
+                        </p:par>
+                      </p:childTnLst>
+                    </p:cTn>
+                  </p:par>
+                </p:childTnLst>
+              </p:cTn>
+              <p:prevCondLst>
+                <p:cond evt="onPrev" delay="0">
+                  <p:tgtEl>
+                    <p:sldTgt/>
+                  </p:tgtEl>
+                </p:cond>
+              </p:prevCondLst>
+              <p:nextCondLst>
+                <p:cond evt="onNext" delay="0">
+                  <p:tgtEl>
+                    <p:sldTgt/>
+                  </p:tgtEl>
+                </p:cond>
+              </p:nextCondLst>
+            </p:seq>
+          </p:childTnLst>
+        </p:cTn>
+      </p:par>
+    </p:tnLst>
+    <p:bldLst>
+      <p:bldP spid="3" grpId="0" build="p"/>
+    </p:bldLst>
+  </p:timing>
+</p:sld>
+</file>
+
 <file path=ppt/slides/slide2.xml><?xml version="1.0" encoding="utf-8"?>
 <p:sld xmlns:a="http://schemas.openxmlformats.org/drawingml/2006/main" xmlns:r="http://schemas.openxmlformats.org/officeDocument/2006/relationships" xmlns:p="http://schemas.openxmlformats.org/presentationml/2006/main">
   <p:cSld>
@@ -8302,6 +9602,480 @@
   <p:clrMapOvr>
     <a:masterClrMapping/>
   </p:clrMapOvr>
+  <p:timing>
+    <p:tnLst>
+      <p:par>
+        <p:cTn id="1" dur="indefinite" restart="never" nodeType="tmRoot">
+          <p:childTnLst>
+            <p:seq concurrent="1" nextAc="seek">
+              <p:cTn id="2" dur="indefinite" nodeType="mainSeq">
+                <p:childTnLst>
+                  <p:par>
+                    <p:cTn id="3" fill="hold">
+                      <p:stCondLst>
+                        <p:cond delay="indefinite"/>
+                      </p:stCondLst>
+                      <p:childTnLst>
+                        <p:par>
+                          <p:cTn id="4" fill="hold">
+                            <p:stCondLst>
+                              <p:cond delay="0"/>
+                            </p:stCondLst>
+                            <p:childTnLst>
+                              <p:par>
+                                <p:cTn id="5" presetID="1" presetClass="entr" presetSubtype="0" fill="hold" grpId="0" nodeType="clickEffect">
+                                  <p:stCondLst>
+                                    <p:cond delay="0"/>
+                                  </p:stCondLst>
+                                  <p:childTnLst>
+                                    <p:set>
+                                      <p:cBhvr>
+                                        <p:cTn id="6" dur="1" fill="hold">
+                                          <p:stCondLst>
+                                            <p:cond delay="0"/>
+                                          </p:stCondLst>
+                                        </p:cTn>
+                                        <p:tgtEl>
+                                          <p:spTgt spid="7">
+                                            <p:txEl>
+                                              <p:pRg st="0" end="0"/>
+                                            </p:txEl>
+                                          </p:spTgt>
+                                        </p:tgtEl>
+                                        <p:attrNameLst>
+                                          <p:attrName>style.visibility</p:attrName>
+                                        </p:attrNameLst>
+                                      </p:cBhvr>
+                                      <p:to>
+                                        <p:strVal val="visible"/>
+                                      </p:to>
+                                    </p:set>
+                                  </p:childTnLst>
+                                </p:cTn>
+                              </p:par>
+                            </p:childTnLst>
+                          </p:cTn>
+                        </p:par>
+                      </p:childTnLst>
+                    </p:cTn>
+                  </p:par>
+                  <p:par>
+                    <p:cTn id="7" fill="hold">
+                      <p:stCondLst>
+                        <p:cond delay="indefinite"/>
+                      </p:stCondLst>
+                      <p:childTnLst>
+                        <p:par>
+                          <p:cTn id="8" fill="hold">
+                            <p:stCondLst>
+                              <p:cond delay="0"/>
+                            </p:stCondLst>
+                            <p:childTnLst>
+                              <p:par>
+                                <p:cTn id="9" presetID="1" presetClass="entr" presetSubtype="0" fill="hold" grpId="0" nodeType="clickEffect">
+                                  <p:stCondLst>
+                                    <p:cond delay="0"/>
+                                  </p:stCondLst>
+                                  <p:childTnLst>
+                                    <p:set>
+                                      <p:cBhvr>
+                                        <p:cTn id="10" dur="1" fill="hold">
+                                          <p:stCondLst>
+                                            <p:cond delay="0"/>
+                                          </p:stCondLst>
+                                        </p:cTn>
+                                        <p:tgtEl>
+                                          <p:spTgt spid="7">
+                                            <p:txEl>
+                                              <p:pRg st="1" end="1"/>
+                                            </p:txEl>
+                                          </p:spTgt>
+                                        </p:tgtEl>
+                                        <p:attrNameLst>
+                                          <p:attrName>style.visibility</p:attrName>
+                                        </p:attrNameLst>
+                                      </p:cBhvr>
+                                      <p:to>
+                                        <p:strVal val="visible"/>
+                                      </p:to>
+                                    </p:set>
+                                  </p:childTnLst>
+                                </p:cTn>
+                              </p:par>
+                            </p:childTnLst>
+                          </p:cTn>
+                        </p:par>
+                      </p:childTnLst>
+                    </p:cTn>
+                  </p:par>
+                  <p:par>
+                    <p:cTn id="11" fill="hold">
+                      <p:stCondLst>
+                        <p:cond delay="indefinite"/>
+                      </p:stCondLst>
+                      <p:childTnLst>
+                        <p:par>
+                          <p:cTn id="12" fill="hold">
+                            <p:stCondLst>
+                              <p:cond delay="0"/>
+                            </p:stCondLst>
+                            <p:childTnLst>
+                              <p:par>
+                                <p:cTn id="13" presetID="1" presetClass="entr" presetSubtype="0" fill="hold" grpId="0" nodeType="clickEffect">
+                                  <p:stCondLst>
+                                    <p:cond delay="0"/>
+                                  </p:stCondLst>
+                                  <p:childTnLst>
+                                    <p:set>
+                                      <p:cBhvr>
+                                        <p:cTn id="14" dur="1" fill="hold">
+                                          <p:stCondLst>
+                                            <p:cond delay="0"/>
+                                          </p:stCondLst>
+                                        </p:cTn>
+                                        <p:tgtEl>
+                                          <p:spTgt spid="7">
+                                            <p:txEl>
+                                              <p:pRg st="2" end="2"/>
+                                            </p:txEl>
+                                          </p:spTgt>
+                                        </p:tgtEl>
+                                        <p:attrNameLst>
+                                          <p:attrName>style.visibility</p:attrName>
+                                        </p:attrNameLst>
+                                      </p:cBhvr>
+                                      <p:to>
+                                        <p:strVal val="visible"/>
+                                      </p:to>
+                                    </p:set>
+                                  </p:childTnLst>
+                                </p:cTn>
+                              </p:par>
+                            </p:childTnLst>
+                          </p:cTn>
+                        </p:par>
+                      </p:childTnLst>
+                    </p:cTn>
+                  </p:par>
+                  <p:par>
+                    <p:cTn id="15" fill="hold">
+                      <p:stCondLst>
+                        <p:cond delay="indefinite"/>
+                      </p:stCondLst>
+                      <p:childTnLst>
+                        <p:par>
+                          <p:cTn id="16" fill="hold">
+                            <p:stCondLst>
+                              <p:cond delay="0"/>
+                            </p:stCondLst>
+                            <p:childTnLst>
+                              <p:par>
+                                <p:cTn id="17" presetID="1" presetClass="entr" presetSubtype="0" fill="hold" grpId="0" nodeType="clickEffect">
+                                  <p:stCondLst>
+                                    <p:cond delay="0"/>
+                                  </p:stCondLst>
+                                  <p:childTnLst>
+                                    <p:set>
+                                      <p:cBhvr>
+                                        <p:cTn id="18" dur="1" fill="hold">
+                                          <p:stCondLst>
+                                            <p:cond delay="0"/>
+                                          </p:stCondLst>
+                                        </p:cTn>
+                                        <p:tgtEl>
+                                          <p:spTgt spid="7">
+                                            <p:txEl>
+                                              <p:pRg st="3" end="3"/>
+                                            </p:txEl>
+                                          </p:spTgt>
+                                        </p:tgtEl>
+                                        <p:attrNameLst>
+                                          <p:attrName>style.visibility</p:attrName>
+                                        </p:attrNameLst>
+                                      </p:cBhvr>
+                                      <p:to>
+                                        <p:strVal val="visible"/>
+                                      </p:to>
+                                    </p:set>
+                                  </p:childTnLst>
+                                </p:cTn>
+                              </p:par>
+                            </p:childTnLst>
+                          </p:cTn>
+                        </p:par>
+                      </p:childTnLst>
+                    </p:cTn>
+                  </p:par>
+                  <p:par>
+                    <p:cTn id="19" fill="hold">
+                      <p:stCondLst>
+                        <p:cond delay="indefinite"/>
+                      </p:stCondLst>
+                      <p:childTnLst>
+                        <p:par>
+                          <p:cTn id="20" fill="hold">
+                            <p:stCondLst>
+                              <p:cond delay="0"/>
+                            </p:stCondLst>
+                            <p:childTnLst>
+                              <p:par>
+                                <p:cTn id="21" presetID="1" presetClass="entr" presetSubtype="0" fill="hold" grpId="0" nodeType="clickEffect">
+                                  <p:stCondLst>
+                                    <p:cond delay="0"/>
+                                  </p:stCondLst>
+                                  <p:childTnLst>
+                                    <p:set>
+                                      <p:cBhvr>
+                                        <p:cTn id="22" dur="1" fill="hold">
+                                          <p:stCondLst>
+                                            <p:cond delay="0"/>
+                                          </p:stCondLst>
+                                        </p:cTn>
+                                        <p:tgtEl>
+                                          <p:spTgt spid="7">
+                                            <p:txEl>
+                                              <p:pRg st="4" end="4"/>
+                                            </p:txEl>
+                                          </p:spTgt>
+                                        </p:tgtEl>
+                                        <p:attrNameLst>
+                                          <p:attrName>style.visibility</p:attrName>
+                                        </p:attrNameLst>
+                                      </p:cBhvr>
+                                      <p:to>
+                                        <p:strVal val="visible"/>
+                                      </p:to>
+                                    </p:set>
+                                  </p:childTnLst>
+                                </p:cTn>
+                              </p:par>
+                            </p:childTnLst>
+                          </p:cTn>
+                        </p:par>
+                      </p:childTnLst>
+                    </p:cTn>
+                  </p:par>
+                  <p:par>
+                    <p:cTn id="23" fill="hold">
+                      <p:stCondLst>
+                        <p:cond delay="indefinite"/>
+                      </p:stCondLst>
+                      <p:childTnLst>
+                        <p:par>
+                          <p:cTn id="24" fill="hold">
+                            <p:stCondLst>
+                              <p:cond delay="0"/>
+                            </p:stCondLst>
+                            <p:childTnLst>
+                              <p:par>
+                                <p:cTn id="25" presetID="1" presetClass="entr" presetSubtype="0" fill="hold" grpId="0" nodeType="clickEffect">
+                                  <p:stCondLst>
+                                    <p:cond delay="0"/>
+                                  </p:stCondLst>
+                                  <p:childTnLst>
+                                    <p:set>
+                                      <p:cBhvr>
+                                        <p:cTn id="26" dur="1" fill="hold">
+                                          <p:stCondLst>
+                                            <p:cond delay="0"/>
+                                          </p:stCondLst>
+                                        </p:cTn>
+                                        <p:tgtEl>
+                                          <p:spTgt spid="7">
+                                            <p:txEl>
+                                              <p:pRg st="5" end="5"/>
+                                            </p:txEl>
+                                          </p:spTgt>
+                                        </p:tgtEl>
+                                        <p:attrNameLst>
+                                          <p:attrName>style.visibility</p:attrName>
+                                        </p:attrNameLst>
+                                      </p:cBhvr>
+                                      <p:to>
+                                        <p:strVal val="visible"/>
+                                      </p:to>
+                                    </p:set>
+                                  </p:childTnLst>
+                                </p:cTn>
+                              </p:par>
+                            </p:childTnLst>
+                          </p:cTn>
+                        </p:par>
+                      </p:childTnLst>
+                    </p:cTn>
+                  </p:par>
+                  <p:par>
+                    <p:cTn id="27" fill="hold">
+                      <p:stCondLst>
+                        <p:cond delay="indefinite"/>
+                      </p:stCondLst>
+                      <p:childTnLst>
+                        <p:par>
+                          <p:cTn id="28" fill="hold">
+                            <p:stCondLst>
+                              <p:cond delay="0"/>
+                            </p:stCondLst>
+                            <p:childTnLst>
+                              <p:par>
+                                <p:cTn id="29" presetID="1" presetClass="entr" presetSubtype="0" fill="hold" grpId="0" nodeType="clickEffect">
+                                  <p:stCondLst>
+                                    <p:cond delay="0"/>
+                                  </p:stCondLst>
+                                  <p:childTnLst>
+                                    <p:set>
+                                      <p:cBhvr>
+                                        <p:cTn id="30" dur="1" fill="hold">
+                                          <p:stCondLst>
+                                            <p:cond delay="0"/>
+                                          </p:stCondLst>
+                                        </p:cTn>
+                                        <p:tgtEl>
+                                          <p:spTgt spid="7">
+                                            <p:txEl>
+                                              <p:pRg st="6" end="6"/>
+                                            </p:txEl>
+                                          </p:spTgt>
+                                        </p:tgtEl>
+                                        <p:attrNameLst>
+                                          <p:attrName>style.visibility</p:attrName>
+                                        </p:attrNameLst>
+                                      </p:cBhvr>
+                                      <p:to>
+                                        <p:strVal val="visible"/>
+                                      </p:to>
+                                    </p:set>
+                                  </p:childTnLst>
+                                </p:cTn>
+                              </p:par>
+                            </p:childTnLst>
+                          </p:cTn>
+                        </p:par>
+                      </p:childTnLst>
+                    </p:cTn>
+                  </p:par>
+                  <p:par>
+                    <p:cTn id="31" fill="hold">
+                      <p:stCondLst>
+                        <p:cond delay="indefinite"/>
+                      </p:stCondLst>
+                      <p:childTnLst>
+                        <p:par>
+                          <p:cTn id="32" fill="hold">
+                            <p:stCondLst>
+                              <p:cond delay="0"/>
+                            </p:stCondLst>
+                            <p:childTnLst>
+                              <p:par>
+                                <p:cTn id="33" presetID="1" presetClass="entr" presetSubtype="0" fill="hold" grpId="0" nodeType="clickEffect">
+                                  <p:stCondLst>
+                                    <p:cond delay="0"/>
+                                  </p:stCondLst>
+                                  <p:childTnLst>
+                                    <p:set>
+                                      <p:cBhvr>
+                                        <p:cTn id="34" dur="1" fill="hold">
+                                          <p:stCondLst>
+                                            <p:cond delay="0"/>
+                                          </p:stCondLst>
+                                        </p:cTn>
+                                        <p:tgtEl>
+                                          <p:spTgt spid="7">
+                                            <p:txEl>
+                                              <p:pRg st="7" end="7"/>
+                                            </p:txEl>
+                                          </p:spTgt>
+                                        </p:tgtEl>
+                                        <p:attrNameLst>
+                                          <p:attrName>style.visibility</p:attrName>
+                                        </p:attrNameLst>
+                                      </p:cBhvr>
+                                      <p:to>
+                                        <p:strVal val="visible"/>
+                                      </p:to>
+                                    </p:set>
+                                  </p:childTnLst>
+                                </p:cTn>
+                              </p:par>
+                            </p:childTnLst>
+                          </p:cTn>
+                        </p:par>
+                      </p:childTnLst>
+                    </p:cTn>
+                  </p:par>
+                  <p:par>
+                    <p:cTn id="35" fill="hold">
+                      <p:stCondLst>
+                        <p:cond delay="indefinite"/>
+                      </p:stCondLst>
+                      <p:childTnLst>
+                        <p:par>
+                          <p:cTn id="36" fill="hold">
+                            <p:stCondLst>
+                              <p:cond delay="0"/>
+                            </p:stCondLst>
+                            <p:childTnLst>
+                              <p:par>
+                                <p:cTn id="37" presetID="1" presetClass="entr" presetSubtype="0" fill="hold" grpId="0" nodeType="clickEffect">
+                                  <p:stCondLst>
+                                    <p:cond delay="0"/>
+                                  </p:stCondLst>
+                                  <p:childTnLst>
+                                    <p:set>
+                                      <p:cBhvr>
+                                        <p:cTn id="38" dur="1" fill="hold">
+                                          <p:stCondLst>
+                                            <p:cond delay="0"/>
+                                          </p:stCondLst>
+                                        </p:cTn>
+                                        <p:tgtEl>
+                                          <p:spTgt spid="7">
+                                            <p:txEl>
+                                              <p:pRg st="8" end="8"/>
+                                            </p:txEl>
+                                          </p:spTgt>
+                                        </p:tgtEl>
+                                        <p:attrNameLst>
+                                          <p:attrName>style.visibility</p:attrName>
+                                        </p:attrNameLst>
+                                      </p:cBhvr>
+                                      <p:to>
+                                        <p:strVal val="visible"/>
+                                      </p:to>
+                                    </p:set>
+                                  </p:childTnLst>
+                                </p:cTn>
+                              </p:par>
+                            </p:childTnLst>
+                          </p:cTn>
+                        </p:par>
+                      </p:childTnLst>
+                    </p:cTn>
+                  </p:par>
+                </p:childTnLst>
+              </p:cTn>
+              <p:prevCondLst>
+                <p:cond evt="onPrev" delay="0">
+                  <p:tgtEl>
+                    <p:sldTgt/>
+                  </p:tgtEl>
+                </p:cond>
+              </p:prevCondLst>
+              <p:nextCondLst>
+                <p:cond evt="onNext" delay="0">
+                  <p:tgtEl>
+                    <p:sldTgt/>
+                  </p:tgtEl>
+                </p:cond>
+              </p:nextCondLst>
+            </p:seq>
+          </p:childTnLst>
+        </p:cTn>
+      </p:par>
+    </p:tnLst>
+    <p:bldLst>
+      <p:bldP spid="7" grpId="0" build="p"/>
+    </p:bldLst>
+  </p:timing>
 </p:sld>
 </file>
 
@@ -8690,6 +10464,333 @@
   <p:clrMapOvr>
     <a:masterClrMapping/>
   </p:clrMapOvr>
+  <p:timing>
+    <p:tnLst>
+      <p:par>
+        <p:cTn id="1" dur="indefinite" restart="never" nodeType="tmRoot">
+          <p:childTnLst>
+            <p:seq concurrent="1" nextAc="seek">
+              <p:cTn id="2" dur="indefinite" nodeType="mainSeq">
+                <p:childTnLst>
+                  <p:par>
+                    <p:cTn id="3" fill="hold">
+                      <p:stCondLst>
+                        <p:cond delay="indefinite"/>
+                      </p:stCondLst>
+                      <p:childTnLst>
+                        <p:par>
+                          <p:cTn id="4" fill="hold">
+                            <p:stCondLst>
+                              <p:cond delay="0"/>
+                            </p:stCondLst>
+                            <p:childTnLst>
+                              <p:par>
+                                <p:cTn id="5" presetID="1" presetClass="entr" presetSubtype="0" fill="hold" grpId="0" nodeType="clickEffect">
+                                  <p:stCondLst>
+                                    <p:cond delay="0"/>
+                                  </p:stCondLst>
+                                  <p:childTnLst>
+                                    <p:set>
+                                      <p:cBhvr>
+                                        <p:cTn id="6" dur="1" fill="hold">
+                                          <p:stCondLst>
+                                            <p:cond delay="0"/>
+                                          </p:stCondLst>
+                                        </p:cTn>
+                                        <p:tgtEl>
+                                          <p:spTgt spid="7">
+                                            <p:txEl>
+                                              <p:pRg st="0" end="0"/>
+                                            </p:txEl>
+                                          </p:spTgt>
+                                        </p:tgtEl>
+                                        <p:attrNameLst>
+                                          <p:attrName>style.visibility</p:attrName>
+                                        </p:attrNameLst>
+                                      </p:cBhvr>
+                                      <p:to>
+                                        <p:strVal val="visible"/>
+                                      </p:to>
+                                    </p:set>
+                                  </p:childTnLst>
+                                </p:cTn>
+                              </p:par>
+                            </p:childTnLst>
+                          </p:cTn>
+                        </p:par>
+                      </p:childTnLst>
+                    </p:cTn>
+                  </p:par>
+                  <p:par>
+                    <p:cTn id="7" fill="hold">
+                      <p:stCondLst>
+                        <p:cond delay="indefinite"/>
+                      </p:stCondLst>
+                      <p:childTnLst>
+                        <p:par>
+                          <p:cTn id="8" fill="hold">
+                            <p:stCondLst>
+                              <p:cond delay="0"/>
+                            </p:stCondLst>
+                            <p:childTnLst>
+                              <p:par>
+                                <p:cTn id="9" presetID="1" presetClass="entr" presetSubtype="0" fill="hold" grpId="0" nodeType="clickEffect">
+                                  <p:stCondLst>
+                                    <p:cond delay="0"/>
+                                  </p:stCondLst>
+                                  <p:childTnLst>
+                                    <p:set>
+                                      <p:cBhvr>
+                                        <p:cTn id="10" dur="1" fill="hold">
+                                          <p:stCondLst>
+                                            <p:cond delay="0"/>
+                                          </p:stCondLst>
+                                        </p:cTn>
+                                        <p:tgtEl>
+                                          <p:spTgt spid="7">
+                                            <p:txEl>
+                                              <p:pRg st="1" end="1"/>
+                                            </p:txEl>
+                                          </p:spTgt>
+                                        </p:tgtEl>
+                                        <p:attrNameLst>
+                                          <p:attrName>style.visibility</p:attrName>
+                                        </p:attrNameLst>
+                                      </p:cBhvr>
+                                      <p:to>
+                                        <p:strVal val="visible"/>
+                                      </p:to>
+                                    </p:set>
+                                  </p:childTnLst>
+                                </p:cTn>
+                              </p:par>
+                            </p:childTnLst>
+                          </p:cTn>
+                        </p:par>
+                      </p:childTnLst>
+                    </p:cTn>
+                  </p:par>
+                  <p:par>
+                    <p:cTn id="11" fill="hold">
+                      <p:stCondLst>
+                        <p:cond delay="indefinite"/>
+                      </p:stCondLst>
+                      <p:childTnLst>
+                        <p:par>
+                          <p:cTn id="12" fill="hold">
+                            <p:stCondLst>
+                              <p:cond delay="0"/>
+                            </p:stCondLst>
+                            <p:childTnLst>
+                              <p:par>
+                                <p:cTn id="13" presetID="1" presetClass="entr" presetSubtype="0" fill="hold" grpId="0" nodeType="clickEffect">
+                                  <p:stCondLst>
+                                    <p:cond delay="0"/>
+                                  </p:stCondLst>
+                                  <p:childTnLst>
+                                    <p:set>
+                                      <p:cBhvr>
+                                        <p:cTn id="14" dur="1" fill="hold">
+                                          <p:stCondLst>
+                                            <p:cond delay="0"/>
+                                          </p:stCondLst>
+                                        </p:cTn>
+                                        <p:tgtEl>
+                                          <p:spTgt spid="7">
+                                            <p:txEl>
+                                              <p:pRg st="2" end="2"/>
+                                            </p:txEl>
+                                          </p:spTgt>
+                                        </p:tgtEl>
+                                        <p:attrNameLst>
+                                          <p:attrName>style.visibility</p:attrName>
+                                        </p:attrNameLst>
+                                      </p:cBhvr>
+                                      <p:to>
+                                        <p:strVal val="visible"/>
+                                      </p:to>
+                                    </p:set>
+                                  </p:childTnLst>
+                                </p:cTn>
+                              </p:par>
+                            </p:childTnLst>
+                          </p:cTn>
+                        </p:par>
+                      </p:childTnLst>
+                    </p:cTn>
+                  </p:par>
+                  <p:par>
+                    <p:cTn id="15" fill="hold">
+                      <p:stCondLst>
+                        <p:cond delay="indefinite"/>
+                      </p:stCondLst>
+                      <p:childTnLst>
+                        <p:par>
+                          <p:cTn id="16" fill="hold">
+                            <p:stCondLst>
+                              <p:cond delay="0"/>
+                            </p:stCondLst>
+                            <p:childTnLst>
+                              <p:par>
+                                <p:cTn id="17" presetID="1" presetClass="entr" presetSubtype="0" fill="hold" grpId="0" nodeType="clickEffect">
+                                  <p:stCondLst>
+                                    <p:cond delay="0"/>
+                                  </p:stCondLst>
+                                  <p:childTnLst>
+                                    <p:set>
+                                      <p:cBhvr>
+                                        <p:cTn id="18" dur="1" fill="hold">
+                                          <p:stCondLst>
+                                            <p:cond delay="0"/>
+                                          </p:stCondLst>
+                                        </p:cTn>
+                                        <p:tgtEl>
+                                          <p:spTgt spid="7">
+                                            <p:txEl>
+                                              <p:pRg st="3" end="3"/>
+                                            </p:txEl>
+                                          </p:spTgt>
+                                        </p:tgtEl>
+                                        <p:attrNameLst>
+                                          <p:attrName>style.visibility</p:attrName>
+                                        </p:attrNameLst>
+                                      </p:cBhvr>
+                                      <p:to>
+                                        <p:strVal val="visible"/>
+                                      </p:to>
+                                    </p:set>
+                                  </p:childTnLst>
+                                </p:cTn>
+                              </p:par>
+                            </p:childTnLst>
+                          </p:cTn>
+                        </p:par>
+                      </p:childTnLst>
+                    </p:cTn>
+                  </p:par>
+                  <p:par>
+                    <p:cTn id="19" fill="hold">
+                      <p:stCondLst>
+                        <p:cond delay="indefinite"/>
+                      </p:stCondLst>
+                      <p:childTnLst>
+                        <p:par>
+                          <p:cTn id="20" fill="hold">
+                            <p:stCondLst>
+                              <p:cond delay="0"/>
+                            </p:stCondLst>
+                            <p:childTnLst>
+                              <p:par>
+                                <p:cTn id="21" presetID="1" presetClass="entr" presetSubtype="0" fill="hold" grpId="0" nodeType="clickEffect">
+                                  <p:stCondLst>
+                                    <p:cond delay="0"/>
+                                  </p:stCondLst>
+                                  <p:childTnLst>
+                                    <p:set>
+                                      <p:cBhvr>
+                                        <p:cTn id="22" dur="1" fill="hold">
+                                          <p:stCondLst>
+                                            <p:cond delay="0"/>
+                                          </p:stCondLst>
+                                        </p:cTn>
+                                        <p:tgtEl>
+                                          <p:spTgt spid="7">
+                                            <p:txEl>
+                                              <p:pRg st="4" end="4"/>
+                                            </p:txEl>
+                                          </p:spTgt>
+                                        </p:tgtEl>
+                                        <p:attrNameLst>
+                                          <p:attrName>style.visibility</p:attrName>
+                                        </p:attrNameLst>
+                                      </p:cBhvr>
+                                      <p:to>
+                                        <p:strVal val="visible"/>
+                                      </p:to>
+                                    </p:set>
+                                  </p:childTnLst>
+                                </p:cTn>
+                              </p:par>
+                            </p:childTnLst>
+                          </p:cTn>
+                        </p:par>
+                      </p:childTnLst>
+                    </p:cTn>
+                  </p:par>
+                  <p:par>
+                    <p:cTn id="23" fill="hold">
+                      <p:stCondLst>
+                        <p:cond delay="indefinite"/>
+                      </p:stCondLst>
+                      <p:childTnLst>
+                        <p:par>
+                          <p:cTn id="24" fill="hold">
+                            <p:stCondLst>
+                              <p:cond delay="0"/>
+                            </p:stCondLst>
+                            <p:childTnLst>
+                              <p:par>
+                                <p:cTn id="25" presetID="1" presetClass="entr" presetSubtype="0" fill="hold" grpId="0" nodeType="clickEffect">
+                                  <p:stCondLst>
+                                    <p:cond delay="0"/>
+                                  </p:stCondLst>
+                                  <p:childTnLst>
+                                    <p:set>
+                                      <p:cBhvr>
+                                        <p:cTn id="26" dur="1" fill="hold">
+                                          <p:stCondLst>
+                                            <p:cond delay="0"/>
+                                          </p:stCondLst>
+                                        </p:cTn>
+                                        <p:tgtEl>
+                                          <p:spTgt spid="7">
+                                            <p:txEl>
+                                              <p:pRg st="5" end="5"/>
+                                            </p:txEl>
+                                          </p:spTgt>
+                                        </p:tgtEl>
+                                        <p:attrNameLst>
+                                          <p:attrName>style.visibility</p:attrName>
+                                        </p:attrNameLst>
+                                      </p:cBhvr>
+                                      <p:to>
+                                        <p:strVal val="visible"/>
+                                      </p:to>
+                                    </p:set>
+                                  </p:childTnLst>
+                                </p:cTn>
+                              </p:par>
+                            </p:childTnLst>
+                          </p:cTn>
+                        </p:par>
+                      </p:childTnLst>
+                    </p:cTn>
+                  </p:par>
+                </p:childTnLst>
+              </p:cTn>
+              <p:prevCondLst>
+                <p:cond evt="onPrev" delay="0">
+                  <p:tgtEl>
+                    <p:sldTgt/>
+                  </p:tgtEl>
+                </p:cond>
+              </p:prevCondLst>
+              <p:nextCondLst>
+                <p:cond evt="onNext" delay="0">
+                  <p:tgtEl>
+                    <p:sldTgt/>
+                  </p:tgtEl>
+                </p:cond>
+              </p:nextCondLst>
+            </p:seq>
+          </p:childTnLst>
+        </p:cTn>
+      </p:par>
+    </p:tnLst>
+    <p:bldLst>
+      <p:bldP spid="7" grpId="0" build="p"/>
+    </p:bldLst>
+  </p:timing>
 </p:sld>
 </file>
 
@@ -8715,7 +10816,7 @@
           <p:cNvPr id="2" name="Title 1">
             <a:extLst>
               <a:ext uri="{FF2B5EF4-FFF2-40B4-BE49-F238E27FC236}">
-                <a16:creationId xmlns:a16="http://schemas.microsoft.com/office/drawing/2014/main" id="{EBDBC269-03F8-44E0-8873-7A09FB706B9D}"/>
+                <a16:creationId xmlns:a16="http://schemas.microsoft.com/office/drawing/2014/main" id="{9652D4FC-26E9-429C-A384-F20899F63308}"/>
               </a:ext>
             </a:extLst>
           </p:cNvPr>
@@ -8732,9 +10833,14 @@
           <a:lstStyle/>
           <a:p>
             <a:r>
-              <a:rPr lang="fr-CA" dirty="0"/>
-              <a:t>Conclusion</a:t>
-            </a:r>
+              <a:rPr lang="en-CA" dirty="0"/>
+              <a:t>Les </a:t>
+            </a:r>
+            <a:r>
+              <a:rPr lang="en-CA" dirty="0" err="1"/>
+              <a:t>inconvénients</a:t>
+            </a:r>
+            <a:endParaRPr lang="en-CA" dirty="0"/>
           </a:p>
         </p:txBody>
       </p:sp>
@@ -8743,7 +10849,7 @@
           <p:cNvPr id="3" name="Content Placeholder 2">
             <a:extLst>
               <a:ext uri="{FF2B5EF4-FFF2-40B4-BE49-F238E27FC236}">
-                <a16:creationId xmlns:a16="http://schemas.microsoft.com/office/drawing/2014/main" id="{9DFD1CD0-CE01-46A9-A3EF-9DF8F02FFD64}"/>
+                <a16:creationId xmlns:a16="http://schemas.microsoft.com/office/drawing/2014/main" id="{24AFD1C9-5214-4D90-B763-4A1778E80ED7}"/>
               </a:ext>
             </a:extLst>
           </p:cNvPr>
@@ -8754,95 +10860,325 @@
             <p:ph idx="1"/>
           </p:nvPr>
         </p:nvSpPr>
-        <p:spPr>
-          <a:xfrm>
-            <a:off x="913795" y="1580050"/>
-            <a:ext cx="10353762" cy="5061382"/>
-          </a:xfrm>
-        </p:spPr>
+        <p:spPr/>
         <p:txBody>
           <a:bodyPr>
-            <a:normAutofit lnSpcReduction="10000"/>
+            <a:normAutofit/>
           </a:bodyPr>
           <a:lstStyle/>
           <a:p>
             <a:r>
-              <a:rPr lang="fr-CA" dirty="0"/>
-              <a:t>Il est possible de facilement intégrer le kanban dans tous les projets actifs. </a:t>
-            </a:r>
-          </a:p>
-          <a:p>
-            <a:r>
-              <a:rPr lang="fr-CA" dirty="0"/>
-              <a:t>Le kanban est un système ultra simple et efficace qui réduit le gaspille de temps et d’énergie</a:t>
-            </a:r>
-          </a:p>
-          <a:p>
-            <a:r>
-              <a:rPr lang="fr-CA" dirty="0"/>
-              <a:t>Possibilité d’être appliqué à tous les domaines de production</a:t>
-            </a:r>
-          </a:p>
-          <a:p>
-            <a:r>
-              <a:rPr lang="fr-CA" dirty="0"/>
-              <a:t>Pas la méthode la plus performante dans de grosses productions où les tâches sont toujours les mêmes.</a:t>
-            </a:r>
-          </a:p>
-          <a:p>
-            <a:r>
-              <a:rPr lang="fr-CA" dirty="0"/>
-              <a:t>Le kanban impose une limite de Work in Progress pour ne pas perdre le contrôle de la production. (mais il y a des risques de bottleneck)</a:t>
-            </a:r>
-          </a:p>
-          <a:p>
-            <a:r>
-              <a:rPr lang="fr-CA" dirty="0"/>
-              <a:t>Les délais de livraisons sont plus stables et plus facile à prédire.</a:t>
-            </a:r>
-          </a:p>
-          <a:p>
-            <a:pPr lvl="1"/>
-            <a:r>
-              <a:rPr lang="fr-CA" dirty="0"/>
-              <a:t>Mais les changement en milieu de projet sont un risque de ralentissement.</a:t>
-            </a:r>
-          </a:p>
-          <a:p>
-            <a:r>
-              <a:rPr lang="fr-CA" dirty="0"/>
-              <a:t>Le kanban vise plutôt le travail à l’interne (la production elle-même)</a:t>
-            </a:r>
-          </a:p>
-          <a:p>
-            <a:pPr lvl="1"/>
-            <a:r>
-              <a:rPr lang="fr-CA" dirty="0"/>
-              <a:t>Mais le Kanban est facile à joindre à une autre méthodologie comme le SCRUM.</a:t>
-            </a:r>
-          </a:p>
-          <a:p>
-            <a:pPr lvl="2"/>
-            <a:r>
-              <a:rPr lang="fr-CA" dirty="0"/>
-              <a:t>Le SCRUM donne une structure plus complète et permet de faire le côté client, le management, les équipes, etc.</a:t>
-            </a:r>
-          </a:p>
-          <a:p>
-            <a:endParaRPr lang="fr-CA" dirty="0"/>
-          </a:p>
-          <a:p>
-            <a:endParaRPr lang="fr-CA" dirty="0"/>
-          </a:p>
-          <a:p>
-            <a:endParaRPr lang="fr-CA" dirty="0"/>
+              <a:rPr lang="en-CA" dirty="0" err="1"/>
+              <a:t>Cette</a:t>
+            </a:r>
+            <a:r>
+              <a:rPr lang="en-CA" dirty="0"/>
+              <a:t> </a:t>
+            </a:r>
+            <a:r>
+              <a:rPr lang="en-CA" dirty="0" err="1"/>
+              <a:t>méthode</a:t>
+            </a:r>
+            <a:r>
+              <a:rPr lang="en-CA" dirty="0"/>
+              <a:t> </a:t>
+            </a:r>
+            <a:r>
+              <a:rPr lang="en-CA" dirty="0" err="1"/>
+              <a:t>fonctionne</a:t>
+            </a:r>
+            <a:r>
+              <a:rPr lang="en-CA" dirty="0"/>
+              <a:t> </a:t>
+            </a:r>
+            <a:r>
+              <a:rPr lang="en-CA" dirty="0" err="1"/>
+              <a:t>assez</a:t>
+            </a:r>
+            <a:r>
+              <a:rPr lang="en-CA" dirty="0"/>
+              <a:t> mal </a:t>
+            </a:r>
+            <a:r>
+              <a:rPr lang="en-CA" dirty="0" err="1"/>
+              <a:t>seule</a:t>
+            </a:r>
+            <a:r>
+              <a:rPr lang="en-CA" dirty="0"/>
+              <a:t>, </a:t>
+            </a:r>
+            <a:r>
+              <a:rPr lang="en-CA" dirty="0" err="1"/>
+              <a:t>elle</a:t>
+            </a:r>
+            <a:r>
+              <a:rPr lang="en-CA" dirty="0"/>
+              <a:t> </a:t>
+            </a:r>
+            <a:r>
+              <a:rPr lang="en-CA" dirty="0" err="1"/>
+              <a:t>nécessite</a:t>
+            </a:r>
+            <a:r>
+              <a:rPr lang="en-CA" dirty="0"/>
+              <a:t> </a:t>
+            </a:r>
+            <a:r>
+              <a:rPr lang="en-CA" dirty="0" err="1"/>
+              <a:t>l’application</a:t>
+            </a:r>
+            <a:r>
+              <a:rPr lang="en-CA" dirty="0"/>
+              <a:t> de </a:t>
+            </a:r>
+            <a:r>
+              <a:rPr lang="en-CA" dirty="0" err="1"/>
+              <a:t>d’autres</a:t>
+            </a:r>
+            <a:r>
+              <a:rPr lang="en-CA" dirty="0"/>
+              <a:t> </a:t>
+            </a:r>
+            <a:r>
+              <a:rPr lang="en-CA" dirty="0" err="1"/>
+              <a:t>méthode</a:t>
+            </a:r>
+            <a:r>
+              <a:rPr lang="en-CA" dirty="0"/>
+              <a:t> pour </a:t>
+            </a:r>
+            <a:r>
+              <a:rPr lang="en-CA" dirty="0" err="1"/>
+              <a:t>être</a:t>
+            </a:r>
+            <a:r>
+              <a:rPr lang="en-CA" dirty="0"/>
+              <a:t> </a:t>
+            </a:r>
+            <a:r>
+              <a:rPr lang="en-CA" dirty="0" err="1"/>
+              <a:t>efficace</a:t>
+            </a:r>
+            <a:r>
+              <a:rPr lang="en-CA" dirty="0"/>
+              <a:t> et </a:t>
+            </a:r>
+            <a:r>
+              <a:rPr lang="en-CA" dirty="0" err="1"/>
+              <a:t>optimale</a:t>
+            </a:r>
+            <a:r>
+              <a:rPr lang="en-CA" dirty="0"/>
+              <a:t>.</a:t>
+            </a:r>
+          </a:p>
+          <a:p>
+            <a:r>
+              <a:rPr lang="en-CA" dirty="0"/>
+              <a:t>Elle </a:t>
+            </a:r>
+            <a:r>
+              <a:rPr lang="en-CA" dirty="0" err="1"/>
+              <a:t>requiert</a:t>
+            </a:r>
+            <a:r>
+              <a:rPr lang="en-CA" dirty="0"/>
+              <a:t> de changer </a:t>
+            </a:r>
+            <a:r>
+              <a:rPr lang="en-CA" dirty="0" err="1"/>
+              <a:t>plusieurs</a:t>
+            </a:r>
+            <a:r>
+              <a:rPr lang="en-CA" dirty="0"/>
+              <a:t> aspects de la culture </a:t>
+            </a:r>
+            <a:r>
+              <a:rPr lang="en-CA" dirty="0" err="1"/>
+              <a:t>d’entreprise</a:t>
+            </a:r>
+            <a:r>
+              <a:rPr lang="en-CA" dirty="0"/>
+              <a:t> et </a:t>
+            </a:r>
+            <a:r>
+              <a:rPr lang="en-CA" dirty="0" err="1"/>
+              <a:t>génère</a:t>
+            </a:r>
+            <a:r>
+              <a:rPr lang="en-CA" dirty="0"/>
+              <a:t> </a:t>
+            </a:r>
+            <a:r>
+              <a:rPr lang="en-CA" dirty="0" err="1"/>
+              <a:t>donc</a:t>
+            </a:r>
+            <a:r>
+              <a:rPr lang="en-CA" dirty="0"/>
+              <a:t> beaucoup de friction.</a:t>
+            </a:r>
+          </a:p>
+          <a:p>
+            <a:r>
+              <a:rPr lang="en-CA" dirty="0"/>
+              <a:t>La collaboration et la communication avec les </a:t>
+            </a:r>
+            <a:r>
+              <a:rPr lang="en-CA" dirty="0" err="1"/>
+              <a:t>autres</a:t>
+            </a:r>
+            <a:r>
+              <a:rPr lang="en-CA" dirty="0"/>
+              <a:t> </a:t>
+            </a:r>
+            <a:r>
+              <a:rPr lang="en-CA" dirty="0" err="1"/>
+              <a:t>équipes</a:t>
+            </a:r>
+            <a:r>
+              <a:rPr lang="en-CA" dirty="0"/>
+              <a:t> </a:t>
+            </a:r>
+            <a:r>
+              <a:rPr lang="en-CA" dirty="0" err="1"/>
+              <a:t>ou</a:t>
+            </a:r>
+            <a:r>
+              <a:rPr lang="en-CA" dirty="0"/>
+              <a:t> </a:t>
+            </a:r>
+            <a:r>
+              <a:rPr lang="en-CA" dirty="0" err="1"/>
+              <a:t>autres</a:t>
+            </a:r>
+            <a:r>
+              <a:rPr lang="en-CA" dirty="0"/>
+              <a:t> </a:t>
+            </a:r>
+            <a:r>
+              <a:rPr lang="en-CA" dirty="0" err="1"/>
+              <a:t>départements</a:t>
+            </a:r>
+            <a:endParaRPr lang="en-CA" dirty="0"/>
+          </a:p>
+          <a:p>
+            <a:r>
+              <a:rPr lang="en-CA" dirty="0"/>
+              <a:t>Il </a:t>
+            </a:r>
+            <a:r>
+              <a:rPr lang="en-CA" dirty="0" err="1"/>
+              <a:t>est</a:t>
+            </a:r>
+            <a:r>
+              <a:rPr lang="en-CA" dirty="0"/>
+              <a:t> difficile de </a:t>
+            </a:r>
+            <a:r>
+              <a:rPr lang="en-CA" dirty="0" err="1"/>
+              <a:t>motiver</a:t>
+            </a:r>
+            <a:r>
+              <a:rPr lang="en-CA" dirty="0"/>
+              <a:t> le personnel à </a:t>
+            </a:r>
+            <a:r>
+              <a:rPr lang="en-CA" dirty="0" err="1"/>
+              <a:t>utiliser</a:t>
+            </a:r>
+            <a:r>
+              <a:rPr lang="en-CA" dirty="0"/>
+              <a:t> de nouveaux </a:t>
+            </a:r>
+            <a:r>
+              <a:rPr lang="en-CA" dirty="0" err="1"/>
+              <a:t>outils</a:t>
+            </a:r>
+            <a:endParaRPr lang="en-CA" dirty="0"/>
+          </a:p>
+          <a:p>
+            <a:r>
+              <a:rPr lang="en-CA" dirty="0" err="1"/>
+              <a:t>S’intègre</a:t>
+            </a:r>
+            <a:r>
+              <a:rPr lang="en-CA" dirty="0"/>
+              <a:t> mal dans un </a:t>
+            </a:r>
+            <a:r>
+              <a:rPr lang="en-CA" dirty="0" err="1"/>
+              <a:t>projet</a:t>
+            </a:r>
+            <a:r>
+              <a:rPr lang="en-CA" dirty="0"/>
+              <a:t> déjà </a:t>
+            </a:r>
+            <a:r>
+              <a:rPr lang="en-CA" dirty="0" err="1"/>
+              <a:t>existant</a:t>
+            </a:r>
+            <a:endParaRPr lang="en-CA" dirty="0"/>
+          </a:p>
+          <a:p>
+            <a:r>
+              <a:rPr lang="en-CA" dirty="0"/>
+              <a:t>Difficile de </a:t>
+            </a:r>
+            <a:r>
+              <a:rPr lang="en-CA" dirty="0" err="1"/>
+              <a:t>gérer</a:t>
+            </a:r>
+            <a:r>
+              <a:rPr lang="en-CA" dirty="0"/>
+              <a:t> le </a:t>
+            </a:r>
+            <a:r>
+              <a:rPr lang="en-CA" dirty="0" err="1"/>
+              <a:t>taux</a:t>
+            </a:r>
+            <a:r>
+              <a:rPr lang="en-CA" dirty="0"/>
+              <a:t> de </a:t>
+            </a:r>
+            <a:r>
+              <a:rPr lang="en-CA" dirty="0" err="1"/>
+              <a:t>projet</a:t>
+            </a:r>
+            <a:r>
+              <a:rPr lang="en-CA" dirty="0"/>
+              <a:t> </a:t>
+            </a:r>
+            <a:r>
+              <a:rPr lang="en-CA" dirty="0" err="1"/>
+              <a:t>en</a:t>
+            </a:r>
+            <a:r>
+              <a:rPr lang="en-CA" dirty="0"/>
+              <a:t> </a:t>
+            </a:r>
+            <a:r>
+              <a:rPr lang="en-CA" dirty="0" err="1"/>
+              <a:t>cours</a:t>
+            </a:r>
+            <a:endParaRPr lang="en-CA" dirty="0"/>
+          </a:p>
+          <a:p>
+            <a:r>
+              <a:rPr lang="en-CA" dirty="0"/>
+              <a:t>Difficile de faire la distinctions des </a:t>
+            </a:r>
+            <a:r>
+              <a:rPr lang="en-CA" dirty="0" err="1"/>
+              <a:t>rôles</a:t>
+            </a:r>
+            <a:endParaRPr lang="en-CA" dirty="0"/>
           </a:p>
         </p:txBody>
       </p:sp>
     </p:spTree>
     <p:extLst>
       <p:ext uri="{BB962C8B-B14F-4D97-AF65-F5344CB8AC3E}">
-        <p14:creationId xmlns:p14="http://schemas.microsoft.com/office/powerpoint/2010/main" val="4216437686"/>
+        <p14:creationId xmlns:p14="http://schemas.microsoft.com/office/powerpoint/2010/main" val="2878299933"/>
       </p:ext>
     </p:extLst>
   </p:cSld>
@@ -9145,15 +11481,33 @@
                                   </p:childTnLst>
                                 </p:cTn>
                               </p:par>
+                            </p:childTnLst>
+                          </p:cTn>
+                        </p:par>
+                      </p:childTnLst>
+                    </p:cTn>
+                  </p:par>
+                  <p:par>
+                    <p:cTn id="27" fill="hold">
+                      <p:stCondLst>
+                        <p:cond delay="indefinite"/>
+                      </p:stCondLst>
+                      <p:childTnLst>
+                        <p:par>
+                          <p:cTn id="28" fill="hold">
+                            <p:stCondLst>
+                              <p:cond delay="0"/>
+                            </p:stCondLst>
+                            <p:childTnLst>
                               <p:par>
-                                <p:cTn id="27" presetID="1" presetClass="entr" presetSubtype="0" fill="hold" grpId="0" nodeType="withEffect">
+                                <p:cTn id="29" presetID="1" presetClass="entr" presetSubtype="0" fill="hold" grpId="0" nodeType="clickEffect">
                                   <p:stCondLst>
                                     <p:cond delay="0"/>
                                   </p:stCondLst>
                                   <p:childTnLst>
                                     <p:set>
                                       <p:cBhvr>
-                                        <p:cTn id="28" dur="1" fill="hold">
+                                        <p:cTn id="30" dur="1" fill="hold">
                                           <p:stCondLst>
                                             <p:cond delay="0"/>
                                           </p:stCondLst>
@@ -9182,27 +11536,417 @@
                       </p:childTnLst>
                     </p:cTn>
                   </p:par>
+                </p:childTnLst>
+              </p:cTn>
+              <p:prevCondLst>
+                <p:cond evt="onPrev" delay="0">
+                  <p:tgtEl>
+                    <p:sldTgt/>
+                  </p:tgtEl>
+                </p:cond>
+              </p:prevCondLst>
+              <p:nextCondLst>
+                <p:cond evt="onNext" delay="0">
+                  <p:tgtEl>
+                    <p:sldTgt/>
+                  </p:tgtEl>
+                </p:cond>
+              </p:nextCondLst>
+            </p:seq>
+          </p:childTnLst>
+        </p:cTn>
+      </p:par>
+    </p:tnLst>
+    <p:bldLst>
+      <p:bldP spid="3" grpId="0" build="p"/>
+    </p:bldLst>
+  </p:timing>
+</p:sld>
+</file>
+
+<file path=ppt/slides/slide9.xml><?xml version="1.0" encoding="utf-8"?>
+<p:sld xmlns:a="http://schemas.openxmlformats.org/drawingml/2006/main" xmlns:r="http://schemas.openxmlformats.org/officeDocument/2006/relationships" xmlns:p="http://schemas.openxmlformats.org/presentationml/2006/main">
+  <p:cSld>
+    <p:spTree>
+      <p:nvGrpSpPr>
+        <p:cNvPr id="1" name=""/>
+        <p:cNvGrpSpPr/>
+        <p:nvPr/>
+      </p:nvGrpSpPr>
+      <p:grpSpPr>
+        <a:xfrm>
+          <a:off x="0" y="0"/>
+          <a:ext cx="0" cy="0"/>
+          <a:chOff x="0" y="0"/>
+          <a:chExt cx="0" cy="0"/>
+        </a:xfrm>
+      </p:grpSpPr>
+      <p:sp>
+        <p:nvSpPr>
+          <p:cNvPr id="2" name="Title 1">
+            <a:extLst>
+              <a:ext uri="{FF2B5EF4-FFF2-40B4-BE49-F238E27FC236}">
+                <a16:creationId xmlns:a16="http://schemas.microsoft.com/office/drawing/2014/main" id="{55BC2DE5-6D09-4B35-8EE5-BE9BE6A18502}"/>
+              </a:ext>
+            </a:extLst>
+          </p:cNvPr>
+          <p:cNvSpPr>
+            <a:spLocks noGrp="1"/>
+          </p:cNvSpPr>
+          <p:nvPr>
+            <p:ph type="title"/>
+          </p:nvPr>
+        </p:nvSpPr>
+        <p:spPr/>
+        <p:txBody>
+          <a:bodyPr>
+            <a:normAutofit/>
+          </a:bodyPr>
+          <a:lstStyle/>
+          <a:p>
+            <a:r>
+              <a:rPr lang="en-CA" dirty="0"/>
+              <a:t>Les </a:t>
+            </a:r>
+            <a:r>
+              <a:rPr lang="en-CA" dirty="0" err="1"/>
+              <a:t>inconvénients</a:t>
+            </a:r>
+            <a:endParaRPr lang="en-CA" dirty="0"/>
+          </a:p>
+        </p:txBody>
+      </p:sp>
+      <p:sp>
+        <p:nvSpPr>
+          <p:cNvPr id="3" name="Content Placeholder 2">
+            <a:extLst>
+              <a:ext uri="{FF2B5EF4-FFF2-40B4-BE49-F238E27FC236}">
+                <a16:creationId xmlns:a16="http://schemas.microsoft.com/office/drawing/2014/main" id="{64E3AA1E-5AEF-446D-9BDF-C2DD2135D287}"/>
+              </a:ext>
+            </a:extLst>
+          </p:cNvPr>
+          <p:cNvSpPr>
+            <a:spLocks noGrp="1"/>
+          </p:cNvSpPr>
+          <p:nvPr>
+            <p:ph idx="1"/>
+          </p:nvPr>
+        </p:nvSpPr>
+        <p:spPr/>
+        <p:txBody>
+          <a:bodyPr/>
+          <a:lstStyle/>
+          <a:p>
+            <a:r>
+              <a:rPr lang="en-CA" dirty="0"/>
+              <a:t>Ne </a:t>
+            </a:r>
+            <a:r>
+              <a:rPr lang="en-CA" dirty="0" err="1"/>
+              <a:t>permet</a:t>
+            </a:r>
+            <a:r>
+              <a:rPr lang="en-CA" dirty="0"/>
+              <a:t> pas </a:t>
+            </a:r>
+            <a:r>
+              <a:rPr lang="en-CA" dirty="0" err="1"/>
+              <a:t>d’éliminer</a:t>
+            </a:r>
+            <a:r>
+              <a:rPr lang="en-CA" dirty="0"/>
+              <a:t> </a:t>
+            </a:r>
+            <a:r>
+              <a:rPr lang="en-CA" dirty="0" err="1"/>
+              <a:t>toutes</a:t>
+            </a:r>
+            <a:r>
+              <a:rPr lang="en-CA" dirty="0"/>
+              <a:t> les </a:t>
+            </a:r>
+            <a:r>
+              <a:rPr lang="en-CA" dirty="0" err="1"/>
+              <a:t>pertes</a:t>
+            </a:r>
+            <a:r>
+              <a:rPr lang="en-CA" dirty="0"/>
+              <a:t> (temps, argent etc.)</a:t>
+            </a:r>
+          </a:p>
+          <a:p>
+            <a:r>
+              <a:rPr lang="en-CA" dirty="0"/>
+              <a:t>Il </a:t>
+            </a:r>
+            <a:r>
+              <a:rPr lang="en-CA" dirty="0" err="1"/>
+              <a:t>est</a:t>
+            </a:r>
+            <a:r>
+              <a:rPr lang="en-CA" dirty="0"/>
+              <a:t> difficile de </a:t>
+            </a:r>
+            <a:r>
+              <a:rPr lang="en-CA" dirty="0" err="1"/>
+              <a:t>convaincre</a:t>
+            </a:r>
+            <a:r>
+              <a:rPr lang="en-CA" dirty="0"/>
+              <a:t> la haute direction des </a:t>
+            </a:r>
+            <a:r>
+              <a:rPr lang="en-CA" dirty="0" err="1"/>
+              <a:t>entreprises</a:t>
+            </a:r>
+            <a:r>
+              <a:rPr lang="en-CA" dirty="0"/>
+              <a:t> de faire le </a:t>
+            </a:r>
+            <a:r>
+              <a:rPr lang="en-CA" dirty="0" err="1"/>
+              <a:t>changement</a:t>
+            </a:r>
+            <a:r>
+              <a:rPr lang="en-CA" dirty="0"/>
+              <a:t> </a:t>
+            </a:r>
+            <a:r>
+              <a:rPr lang="en-CA" dirty="0" err="1"/>
+              <a:t>vers</a:t>
+            </a:r>
+            <a:r>
+              <a:rPr lang="en-CA" dirty="0"/>
+              <a:t> </a:t>
+            </a:r>
+            <a:r>
+              <a:rPr lang="en-CA" dirty="0" err="1"/>
+              <a:t>cette</a:t>
+            </a:r>
+            <a:r>
+              <a:rPr lang="en-CA" dirty="0"/>
+              <a:t> </a:t>
+            </a:r>
+            <a:r>
+              <a:rPr lang="en-CA" dirty="0" err="1"/>
+              <a:t>méthode</a:t>
+            </a:r>
+            <a:r>
+              <a:rPr lang="en-CA" dirty="0"/>
+              <a:t>.</a:t>
+            </a:r>
+          </a:p>
+          <a:p>
+            <a:r>
+              <a:rPr lang="en-CA" dirty="0"/>
+              <a:t>Il </a:t>
+            </a:r>
+            <a:r>
+              <a:rPr lang="en-CA" dirty="0" err="1"/>
+              <a:t>est</a:t>
+            </a:r>
+            <a:r>
+              <a:rPr lang="en-CA" dirty="0"/>
+              <a:t> difficile de </a:t>
+            </a:r>
+            <a:r>
+              <a:rPr lang="en-CA" dirty="0" err="1"/>
+              <a:t>gérer</a:t>
+            </a:r>
+            <a:r>
+              <a:rPr lang="en-CA" dirty="0"/>
+              <a:t> </a:t>
+            </a:r>
+            <a:r>
+              <a:rPr lang="en-CA" dirty="0" err="1"/>
+              <a:t>quelles</a:t>
+            </a:r>
+            <a:r>
+              <a:rPr lang="en-CA" dirty="0"/>
+              <a:t> </a:t>
+            </a:r>
+            <a:r>
+              <a:rPr lang="en-CA" dirty="0" err="1"/>
+              <a:t>tâches</a:t>
+            </a:r>
+            <a:r>
+              <a:rPr lang="en-CA" dirty="0"/>
+              <a:t> </a:t>
+            </a:r>
+            <a:r>
+              <a:rPr lang="en-CA" dirty="0" err="1"/>
+              <a:t>sont</a:t>
+            </a:r>
+            <a:r>
+              <a:rPr lang="en-CA" dirty="0"/>
+              <a:t> </a:t>
+            </a:r>
+            <a:r>
+              <a:rPr lang="en-CA" dirty="0" err="1"/>
+              <a:t>prioritaires</a:t>
+            </a:r>
+            <a:endParaRPr lang="en-CA" dirty="0"/>
+          </a:p>
+          <a:p>
+            <a:r>
+              <a:rPr lang="en-CA" dirty="0"/>
+              <a:t>Le partage </a:t>
+            </a:r>
+            <a:r>
+              <a:rPr lang="en-CA" dirty="0" err="1"/>
+              <a:t>d’information</a:t>
+            </a:r>
+            <a:endParaRPr lang="en-CA" dirty="0"/>
+          </a:p>
+          <a:p>
+            <a:r>
+              <a:rPr lang="en-CA" dirty="0" err="1"/>
+              <a:t>L’objectif</a:t>
+            </a:r>
+            <a:r>
+              <a:rPr lang="en-CA" dirty="0"/>
+              <a:t> final deviant </a:t>
+            </a:r>
+            <a:r>
+              <a:rPr lang="en-CA" dirty="0" err="1"/>
+              <a:t>souvent</a:t>
+            </a:r>
+            <a:r>
+              <a:rPr lang="en-CA" dirty="0"/>
+              <a:t> </a:t>
+            </a:r>
+            <a:r>
+              <a:rPr lang="en-CA" dirty="0" err="1"/>
+              <a:t>flou</a:t>
+            </a:r>
+            <a:endParaRPr lang="en-CA" dirty="0"/>
+          </a:p>
+          <a:p>
+            <a:r>
+              <a:rPr lang="en-CA" dirty="0"/>
+              <a:t>Un </a:t>
+            </a:r>
+            <a:r>
+              <a:rPr lang="en-CA" dirty="0" err="1"/>
+              <a:t>ligne</a:t>
+            </a:r>
+            <a:r>
+              <a:rPr lang="en-CA" dirty="0"/>
+              <a:t> </a:t>
+            </a:r>
+            <a:r>
+              <a:rPr lang="en-CA" dirty="0" err="1"/>
+              <a:t>directrice</a:t>
+            </a:r>
+            <a:r>
+              <a:rPr lang="en-CA" dirty="0"/>
+              <a:t> </a:t>
+            </a:r>
+            <a:r>
+              <a:rPr lang="en-CA" dirty="0" err="1"/>
+              <a:t>est</a:t>
+            </a:r>
+            <a:r>
+              <a:rPr lang="en-CA" dirty="0"/>
+              <a:t> necessaire pour </a:t>
+            </a:r>
+            <a:r>
+              <a:rPr lang="en-CA" dirty="0" err="1"/>
+              <a:t>comprendre</a:t>
+            </a:r>
+            <a:r>
+              <a:rPr lang="en-CA" dirty="0"/>
+              <a:t> le </a:t>
+            </a:r>
+            <a:r>
+              <a:rPr lang="en-CA" dirty="0" err="1"/>
+              <a:t>processus</a:t>
+            </a:r>
+            <a:r>
+              <a:rPr lang="en-CA" dirty="0"/>
+              <a:t> dans son ensemble</a:t>
+            </a:r>
+          </a:p>
+          <a:p>
+            <a:r>
+              <a:rPr lang="en-CA" dirty="0" err="1"/>
+              <a:t>N’est</a:t>
+            </a:r>
+            <a:r>
+              <a:rPr lang="en-CA" dirty="0"/>
+              <a:t> </a:t>
+            </a:r>
+            <a:r>
+              <a:rPr lang="en-CA" dirty="0" err="1"/>
+              <a:t>parfois</a:t>
+            </a:r>
+            <a:r>
+              <a:rPr lang="en-CA" dirty="0"/>
+              <a:t> pas </a:t>
+            </a:r>
+            <a:r>
+              <a:rPr lang="en-CA" dirty="0" err="1"/>
+              <a:t>conforme</a:t>
+            </a:r>
+            <a:r>
+              <a:rPr lang="en-CA" dirty="0"/>
+              <a:t> avec les standards déjà </a:t>
+            </a:r>
+            <a:r>
+              <a:rPr lang="en-CA" dirty="0" err="1"/>
+              <a:t>en</a:t>
+            </a:r>
+            <a:r>
+              <a:rPr lang="en-CA" dirty="0"/>
+              <a:t> place de </a:t>
+            </a:r>
+            <a:r>
+              <a:rPr lang="en-CA" dirty="0" err="1"/>
+              <a:t>l’entreprise</a:t>
+            </a:r>
+            <a:endParaRPr lang="en-CA" dirty="0"/>
+          </a:p>
+        </p:txBody>
+      </p:sp>
+    </p:spTree>
+    <p:extLst>
+      <p:ext uri="{BB962C8B-B14F-4D97-AF65-F5344CB8AC3E}">
+        <p14:creationId xmlns:p14="http://schemas.microsoft.com/office/powerpoint/2010/main" val="2586685576"/>
+      </p:ext>
+    </p:extLst>
+  </p:cSld>
+  <p:clrMapOvr>
+    <a:masterClrMapping/>
+  </p:clrMapOvr>
+  <p:timing>
+    <p:tnLst>
+      <p:par>
+        <p:cTn id="1" dur="indefinite" restart="never" nodeType="tmRoot">
+          <p:childTnLst>
+            <p:seq concurrent="1" nextAc="seek">
+              <p:cTn id="2" dur="indefinite" nodeType="mainSeq">
+                <p:childTnLst>
                   <p:par>
-                    <p:cTn id="29" fill="hold">
+                    <p:cTn id="3" fill="hold">
                       <p:stCondLst>
                         <p:cond delay="indefinite"/>
                       </p:stCondLst>
                       <p:childTnLst>
                         <p:par>
-                          <p:cTn id="30" fill="hold">
+                          <p:cTn id="4" fill="hold">
                             <p:stCondLst>
                               <p:cond delay="0"/>
                             </p:stCondLst>
                             <p:childTnLst>
                               <p:par>
-                                <p:cTn id="31" presetID="1" presetClass="entr" presetSubtype="0" fill="hold" grpId="0" nodeType="clickEffect">
+                                <p:cTn id="5" presetID="1" presetClass="entr" presetSubtype="0" fill="hold" grpId="0" nodeType="clickEffect">
                                   <p:stCondLst>
                                     <p:cond delay="0"/>
                                   </p:stCondLst>
                                   <p:childTnLst>
                                     <p:set>
                                       <p:cBhvr>
-                                        <p:cTn id="32" dur="1" fill="hold">
+                                        <p:cTn id="6" dur="1" fill="hold">
                                           <p:stCondLst>
                                             <p:cond delay="0"/>
                                           </p:stCondLst>
@@ -9210,7 +11954,7 @@
                                         <p:tgtEl>
                                           <p:spTgt spid="3">
                                             <p:txEl>
-                                              <p:pRg st="7" end="7"/>
+                                              <p:pRg st="0" end="0"/>
                                             </p:txEl>
                                           </p:spTgt>
                                         </p:tgtEl>
@@ -9225,15 +11969,33 @@
                                   </p:childTnLst>
                                 </p:cTn>
                               </p:par>
+                            </p:childTnLst>
+                          </p:cTn>
+                        </p:par>
+                      </p:childTnLst>
+                    </p:cTn>
+                  </p:par>
+                  <p:par>
+                    <p:cTn id="7" fill="hold">
+                      <p:stCondLst>
+                        <p:cond delay="indefinite"/>
+                      </p:stCondLst>
+                      <p:childTnLst>
+                        <p:par>
+                          <p:cTn id="8" fill="hold">
+                            <p:stCondLst>
+                              <p:cond delay="0"/>
+                            </p:stCondLst>
+                            <p:childTnLst>
                               <p:par>
-                                <p:cTn id="33" presetID="1" presetClass="entr" presetSubtype="0" fill="hold" grpId="0" nodeType="withEffect">
+                                <p:cTn id="9" presetID="1" presetClass="entr" presetSubtype="0" fill="hold" grpId="0" nodeType="clickEffect">
                                   <p:stCondLst>
                                     <p:cond delay="0"/>
                                   </p:stCondLst>
                                   <p:childTnLst>
                                     <p:set>
                                       <p:cBhvr>
-                                        <p:cTn id="34" dur="1" fill="hold">
+                                        <p:cTn id="10" dur="1" fill="hold">
                                           <p:stCondLst>
                                             <p:cond delay="0"/>
                                           </p:stCondLst>
@@ -9241,7 +12003,7 @@
                                         <p:tgtEl>
                                           <p:spTgt spid="3">
                                             <p:txEl>
-                                              <p:pRg st="8" end="8"/>
+                                              <p:pRg st="1" end="1"/>
                                             </p:txEl>
                                           </p:spTgt>
                                         </p:tgtEl>
@@ -9256,15 +12018,33 @@
                                   </p:childTnLst>
                                 </p:cTn>
                               </p:par>
+                            </p:childTnLst>
+                          </p:cTn>
+                        </p:par>
+                      </p:childTnLst>
+                    </p:cTn>
+                  </p:par>
+                  <p:par>
+                    <p:cTn id="11" fill="hold">
+                      <p:stCondLst>
+                        <p:cond delay="indefinite"/>
+                      </p:stCondLst>
+                      <p:childTnLst>
+                        <p:par>
+                          <p:cTn id="12" fill="hold">
+                            <p:stCondLst>
+                              <p:cond delay="0"/>
+                            </p:stCondLst>
+                            <p:childTnLst>
                               <p:par>
-                                <p:cTn id="35" presetID="1" presetClass="entr" presetSubtype="0" fill="hold" grpId="0" nodeType="withEffect">
+                                <p:cTn id="13" presetID="1" presetClass="entr" presetSubtype="0" fill="hold" grpId="0" nodeType="clickEffect">
                                   <p:stCondLst>
                                     <p:cond delay="0"/>
                                   </p:stCondLst>
                                   <p:childTnLst>
                                     <p:set>
                                       <p:cBhvr>
-                                        <p:cTn id="36" dur="1" fill="hold">
+                                        <p:cTn id="14" dur="1" fill="hold">
                                           <p:stCondLst>
                                             <p:cond delay="0"/>
                                           </p:stCondLst>
@@ -9272,7 +12052,203 @@
                                         <p:tgtEl>
                                           <p:spTgt spid="3">
                                             <p:txEl>
-                                              <p:pRg st="9" end="9"/>
+                                              <p:pRg st="2" end="2"/>
+                                            </p:txEl>
+                                          </p:spTgt>
+                                        </p:tgtEl>
+                                        <p:attrNameLst>
+                                          <p:attrName>style.visibility</p:attrName>
+                                        </p:attrNameLst>
+                                      </p:cBhvr>
+                                      <p:to>
+                                        <p:strVal val="visible"/>
+                                      </p:to>
+                                    </p:set>
+                                  </p:childTnLst>
+                                </p:cTn>
+                              </p:par>
+                            </p:childTnLst>
+                          </p:cTn>
+                        </p:par>
+                      </p:childTnLst>
+                    </p:cTn>
+                  </p:par>
+                  <p:par>
+                    <p:cTn id="15" fill="hold">
+                      <p:stCondLst>
+                        <p:cond delay="indefinite"/>
+                      </p:stCondLst>
+                      <p:childTnLst>
+                        <p:par>
+                          <p:cTn id="16" fill="hold">
+                            <p:stCondLst>
+                              <p:cond delay="0"/>
+                            </p:stCondLst>
+                            <p:childTnLst>
+                              <p:par>
+                                <p:cTn id="17" presetID="1" presetClass="entr" presetSubtype="0" fill="hold" grpId="0" nodeType="clickEffect">
+                                  <p:stCondLst>
+                                    <p:cond delay="0"/>
+                                  </p:stCondLst>
+                                  <p:childTnLst>
+                                    <p:set>
+                                      <p:cBhvr>
+                                        <p:cTn id="18" dur="1" fill="hold">
+                                          <p:stCondLst>
+                                            <p:cond delay="0"/>
+                                          </p:stCondLst>
+                                        </p:cTn>
+                                        <p:tgtEl>
+                                          <p:spTgt spid="3">
+                                            <p:txEl>
+                                              <p:pRg st="3" end="3"/>
+                                            </p:txEl>
+                                          </p:spTgt>
+                                        </p:tgtEl>
+                                        <p:attrNameLst>
+                                          <p:attrName>style.visibility</p:attrName>
+                                        </p:attrNameLst>
+                                      </p:cBhvr>
+                                      <p:to>
+                                        <p:strVal val="visible"/>
+                                      </p:to>
+                                    </p:set>
+                                  </p:childTnLst>
+                                </p:cTn>
+                              </p:par>
+                            </p:childTnLst>
+                          </p:cTn>
+                        </p:par>
+                      </p:childTnLst>
+                    </p:cTn>
+                  </p:par>
+                  <p:par>
+                    <p:cTn id="19" fill="hold">
+                      <p:stCondLst>
+                        <p:cond delay="indefinite"/>
+                      </p:stCondLst>
+                      <p:childTnLst>
+                        <p:par>
+                          <p:cTn id="20" fill="hold">
+                            <p:stCondLst>
+                              <p:cond delay="0"/>
+                            </p:stCondLst>
+                            <p:childTnLst>
+                              <p:par>
+                                <p:cTn id="21" presetID="1" presetClass="entr" presetSubtype="0" fill="hold" grpId="0" nodeType="clickEffect">
+                                  <p:stCondLst>
+                                    <p:cond delay="0"/>
+                                  </p:stCondLst>
+                                  <p:childTnLst>
+                                    <p:set>
+                                      <p:cBhvr>
+                                        <p:cTn id="22" dur="1" fill="hold">
+                                          <p:stCondLst>
+                                            <p:cond delay="0"/>
+                                          </p:stCondLst>
+                                        </p:cTn>
+                                        <p:tgtEl>
+                                          <p:spTgt spid="3">
+                                            <p:txEl>
+                                              <p:pRg st="4" end="4"/>
+                                            </p:txEl>
+                                          </p:spTgt>
+                                        </p:tgtEl>
+                                        <p:attrNameLst>
+                                          <p:attrName>style.visibility</p:attrName>
+                                        </p:attrNameLst>
+                                      </p:cBhvr>
+                                      <p:to>
+                                        <p:strVal val="visible"/>
+                                      </p:to>
+                                    </p:set>
+                                  </p:childTnLst>
+                                </p:cTn>
+                              </p:par>
+                            </p:childTnLst>
+                          </p:cTn>
+                        </p:par>
+                      </p:childTnLst>
+                    </p:cTn>
+                  </p:par>
+                  <p:par>
+                    <p:cTn id="23" fill="hold">
+                      <p:stCondLst>
+                        <p:cond delay="indefinite"/>
+                      </p:stCondLst>
+                      <p:childTnLst>
+                        <p:par>
+                          <p:cTn id="24" fill="hold">
+                            <p:stCondLst>
+                              <p:cond delay="0"/>
+                            </p:stCondLst>
+                            <p:childTnLst>
+                              <p:par>
+                                <p:cTn id="25" presetID="1" presetClass="entr" presetSubtype="0" fill="hold" grpId="0" nodeType="clickEffect">
+                                  <p:stCondLst>
+                                    <p:cond delay="0"/>
+                                  </p:stCondLst>
+                                  <p:childTnLst>
+                                    <p:set>
+                                      <p:cBhvr>
+                                        <p:cTn id="26" dur="1" fill="hold">
+                                          <p:stCondLst>
+                                            <p:cond delay="0"/>
+                                          </p:stCondLst>
+                                        </p:cTn>
+                                        <p:tgtEl>
+                                          <p:spTgt spid="3">
+                                            <p:txEl>
+                                              <p:pRg st="5" end="5"/>
+                                            </p:txEl>
+                                          </p:spTgt>
+                                        </p:tgtEl>
+                                        <p:attrNameLst>
+                                          <p:attrName>style.visibility</p:attrName>
+                                        </p:attrNameLst>
+                                      </p:cBhvr>
+                                      <p:to>
+                                        <p:strVal val="visible"/>
+                                      </p:to>
+                                    </p:set>
+                                  </p:childTnLst>
+                                </p:cTn>
+                              </p:par>
+                            </p:childTnLst>
+                          </p:cTn>
+                        </p:par>
+                      </p:childTnLst>
+                    </p:cTn>
+                  </p:par>
+                  <p:par>
+                    <p:cTn id="27" fill="hold">
+                      <p:stCondLst>
+                        <p:cond delay="indefinite"/>
+                      </p:stCondLst>
+                      <p:childTnLst>
+                        <p:par>
+                          <p:cTn id="28" fill="hold">
+                            <p:stCondLst>
+                              <p:cond delay="0"/>
+                            </p:stCondLst>
+                            <p:childTnLst>
+                              <p:par>
+                                <p:cTn id="29" presetID="1" presetClass="entr" presetSubtype="0" fill="hold" grpId="0" nodeType="clickEffect">
+                                  <p:stCondLst>
+                                    <p:cond delay="0"/>
+                                  </p:stCondLst>
+                                  <p:childTnLst>
+                                    <p:set>
+                                      <p:cBhvr>
+                                        <p:cTn id="30" dur="1" fill="hold">
+                                          <p:stCondLst>
+                                            <p:cond delay="0"/>
+                                          </p:stCondLst>
+                                        </p:cTn>
+                                        <p:tgtEl>
+                                          <p:spTgt spid="3">
+                                            <p:txEl>
+                                              <p:pRg st="6" end="6"/>
                                             </p:txEl>
                                           </p:spTgt>
                                         </p:tgtEl>

--- a/PP-DAVE.pptx
+++ b/PP-DAVE.pptx
@@ -6,17 +6,24 @@
   </p:sldMasterIdLst>
   <p:sldIdLst>
     <p:sldId id="256" r:id="rId2"/>
-    <p:sldId id="257" r:id="rId3"/>
-    <p:sldId id="258" r:id="rId4"/>
-    <p:sldId id="261" r:id="rId5"/>
-    <p:sldId id="259" r:id="rId6"/>
-    <p:sldId id="262" r:id="rId7"/>
-    <p:sldId id="263" r:id="rId8"/>
-    <p:sldId id="265" r:id="rId9"/>
-    <p:sldId id="264" r:id="rId10"/>
-    <p:sldId id="260" r:id="rId11"/>
-    <p:sldId id="267" r:id="rId12"/>
-    <p:sldId id="266" r:id="rId13"/>
+    <p:sldId id="268" r:id="rId3"/>
+    <p:sldId id="269" r:id="rId4"/>
+    <p:sldId id="270" r:id="rId5"/>
+    <p:sldId id="271" r:id="rId6"/>
+    <p:sldId id="272" r:id="rId7"/>
+    <p:sldId id="273" r:id="rId8"/>
+    <p:sldId id="274" r:id="rId9"/>
+    <p:sldId id="257" r:id="rId10"/>
+    <p:sldId id="258" r:id="rId11"/>
+    <p:sldId id="261" r:id="rId12"/>
+    <p:sldId id="259" r:id="rId13"/>
+    <p:sldId id="262" r:id="rId14"/>
+    <p:sldId id="263" r:id="rId15"/>
+    <p:sldId id="265" r:id="rId16"/>
+    <p:sldId id="264" r:id="rId17"/>
+    <p:sldId id="260" r:id="rId18"/>
+    <p:sldId id="267" r:id="rId19"/>
+    <p:sldId id="266" r:id="rId20"/>
   </p:sldIdLst>
   <p:sldSz cx="12192000" cy="6858000"/>
   <p:notesSz cx="6858000" cy="9144000"/>
@@ -6121,1869 +6128,6 @@
           <p:cNvPr id="2" name="Title 1">
             <a:extLst>
               <a:ext uri="{FF2B5EF4-FFF2-40B4-BE49-F238E27FC236}">
-                <a16:creationId xmlns:a16="http://schemas.microsoft.com/office/drawing/2014/main" id="{EBDBC269-03F8-44E0-8873-7A09FB706B9D}"/>
-              </a:ext>
-            </a:extLst>
-          </p:cNvPr>
-          <p:cNvSpPr>
-            <a:spLocks noGrp="1"/>
-          </p:cNvSpPr>
-          <p:nvPr>
-            <p:ph type="title"/>
-          </p:nvPr>
-        </p:nvSpPr>
-        <p:spPr/>
-        <p:txBody>
-          <a:bodyPr/>
-          <a:lstStyle/>
-          <a:p>
-            <a:r>
-              <a:rPr lang="fr-CA" dirty="0"/>
-              <a:t>Conclusion</a:t>
-            </a:r>
-          </a:p>
-        </p:txBody>
-      </p:sp>
-      <p:sp>
-        <p:nvSpPr>
-          <p:cNvPr id="3" name="Content Placeholder 2">
-            <a:extLst>
-              <a:ext uri="{FF2B5EF4-FFF2-40B4-BE49-F238E27FC236}">
-                <a16:creationId xmlns:a16="http://schemas.microsoft.com/office/drawing/2014/main" id="{9DFD1CD0-CE01-46A9-A3EF-9DF8F02FFD64}"/>
-              </a:ext>
-            </a:extLst>
-          </p:cNvPr>
-          <p:cNvSpPr>
-            <a:spLocks noGrp="1"/>
-          </p:cNvSpPr>
-          <p:nvPr>
-            <p:ph idx="1"/>
-          </p:nvPr>
-        </p:nvSpPr>
-        <p:spPr>
-          <a:xfrm>
-            <a:off x="913795" y="1580050"/>
-            <a:ext cx="10353762" cy="5061382"/>
-          </a:xfrm>
-        </p:spPr>
-        <p:txBody>
-          <a:bodyPr>
-            <a:normAutofit lnSpcReduction="10000"/>
-          </a:bodyPr>
-          <a:lstStyle/>
-          <a:p>
-            <a:r>
-              <a:rPr lang="fr-CA" dirty="0"/>
-              <a:t>Il est possible de facilement intégrer le kanban dans tous les projets actifs. </a:t>
-            </a:r>
-          </a:p>
-          <a:p>
-            <a:r>
-              <a:rPr lang="fr-CA" dirty="0"/>
-              <a:t>Le kanban est un système ultra simple et efficace qui réduit le gaspille de temps et d’énergie</a:t>
-            </a:r>
-          </a:p>
-          <a:p>
-            <a:r>
-              <a:rPr lang="fr-CA" dirty="0"/>
-              <a:t>Possibilité d’être appliqué à tous les domaines de production</a:t>
-            </a:r>
-          </a:p>
-          <a:p>
-            <a:r>
-              <a:rPr lang="fr-CA" dirty="0"/>
-              <a:t>Pas la méthode la plus performante dans de grosses productions où les tâches sont toujours les mêmes.</a:t>
-            </a:r>
-          </a:p>
-          <a:p>
-            <a:r>
-              <a:rPr lang="fr-CA" dirty="0"/>
-              <a:t>Le kanban impose une limite de Work in Progress pour ne pas perdre le contrôle de la production. (mais il y a des risques de bottleneck)</a:t>
-            </a:r>
-          </a:p>
-          <a:p>
-            <a:r>
-              <a:rPr lang="fr-CA" dirty="0"/>
-              <a:t>Les délais de livraisons sont plus stables et plus facile à prédire.</a:t>
-            </a:r>
-          </a:p>
-          <a:p>
-            <a:pPr lvl="1"/>
-            <a:r>
-              <a:rPr lang="fr-CA" dirty="0"/>
-              <a:t>Mais les changement en milieu de projet sont un risque de ralentissement.</a:t>
-            </a:r>
-          </a:p>
-          <a:p>
-            <a:r>
-              <a:rPr lang="fr-CA" dirty="0"/>
-              <a:t>Le kanban vise plutôt le travail à l’interne (la production elle-même)</a:t>
-            </a:r>
-          </a:p>
-          <a:p>
-            <a:pPr lvl="1"/>
-            <a:r>
-              <a:rPr lang="fr-CA" dirty="0"/>
-              <a:t>Mais le Kanban est facile à joindre à une autre méthodologie comme le SCRUM.</a:t>
-            </a:r>
-          </a:p>
-          <a:p>
-            <a:pPr lvl="2"/>
-            <a:r>
-              <a:rPr lang="fr-CA" dirty="0"/>
-              <a:t>Le SCRUM donne une structure plus complète et permet de faire le côté client, le management, les équipes, etc.</a:t>
-            </a:r>
-          </a:p>
-          <a:p>
-            <a:endParaRPr lang="fr-CA" dirty="0"/>
-          </a:p>
-          <a:p>
-            <a:endParaRPr lang="fr-CA" dirty="0"/>
-          </a:p>
-          <a:p>
-            <a:endParaRPr lang="fr-CA" dirty="0"/>
-          </a:p>
-        </p:txBody>
-      </p:sp>
-    </p:spTree>
-    <p:extLst>
-      <p:ext uri="{BB962C8B-B14F-4D97-AF65-F5344CB8AC3E}">
-        <p14:creationId xmlns:p14="http://schemas.microsoft.com/office/powerpoint/2010/main" val="4216437686"/>
-      </p:ext>
-    </p:extLst>
-  </p:cSld>
-  <p:clrMapOvr>
-    <a:masterClrMapping/>
-  </p:clrMapOvr>
-  <p:timing>
-    <p:tnLst>
-      <p:par>
-        <p:cTn id="1" dur="indefinite" restart="never" nodeType="tmRoot">
-          <p:childTnLst>
-            <p:seq concurrent="1" nextAc="seek">
-              <p:cTn id="2" dur="indefinite" nodeType="mainSeq">
-                <p:childTnLst>
-                  <p:par>
-                    <p:cTn id="3" fill="hold">
-                      <p:stCondLst>
-                        <p:cond delay="indefinite"/>
-                      </p:stCondLst>
-                      <p:childTnLst>
-                        <p:par>
-                          <p:cTn id="4" fill="hold">
-                            <p:stCondLst>
-                              <p:cond delay="0"/>
-                            </p:stCondLst>
-                            <p:childTnLst>
-                              <p:par>
-                                <p:cTn id="5" presetID="1" presetClass="entr" presetSubtype="0" fill="hold" grpId="0" nodeType="clickEffect">
-                                  <p:stCondLst>
-                                    <p:cond delay="0"/>
-                                  </p:stCondLst>
-                                  <p:childTnLst>
-                                    <p:set>
-                                      <p:cBhvr>
-                                        <p:cTn id="6" dur="1" fill="hold">
-                                          <p:stCondLst>
-                                            <p:cond delay="0"/>
-                                          </p:stCondLst>
-                                        </p:cTn>
-                                        <p:tgtEl>
-                                          <p:spTgt spid="3">
-                                            <p:txEl>
-                                              <p:pRg st="0" end="0"/>
-                                            </p:txEl>
-                                          </p:spTgt>
-                                        </p:tgtEl>
-                                        <p:attrNameLst>
-                                          <p:attrName>style.visibility</p:attrName>
-                                        </p:attrNameLst>
-                                      </p:cBhvr>
-                                      <p:to>
-                                        <p:strVal val="visible"/>
-                                      </p:to>
-                                    </p:set>
-                                  </p:childTnLst>
-                                </p:cTn>
-                              </p:par>
-                            </p:childTnLst>
-                          </p:cTn>
-                        </p:par>
-                      </p:childTnLst>
-                    </p:cTn>
-                  </p:par>
-                  <p:par>
-                    <p:cTn id="7" fill="hold">
-                      <p:stCondLst>
-                        <p:cond delay="indefinite"/>
-                      </p:stCondLst>
-                      <p:childTnLst>
-                        <p:par>
-                          <p:cTn id="8" fill="hold">
-                            <p:stCondLst>
-                              <p:cond delay="0"/>
-                            </p:stCondLst>
-                            <p:childTnLst>
-                              <p:par>
-                                <p:cTn id="9" presetID="1" presetClass="entr" presetSubtype="0" fill="hold" grpId="0" nodeType="clickEffect">
-                                  <p:stCondLst>
-                                    <p:cond delay="0"/>
-                                  </p:stCondLst>
-                                  <p:childTnLst>
-                                    <p:set>
-                                      <p:cBhvr>
-                                        <p:cTn id="10" dur="1" fill="hold">
-                                          <p:stCondLst>
-                                            <p:cond delay="0"/>
-                                          </p:stCondLst>
-                                        </p:cTn>
-                                        <p:tgtEl>
-                                          <p:spTgt spid="3">
-                                            <p:txEl>
-                                              <p:pRg st="1" end="1"/>
-                                            </p:txEl>
-                                          </p:spTgt>
-                                        </p:tgtEl>
-                                        <p:attrNameLst>
-                                          <p:attrName>style.visibility</p:attrName>
-                                        </p:attrNameLst>
-                                      </p:cBhvr>
-                                      <p:to>
-                                        <p:strVal val="visible"/>
-                                      </p:to>
-                                    </p:set>
-                                  </p:childTnLst>
-                                </p:cTn>
-                              </p:par>
-                            </p:childTnLst>
-                          </p:cTn>
-                        </p:par>
-                      </p:childTnLst>
-                    </p:cTn>
-                  </p:par>
-                  <p:par>
-                    <p:cTn id="11" fill="hold">
-                      <p:stCondLst>
-                        <p:cond delay="indefinite"/>
-                      </p:stCondLst>
-                      <p:childTnLst>
-                        <p:par>
-                          <p:cTn id="12" fill="hold">
-                            <p:stCondLst>
-                              <p:cond delay="0"/>
-                            </p:stCondLst>
-                            <p:childTnLst>
-                              <p:par>
-                                <p:cTn id="13" presetID="1" presetClass="entr" presetSubtype="0" fill="hold" grpId="0" nodeType="clickEffect">
-                                  <p:stCondLst>
-                                    <p:cond delay="0"/>
-                                  </p:stCondLst>
-                                  <p:childTnLst>
-                                    <p:set>
-                                      <p:cBhvr>
-                                        <p:cTn id="14" dur="1" fill="hold">
-                                          <p:stCondLst>
-                                            <p:cond delay="0"/>
-                                          </p:stCondLst>
-                                        </p:cTn>
-                                        <p:tgtEl>
-                                          <p:spTgt spid="3">
-                                            <p:txEl>
-                                              <p:pRg st="2" end="2"/>
-                                            </p:txEl>
-                                          </p:spTgt>
-                                        </p:tgtEl>
-                                        <p:attrNameLst>
-                                          <p:attrName>style.visibility</p:attrName>
-                                        </p:attrNameLst>
-                                      </p:cBhvr>
-                                      <p:to>
-                                        <p:strVal val="visible"/>
-                                      </p:to>
-                                    </p:set>
-                                  </p:childTnLst>
-                                </p:cTn>
-                              </p:par>
-                            </p:childTnLst>
-                          </p:cTn>
-                        </p:par>
-                      </p:childTnLst>
-                    </p:cTn>
-                  </p:par>
-                  <p:par>
-                    <p:cTn id="15" fill="hold">
-                      <p:stCondLst>
-                        <p:cond delay="indefinite"/>
-                      </p:stCondLst>
-                      <p:childTnLst>
-                        <p:par>
-                          <p:cTn id="16" fill="hold">
-                            <p:stCondLst>
-                              <p:cond delay="0"/>
-                            </p:stCondLst>
-                            <p:childTnLst>
-                              <p:par>
-                                <p:cTn id="17" presetID="1" presetClass="entr" presetSubtype="0" fill="hold" grpId="0" nodeType="clickEffect">
-                                  <p:stCondLst>
-                                    <p:cond delay="0"/>
-                                  </p:stCondLst>
-                                  <p:childTnLst>
-                                    <p:set>
-                                      <p:cBhvr>
-                                        <p:cTn id="18" dur="1" fill="hold">
-                                          <p:stCondLst>
-                                            <p:cond delay="0"/>
-                                          </p:stCondLst>
-                                        </p:cTn>
-                                        <p:tgtEl>
-                                          <p:spTgt spid="3">
-                                            <p:txEl>
-                                              <p:pRg st="3" end="3"/>
-                                            </p:txEl>
-                                          </p:spTgt>
-                                        </p:tgtEl>
-                                        <p:attrNameLst>
-                                          <p:attrName>style.visibility</p:attrName>
-                                        </p:attrNameLst>
-                                      </p:cBhvr>
-                                      <p:to>
-                                        <p:strVal val="visible"/>
-                                      </p:to>
-                                    </p:set>
-                                  </p:childTnLst>
-                                </p:cTn>
-                              </p:par>
-                            </p:childTnLst>
-                          </p:cTn>
-                        </p:par>
-                      </p:childTnLst>
-                    </p:cTn>
-                  </p:par>
-                  <p:par>
-                    <p:cTn id="19" fill="hold">
-                      <p:stCondLst>
-                        <p:cond delay="indefinite"/>
-                      </p:stCondLst>
-                      <p:childTnLst>
-                        <p:par>
-                          <p:cTn id="20" fill="hold">
-                            <p:stCondLst>
-                              <p:cond delay="0"/>
-                            </p:stCondLst>
-                            <p:childTnLst>
-                              <p:par>
-                                <p:cTn id="21" presetID="1" presetClass="entr" presetSubtype="0" fill="hold" grpId="0" nodeType="clickEffect">
-                                  <p:stCondLst>
-                                    <p:cond delay="0"/>
-                                  </p:stCondLst>
-                                  <p:childTnLst>
-                                    <p:set>
-                                      <p:cBhvr>
-                                        <p:cTn id="22" dur="1" fill="hold">
-                                          <p:stCondLst>
-                                            <p:cond delay="0"/>
-                                          </p:stCondLst>
-                                        </p:cTn>
-                                        <p:tgtEl>
-                                          <p:spTgt spid="3">
-                                            <p:txEl>
-                                              <p:pRg st="4" end="4"/>
-                                            </p:txEl>
-                                          </p:spTgt>
-                                        </p:tgtEl>
-                                        <p:attrNameLst>
-                                          <p:attrName>style.visibility</p:attrName>
-                                        </p:attrNameLst>
-                                      </p:cBhvr>
-                                      <p:to>
-                                        <p:strVal val="visible"/>
-                                      </p:to>
-                                    </p:set>
-                                  </p:childTnLst>
-                                </p:cTn>
-                              </p:par>
-                            </p:childTnLst>
-                          </p:cTn>
-                        </p:par>
-                      </p:childTnLst>
-                    </p:cTn>
-                  </p:par>
-                  <p:par>
-                    <p:cTn id="23" fill="hold">
-                      <p:stCondLst>
-                        <p:cond delay="indefinite"/>
-                      </p:stCondLst>
-                      <p:childTnLst>
-                        <p:par>
-                          <p:cTn id="24" fill="hold">
-                            <p:stCondLst>
-                              <p:cond delay="0"/>
-                            </p:stCondLst>
-                            <p:childTnLst>
-                              <p:par>
-                                <p:cTn id="25" presetID="1" presetClass="entr" presetSubtype="0" fill="hold" grpId="0" nodeType="clickEffect">
-                                  <p:stCondLst>
-                                    <p:cond delay="0"/>
-                                  </p:stCondLst>
-                                  <p:childTnLst>
-                                    <p:set>
-                                      <p:cBhvr>
-                                        <p:cTn id="26" dur="1" fill="hold">
-                                          <p:stCondLst>
-                                            <p:cond delay="0"/>
-                                          </p:stCondLst>
-                                        </p:cTn>
-                                        <p:tgtEl>
-                                          <p:spTgt spid="3">
-                                            <p:txEl>
-                                              <p:pRg st="5" end="5"/>
-                                            </p:txEl>
-                                          </p:spTgt>
-                                        </p:tgtEl>
-                                        <p:attrNameLst>
-                                          <p:attrName>style.visibility</p:attrName>
-                                        </p:attrNameLst>
-                                      </p:cBhvr>
-                                      <p:to>
-                                        <p:strVal val="visible"/>
-                                      </p:to>
-                                    </p:set>
-                                  </p:childTnLst>
-                                </p:cTn>
-                              </p:par>
-                              <p:par>
-                                <p:cTn id="27" presetID="1" presetClass="entr" presetSubtype="0" fill="hold" grpId="0" nodeType="withEffect">
-                                  <p:stCondLst>
-                                    <p:cond delay="0"/>
-                                  </p:stCondLst>
-                                  <p:childTnLst>
-                                    <p:set>
-                                      <p:cBhvr>
-                                        <p:cTn id="28" dur="1" fill="hold">
-                                          <p:stCondLst>
-                                            <p:cond delay="0"/>
-                                          </p:stCondLst>
-                                        </p:cTn>
-                                        <p:tgtEl>
-                                          <p:spTgt spid="3">
-                                            <p:txEl>
-                                              <p:pRg st="6" end="6"/>
-                                            </p:txEl>
-                                          </p:spTgt>
-                                        </p:tgtEl>
-                                        <p:attrNameLst>
-                                          <p:attrName>style.visibility</p:attrName>
-                                        </p:attrNameLst>
-                                      </p:cBhvr>
-                                      <p:to>
-                                        <p:strVal val="visible"/>
-                                      </p:to>
-                                    </p:set>
-                                  </p:childTnLst>
-                                </p:cTn>
-                              </p:par>
-                            </p:childTnLst>
-                          </p:cTn>
-                        </p:par>
-                      </p:childTnLst>
-                    </p:cTn>
-                  </p:par>
-                  <p:par>
-                    <p:cTn id="29" fill="hold">
-                      <p:stCondLst>
-                        <p:cond delay="indefinite"/>
-                      </p:stCondLst>
-                      <p:childTnLst>
-                        <p:par>
-                          <p:cTn id="30" fill="hold">
-                            <p:stCondLst>
-                              <p:cond delay="0"/>
-                            </p:stCondLst>
-                            <p:childTnLst>
-                              <p:par>
-                                <p:cTn id="31" presetID="1" presetClass="entr" presetSubtype="0" fill="hold" grpId="0" nodeType="clickEffect">
-                                  <p:stCondLst>
-                                    <p:cond delay="0"/>
-                                  </p:stCondLst>
-                                  <p:childTnLst>
-                                    <p:set>
-                                      <p:cBhvr>
-                                        <p:cTn id="32" dur="1" fill="hold">
-                                          <p:stCondLst>
-                                            <p:cond delay="0"/>
-                                          </p:stCondLst>
-                                        </p:cTn>
-                                        <p:tgtEl>
-                                          <p:spTgt spid="3">
-                                            <p:txEl>
-                                              <p:pRg st="7" end="7"/>
-                                            </p:txEl>
-                                          </p:spTgt>
-                                        </p:tgtEl>
-                                        <p:attrNameLst>
-                                          <p:attrName>style.visibility</p:attrName>
-                                        </p:attrNameLst>
-                                      </p:cBhvr>
-                                      <p:to>
-                                        <p:strVal val="visible"/>
-                                      </p:to>
-                                    </p:set>
-                                  </p:childTnLst>
-                                </p:cTn>
-                              </p:par>
-                              <p:par>
-                                <p:cTn id="33" presetID="1" presetClass="entr" presetSubtype="0" fill="hold" grpId="0" nodeType="withEffect">
-                                  <p:stCondLst>
-                                    <p:cond delay="0"/>
-                                  </p:stCondLst>
-                                  <p:childTnLst>
-                                    <p:set>
-                                      <p:cBhvr>
-                                        <p:cTn id="34" dur="1" fill="hold">
-                                          <p:stCondLst>
-                                            <p:cond delay="0"/>
-                                          </p:stCondLst>
-                                        </p:cTn>
-                                        <p:tgtEl>
-                                          <p:spTgt spid="3">
-                                            <p:txEl>
-                                              <p:pRg st="8" end="8"/>
-                                            </p:txEl>
-                                          </p:spTgt>
-                                        </p:tgtEl>
-                                        <p:attrNameLst>
-                                          <p:attrName>style.visibility</p:attrName>
-                                        </p:attrNameLst>
-                                      </p:cBhvr>
-                                      <p:to>
-                                        <p:strVal val="visible"/>
-                                      </p:to>
-                                    </p:set>
-                                  </p:childTnLst>
-                                </p:cTn>
-                              </p:par>
-                              <p:par>
-                                <p:cTn id="35" presetID="1" presetClass="entr" presetSubtype="0" fill="hold" grpId="0" nodeType="withEffect">
-                                  <p:stCondLst>
-                                    <p:cond delay="0"/>
-                                  </p:stCondLst>
-                                  <p:childTnLst>
-                                    <p:set>
-                                      <p:cBhvr>
-                                        <p:cTn id="36" dur="1" fill="hold">
-                                          <p:stCondLst>
-                                            <p:cond delay="0"/>
-                                          </p:stCondLst>
-                                        </p:cTn>
-                                        <p:tgtEl>
-                                          <p:spTgt spid="3">
-                                            <p:txEl>
-                                              <p:pRg st="9" end="9"/>
-                                            </p:txEl>
-                                          </p:spTgt>
-                                        </p:tgtEl>
-                                        <p:attrNameLst>
-                                          <p:attrName>style.visibility</p:attrName>
-                                        </p:attrNameLst>
-                                      </p:cBhvr>
-                                      <p:to>
-                                        <p:strVal val="visible"/>
-                                      </p:to>
-                                    </p:set>
-                                  </p:childTnLst>
-                                </p:cTn>
-                              </p:par>
-                            </p:childTnLst>
-                          </p:cTn>
-                        </p:par>
-                      </p:childTnLst>
-                    </p:cTn>
-                  </p:par>
-                </p:childTnLst>
-              </p:cTn>
-              <p:prevCondLst>
-                <p:cond evt="onPrev" delay="0">
-                  <p:tgtEl>
-                    <p:sldTgt/>
-                  </p:tgtEl>
-                </p:cond>
-              </p:prevCondLst>
-              <p:nextCondLst>
-                <p:cond evt="onNext" delay="0">
-                  <p:tgtEl>
-                    <p:sldTgt/>
-                  </p:tgtEl>
-                </p:cond>
-              </p:nextCondLst>
-            </p:seq>
-          </p:childTnLst>
-        </p:cTn>
-      </p:par>
-    </p:tnLst>
-    <p:bldLst>
-      <p:bldP spid="3" grpId="0" uiExpand="1" build="p"/>
-    </p:bldLst>
-  </p:timing>
-</p:sld>
-</file>
-
-<file path=ppt/slides/slide11.xml><?xml version="1.0" encoding="utf-8"?>
-<p:sld xmlns:a="http://schemas.openxmlformats.org/drawingml/2006/main" xmlns:r="http://schemas.openxmlformats.org/officeDocument/2006/relationships" xmlns:p="http://schemas.openxmlformats.org/presentationml/2006/main">
-  <p:cSld>
-    <p:spTree>
-      <p:nvGrpSpPr>
-        <p:cNvPr id="1" name=""/>
-        <p:cNvGrpSpPr/>
-        <p:nvPr/>
-      </p:nvGrpSpPr>
-      <p:grpSpPr>
-        <a:xfrm>
-          <a:off x="0" y="0"/>
-          <a:ext cx="0" cy="0"/>
-          <a:chOff x="0" y="0"/>
-          <a:chExt cx="0" cy="0"/>
-        </a:xfrm>
-      </p:grpSpPr>
-      <p:sp>
-        <p:nvSpPr>
-          <p:cNvPr id="2" name="Title 1">
-            <a:extLst>
-              <a:ext uri="{FF2B5EF4-FFF2-40B4-BE49-F238E27FC236}">
-                <a16:creationId xmlns:a16="http://schemas.microsoft.com/office/drawing/2014/main" id="{8AD7A449-FFB3-4F33-B199-4DADD09DF255}"/>
-              </a:ext>
-            </a:extLst>
-          </p:cNvPr>
-          <p:cNvSpPr>
-            <a:spLocks noGrp="1"/>
-          </p:cNvSpPr>
-          <p:nvPr>
-            <p:ph type="title"/>
-          </p:nvPr>
-        </p:nvSpPr>
-        <p:spPr/>
-        <p:txBody>
-          <a:bodyPr/>
-          <a:lstStyle/>
-          <a:p>
-            <a:r>
-              <a:rPr lang="en-CA" dirty="0"/>
-              <a:t>Questions</a:t>
-            </a:r>
-          </a:p>
-        </p:txBody>
-      </p:sp>
-      <p:sp>
-        <p:nvSpPr>
-          <p:cNvPr id="3" name="Content Placeholder 2">
-            <a:extLst>
-              <a:ext uri="{FF2B5EF4-FFF2-40B4-BE49-F238E27FC236}">
-                <a16:creationId xmlns:a16="http://schemas.microsoft.com/office/drawing/2014/main" id="{DB53188E-B95A-4FB7-95C3-78F9C012F633}"/>
-              </a:ext>
-            </a:extLst>
-          </p:cNvPr>
-          <p:cNvSpPr>
-            <a:spLocks noGrp="1"/>
-          </p:cNvSpPr>
-          <p:nvPr>
-            <p:ph idx="1"/>
-          </p:nvPr>
-        </p:nvSpPr>
-        <p:spPr/>
-        <p:txBody>
-          <a:bodyPr>
-            <a:normAutofit/>
-          </a:bodyPr>
-          <a:lstStyle/>
-          <a:p>
-            <a:r>
-              <a:rPr lang="fr-FR" sz="2400" dirty="0"/>
-              <a:t>Est-ce que ce type de méthode est facilement adaptable ou </a:t>
-            </a:r>
-            <a:r>
-              <a:rPr lang="fr-FR" sz="2400" dirty="0" err="1"/>
-              <a:t>mixable</a:t>
-            </a:r>
-            <a:r>
-              <a:rPr lang="fr-FR" sz="2400" dirty="0"/>
-              <a:t> avec les autres?</a:t>
-            </a:r>
-          </a:p>
-          <a:p>
-            <a:endParaRPr lang="fr-FR" sz="2400" dirty="0"/>
-          </a:p>
-          <a:p>
-            <a:r>
-              <a:rPr lang="fr-FR" sz="2400" dirty="0"/>
-              <a:t>Quel risque principal peut être causé par un changement de développement à mi-projet ?</a:t>
-            </a:r>
-          </a:p>
-          <a:p>
-            <a:endParaRPr lang="fr-FR" sz="2400" dirty="0"/>
-          </a:p>
-          <a:p>
-            <a:r>
-              <a:rPr lang="fr-FR" sz="2400" dirty="0"/>
-              <a:t>Est-il possible d'implanter le kanban dans une chaine de production déjà active ?</a:t>
-            </a:r>
-          </a:p>
-          <a:p>
-            <a:endParaRPr lang="en-CA" sz="2400" dirty="0"/>
-          </a:p>
-        </p:txBody>
-      </p:sp>
-    </p:spTree>
-    <p:extLst>
-      <p:ext uri="{BB962C8B-B14F-4D97-AF65-F5344CB8AC3E}">
-        <p14:creationId xmlns:p14="http://schemas.microsoft.com/office/powerpoint/2010/main" val="1743792717"/>
-      </p:ext>
-    </p:extLst>
-  </p:cSld>
-  <p:clrMapOvr>
-    <a:masterClrMapping/>
-  </p:clrMapOvr>
-  <p:timing>
-    <p:tnLst>
-      <p:par>
-        <p:cTn id="1" dur="indefinite" restart="never" nodeType="tmRoot">
-          <p:childTnLst>
-            <p:seq concurrent="1" nextAc="seek">
-              <p:cTn id="2" dur="indefinite" nodeType="mainSeq">
-                <p:childTnLst>
-                  <p:par>
-                    <p:cTn id="3" fill="hold">
-                      <p:stCondLst>
-                        <p:cond delay="indefinite"/>
-                      </p:stCondLst>
-                      <p:childTnLst>
-                        <p:par>
-                          <p:cTn id="4" fill="hold">
-                            <p:stCondLst>
-                              <p:cond delay="0"/>
-                            </p:stCondLst>
-                            <p:childTnLst>
-                              <p:par>
-                                <p:cTn id="5" presetID="1" presetClass="entr" presetSubtype="0" fill="hold" nodeType="clickEffect">
-                                  <p:stCondLst>
-                                    <p:cond delay="0"/>
-                                  </p:stCondLst>
-                                  <p:childTnLst>
-                                    <p:set>
-                                      <p:cBhvr>
-                                        <p:cTn id="6" dur="1" fill="hold">
-                                          <p:stCondLst>
-                                            <p:cond delay="0"/>
-                                          </p:stCondLst>
-                                        </p:cTn>
-                                        <p:tgtEl>
-                                          <p:spTgt spid="3">
-                                            <p:txEl>
-                                              <p:pRg st="0" end="0"/>
-                                            </p:txEl>
-                                          </p:spTgt>
-                                        </p:tgtEl>
-                                        <p:attrNameLst>
-                                          <p:attrName>style.visibility</p:attrName>
-                                        </p:attrNameLst>
-                                      </p:cBhvr>
-                                      <p:to>
-                                        <p:strVal val="visible"/>
-                                      </p:to>
-                                    </p:set>
-                                  </p:childTnLst>
-                                </p:cTn>
-                              </p:par>
-                              <p:par>
-                                <p:cTn id="7" presetID="1" presetClass="entr" presetSubtype="0" fill="hold" nodeType="withEffect">
-                                  <p:stCondLst>
-                                    <p:cond delay="0"/>
-                                  </p:stCondLst>
-                                  <p:childTnLst>
-                                    <p:set>
-                                      <p:cBhvr>
-                                        <p:cTn id="8" dur="1" fill="hold">
-                                          <p:stCondLst>
-                                            <p:cond delay="0"/>
-                                          </p:stCondLst>
-                                        </p:cTn>
-                                        <p:tgtEl>
-                                          <p:spTgt spid="3">
-                                            <p:txEl>
-                                              <p:pRg st="2" end="2"/>
-                                            </p:txEl>
-                                          </p:spTgt>
-                                        </p:tgtEl>
-                                        <p:attrNameLst>
-                                          <p:attrName>style.visibility</p:attrName>
-                                        </p:attrNameLst>
-                                      </p:cBhvr>
-                                      <p:to>
-                                        <p:strVal val="visible"/>
-                                      </p:to>
-                                    </p:set>
-                                  </p:childTnLst>
-                                </p:cTn>
-                              </p:par>
-                              <p:par>
-                                <p:cTn id="9" presetID="1" presetClass="entr" presetSubtype="0" fill="hold" nodeType="withEffect">
-                                  <p:stCondLst>
-                                    <p:cond delay="0"/>
-                                  </p:stCondLst>
-                                  <p:childTnLst>
-                                    <p:set>
-                                      <p:cBhvr>
-                                        <p:cTn id="10" dur="1" fill="hold">
-                                          <p:stCondLst>
-                                            <p:cond delay="0"/>
-                                          </p:stCondLst>
-                                        </p:cTn>
-                                        <p:tgtEl>
-                                          <p:spTgt spid="3">
-                                            <p:txEl>
-                                              <p:pRg st="4" end="4"/>
-                                            </p:txEl>
-                                          </p:spTgt>
-                                        </p:tgtEl>
-                                        <p:attrNameLst>
-                                          <p:attrName>style.visibility</p:attrName>
-                                        </p:attrNameLst>
-                                      </p:cBhvr>
-                                      <p:to>
-                                        <p:strVal val="visible"/>
-                                      </p:to>
-                                    </p:set>
-                                  </p:childTnLst>
-                                </p:cTn>
-                              </p:par>
-                            </p:childTnLst>
-                          </p:cTn>
-                        </p:par>
-                      </p:childTnLst>
-                    </p:cTn>
-                  </p:par>
-                </p:childTnLst>
-              </p:cTn>
-              <p:prevCondLst>
-                <p:cond evt="onPrev" delay="0">
-                  <p:tgtEl>
-                    <p:sldTgt/>
-                  </p:tgtEl>
-                </p:cond>
-              </p:prevCondLst>
-              <p:nextCondLst>
-                <p:cond evt="onNext" delay="0">
-                  <p:tgtEl>
-                    <p:sldTgt/>
-                  </p:tgtEl>
-                </p:cond>
-              </p:nextCondLst>
-            </p:seq>
-          </p:childTnLst>
-        </p:cTn>
-      </p:par>
-    </p:tnLst>
-  </p:timing>
-</p:sld>
-</file>
-
-<file path=ppt/slides/slide12.xml><?xml version="1.0" encoding="utf-8"?>
-<p:sld xmlns:a="http://schemas.openxmlformats.org/drawingml/2006/main" xmlns:r="http://schemas.openxmlformats.org/officeDocument/2006/relationships" xmlns:p="http://schemas.openxmlformats.org/presentationml/2006/main">
-  <p:cSld>
-    <p:spTree>
-      <p:nvGrpSpPr>
-        <p:cNvPr id="1" name=""/>
-        <p:cNvGrpSpPr/>
-        <p:nvPr/>
-      </p:nvGrpSpPr>
-      <p:grpSpPr>
-        <a:xfrm>
-          <a:off x="0" y="0"/>
-          <a:ext cx="0" cy="0"/>
-          <a:chOff x="0" y="0"/>
-          <a:chExt cx="0" cy="0"/>
-        </a:xfrm>
-      </p:grpSpPr>
-      <p:sp>
-        <p:nvSpPr>
-          <p:cNvPr id="2" name="Title 1">
-            <a:extLst>
-              <a:ext uri="{FF2B5EF4-FFF2-40B4-BE49-F238E27FC236}">
-                <a16:creationId xmlns:a16="http://schemas.microsoft.com/office/drawing/2014/main" id="{DE00CFEE-4CCE-4DF3-B8BF-DA30872281DD}"/>
-              </a:ext>
-            </a:extLst>
-          </p:cNvPr>
-          <p:cNvSpPr>
-            <a:spLocks noGrp="1"/>
-          </p:cNvSpPr>
-          <p:nvPr>
-            <p:ph type="title"/>
-          </p:nvPr>
-        </p:nvSpPr>
-        <p:spPr/>
-        <p:txBody>
-          <a:bodyPr/>
-          <a:lstStyle/>
-          <a:p>
-            <a:r>
-              <a:rPr lang="en-CA" dirty="0"/>
-              <a:t>Questions</a:t>
-            </a:r>
-          </a:p>
-        </p:txBody>
-      </p:sp>
-      <p:sp>
-        <p:nvSpPr>
-          <p:cNvPr id="3" name="Content Placeholder 2">
-            <a:extLst>
-              <a:ext uri="{FF2B5EF4-FFF2-40B4-BE49-F238E27FC236}">
-                <a16:creationId xmlns:a16="http://schemas.microsoft.com/office/drawing/2014/main" id="{641B43FB-244C-4919-A461-1BFCD57CB41F}"/>
-              </a:ext>
-            </a:extLst>
-          </p:cNvPr>
-          <p:cNvSpPr>
-            <a:spLocks noGrp="1"/>
-          </p:cNvSpPr>
-          <p:nvPr>
-            <p:ph idx="1"/>
-          </p:nvPr>
-        </p:nvSpPr>
-        <p:spPr/>
-        <p:txBody>
-          <a:bodyPr/>
-          <a:lstStyle/>
-          <a:p>
-            <a:r>
-              <a:rPr lang="fr-FR" dirty="0"/>
-              <a:t>Est-ce que ce type de méthode est facilement adaptable ou </a:t>
-            </a:r>
-            <a:r>
-              <a:rPr lang="fr-FR" dirty="0" err="1"/>
-              <a:t>mixable</a:t>
-            </a:r>
-            <a:r>
-              <a:rPr lang="fr-FR" dirty="0"/>
-              <a:t> avec les autres?</a:t>
-            </a:r>
-          </a:p>
-          <a:p>
-            <a:pPr lvl="1"/>
-            <a:r>
-              <a:rPr lang="fr-FR" dirty="0"/>
-              <a:t>Oui et c’est même préférable</a:t>
-            </a:r>
-          </a:p>
-          <a:p>
-            <a:r>
-              <a:rPr lang="fr-FR" dirty="0"/>
-              <a:t>Quel risque principal peut être causé par un changement de </a:t>
-            </a:r>
-            <a:r>
-              <a:rPr lang="fr-FR" dirty="0" err="1"/>
-              <a:t>developpement</a:t>
-            </a:r>
-            <a:r>
-              <a:rPr lang="fr-FR" dirty="0"/>
-              <a:t> à mi-projet ?</a:t>
-            </a:r>
-          </a:p>
-          <a:p>
-            <a:pPr lvl="1"/>
-            <a:r>
-              <a:rPr lang="fr-FR"/>
-              <a:t>a</a:t>
-            </a:r>
-            <a:endParaRPr lang="fr-FR" dirty="0"/>
-          </a:p>
-          <a:p>
-            <a:r>
-              <a:rPr lang="fr-FR" dirty="0"/>
-              <a:t>Est-il possible d'implanter le kanban dans une chaine de production déjà active ?</a:t>
-            </a:r>
-          </a:p>
-          <a:p>
-            <a:pPr lvl="1"/>
-            <a:r>
-              <a:rPr lang="fr-FR" dirty="0"/>
-              <a:t>Oui, mais ce n’est pas recommandée, puisque l’implantation d’une telle méthode demande beaucoup de changements au niveau culture et philosophie d’entreprise de même que les processus en cours.</a:t>
-            </a:r>
-            <a:endParaRPr lang="en-CA" dirty="0"/>
-          </a:p>
-        </p:txBody>
-      </p:sp>
-    </p:spTree>
-    <p:extLst>
-      <p:ext uri="{BB962C8B-B14F-4D97-AF65-F5344CB8AC3E}">
-        <p14:creationId xmlns:p14="http://schemas.microsoft.com/office/powerpoint/2010/main" val="1199944603"/>
-      </p:ext>
-    </p:extLst>
-  </p:cSld>
-  <p:clrMapOvr>
-    <a:masterClrMapping/>
-  </p:clrMapOvr>
-  <p:timing>
-    <p:tnLst>
-      <p:par>
-        <p:cTn id="1" dur="indefinite" restart="never" nodeType="tmRoot">
-          <p:childTnLst>
-            <p:seq concurrent="1" nextAc="seek">
-              <p:cTn id="2" dur="indefinite" nodeType="mainSeq">
-                <p:childTnLst>
-                  <p:par>
-                    <p:cTn id="3" fill="hold">
-                      <p:stCondLst>
-                        <p:cond delay="indefinite"/>
-                      </p:stCondLst>
-                      <p:childTnLst>
-                        <p:par>
-                          <p:cTn id="4" fill="hold">
-                            <p:stCondLst>
-                              <p:cond delay="0"/>
-                            </p:stCondLst>
-                            <p:childTnLst>
-                              <p:par>
-                                <p:cTn id="5" presetID="1" presetClass="entr" presetSubtype="0" fill="hold" grpId="0" nodeType="clickEffect">
-                                  <p:stCondLst>
-                                    <p:cond delay="0"/>
-                                  </p:stCondLst>
-                                  <p:childTnLst>
-                                    <p:set>
-                                      <p:cBhvr>
-                                        <p:cTn id="6" dur="1" fill="hold">
-                                          <p:stCondLst>
-                                            <p:cond delay="0"/>
-                                          </p:stCondLst>
-                                        </p:cTn>
-                                        <p:tgtEl>
-                                          <p:spTgt spid="3">
-                                            <p:txEl>
-                                              <p:pRg st="0" end="0"/>
-                                            </p:txEl>
-                                          </p:spTgt>
-                                        </p:tgtEl>
-                                        <p:attrNameLst>
-                                          <p:attrName>style.visibility</p:attrName>
-                                        </p:attrNameLst>
-                                      </p:cBhvr>
-                                      <p:to>
-                                        <p:strVal val="visible"/>
-                                      </p:to>
-                                    </p:set>
-                                  </p:childTnLst>
-                                </p:cTn>
-                              </p:par>
-                              <p:par>
-                                <p:cTn id="7" presetID="1" presetClass="entr" presetSubtype="0" fill="hold" grpId="0" nodeType="withEffect">
-                                  <p:stCondLst>
-                                    <p:cond delay="0"/>
-                                  </p:stCondLst>
-                                  <p:childTnLst>
-                                    <p:set>
-                                      <p:cBhvr>
-                                        <p:cTn id="8" dur="1" fill="hold">
-                                          <p:stCondLst>
-                                            <p:cond delay="0"/>
-                                          </p:stCondLst>
-                                        </p:cTn>
-                                        <p:tgtEl>
-                                          <p:spTgt spid="3">
-                                            <p:txEl>
-                                              <p:pRg st="1" end="1"/>
-                                            </p:txEl>
-                                          </p:spTgt>
-                                        </p:tgtEl>
-                                        <p:attrNameLst>
-                                          <p:attrName>style.visibility</p:attrName>
-                                        </p:attrNameLst>
-                                      </p:cBhvr>
-                                      <p:to>
-                                        <p:strVal val="visible"/>
-                                      </p:to>
-                                    </p:set>
-                                  </p:childTnLst>
-                                </p:cTn>
-                              </p:par>
-                            </p:childTnLst>
-                          </p:cTn>
-                        </p:par>
-                      </p:childTnLst>
-                    </p:cTn>
-                  </p:par>
-                  <p:par>
-                    <p:cTn id="9" fill="hold">
-                      <p:stCondLst>
-                        <p:cond delay="indefinite"/>
-                      </p:stCondLst>
-                      <p:childTnLst>
-                        <p:par>
-                          <p:cTn id="10" fill="hold">
-                            <p:stCondLst>
-                              <p:cond delay="0"/>
-                            </p:stCondLst>
-                            <p:childTnLst>
-                              <p:par>
-                                <p:cTn id="11" presetID="1" presetClass="entr" presetSubtype="0" fill="hold" grpId="0" nodeType="clickEffect">
-                                  <p:stCondLst>
-                                    <p:cond delay="0"/>
-                                  </p:stCondLst>
-                                  <p:childTnLst>
-                                    <p:set>
-                                      <p:cBhvr>
-                                        <p:cTn id="12" dur="1" fill="hold">
-                                          <p:stCondLst>
-                                            <p:cond delay="0"/>
-                                          </p:stCondLst>
-                                        </p:cTn>
-                                        <p:tgtEl>
-                                          <p:spTgt spid="3">
-                                            <p:txEl>
-                                              <p:pRg st="2" end="2"/>
-                                            </p:txEl>
-                                          </p:spTgt>
-                                        </p:tgtEl>
-                                        <p:attrNameLst>
-                                          <p:attrName>style.visibility</p:attrName>
-                                        </p:attrNameLst>
-                                      </p:cBhvr>
-                                      <p:to>
-                                        <p:strVal val="visible"/>
-                                      </p:to>
-                                    </p:set>
-                                  </p:childTnLst>
-                                </p:cTn>
-                              </p:par>
-                              <p:par>
-                                <p:cTn id="13" presetID="1" presetClass="entr" presetSubtype="0" fill="hold" grpId="0" nodeType="withEffect">
-                                  <p:stCondLst>
-                                    <p:cond delay="0"/>
-                                  </p:stCondLst>
-                                  <p:childTnLst>
-                                    <p:set>
-                                      <p:cBhvr>
-                                        <p:cTn id="14" dur="1" fill="hold">
-                                          <p:stCondLst>
-                                            <p:cond delay="0"/>
-                                          </p:stCondLst>
-                                        </p:cTn>
-                                        <p:tgtEl>
-                                          <p:spTgt spid="3">
-                                            <p:txEl>
-                                              <p:pRg st="3" end="3"/>
-                                            </p:txEl>
-                                          </p:spTgt>
-                                        </p:tgtEl>
-                                        <p:attrNameLst>
-                                          <p:attrName>style.visibility</p:attrName>
-                                        </p:attrNameLst>
-                                      </p:cBhvr>
-                                      <p:to>
-                                        <p:strVal val="visible"/>
-                                      </p:to>
-                                    </p:set>
-                                  </p:childTnLst>
-                                </p:cTn>
-                              </p:par>
-                            </p:childTnLst>
-                          </p:cTn>
-                        </p:par>
-                      </p:childTnLst>
-                    </p:cTn>
-                  </p:par>
-                  <p:par>
-                    <p:cTn id="15" fill="hold">
-                      <p:stCondLst>
-                        <p:cond delay="indefinite"/>
-                      </p:stCondLst>
-                      <p:childTnLst>
-                        <p:par>
-                          <p:cTn id="16" fill="hold">
-                            <p:stCondLst>
-                              <p:cond delay="0"/>
-                            </p:stCondLst>
-                            <p:childTnLst>
-                              <p:par>
-                                <p:cTn id="17" presetID="1" presetClass="entr" presetSubtype="0" fill="hold" grpId="0" nodeType="clickEffect">
-                                  <p:stCondLst>
-                                    <p:cond delay="0"/>
-                                  </p:stCondLst>
-                                  <p:childTnLst>
-                                    <p:set>
-                                      <p:cBhvr>
-                                        <p:cTn id="18" dur="1" fill="hold">
-                                          <p:stCondLst>
-                                            <p:cond delay="0"/>
-                                          </p:stCondLst>
-                                        </p:cTn>
-                                        <p:tgtEl>
-                                          <p:spTgt spid="3">
-                                            <p:txEl>
-                                              <p:pRg st="4" end="4"/>
-                                            </p:txEl>
-                                          </p:spTgt>
-                                        </p:tgtEl>
-                                        <p:attrNameLst>
-                                          <p:attrName>style.visibility</p:attrName>
-                                        </p:attrNameLst>
-                                      </p:cBhvr>
-                                      <p:to>
-                                        <p:strVal val="visible"/>
-                                      </p:to>
-                                    </p:set>
-                                  </p:childTnLst>
-                                </p:cTn>
-                              </p:par>
-                              <p:par>
-                                <p:cTn id="19" presetID="1" presetClass="entr" presetSubtype="0" fill="hold" grpId="0" nodeType="withEffect">
-                                  <p:stCondLst>
-                                    <p:cond delay="0"/>
-                                  </p:stCondLst>
-                                  <p:childTnLst>
-                                    <p:set>
-                                      <p:cBhvr>
-                                        <p:cTn id="20" dur="1" fill="hold">
-                                          <p:stCondLst>
-                                            <p:cond delay="0"/>
-                                          </p:stCondLst>
-                                        </p:cTn>
-                                        <p:tgtEl>
-                                          <p:spTgt spid="3">
-                                            <p:txEl>
-                                              <p:pRg st="5" end="5"/>
-                                            </p:txEl>
-                                          </p:spTgt>
-                                        </p:tgtEl>
-                                        <p:attrNameLst>
-                                          <p:attrName>style.visibility</p:attrName>
-                                        </p:attrNameLst>
-                                      </p:cBhvr>
-                                      <p:to>
-                                        <p:strVal val="visible"/>
-                                      </p:to>
-                                    </p:set>
-                                  </p:childTnLst>
-                                </p:cTn>
-                              </p:par>
-                            </p:childTnLst>
-                          </p:cTn>
-                        </p:par>
-                      </p:childTnLst>
-                    </p:cTn>
-                  </p:par>
-                </p:childTnLst>
-              </p:cTn>
-              <p:prevCondLst>
-                <p:cond evt="onPrev" delay="0">
-                  <p:tgtEl>
-                    <p:sldTgt/>
-                  </p:tgtEl>
-                </p:cond>
-              </p:prevCondLst>
-              <p:nextCondLst>
-                <p:cond evt="onNext" delay="0">
-                  <p:tgtEl>
-                    <p:sldTgt/>
-                  </p:tgtEl>
-                </p:cond>
-              </p:nextCondLst>
-            </p:seq>
-          </p:childTnLst>
-        </p:cTn>
-      </p:par>
-    </p:tnLst>
-    <p:bldLst>
-      <p:bldP spid="3" grpId="0" build="p"/>
-    </p:bldLst>
-  </p:timing>
-</p:sld>
-</file>
-
-<file path=ppt/slides/slide2.xml><?xml version="1.0" encoding="utf-8"?>
-<p:sld xmlns:a="http://schemas.openxmlformats.org/drawingml/2006/main" xmlns:r="http://schemas.openxmlformats.org/officeDocument/2006/relationships" xmlns:p="http://schemas.openxmlformats.org/presentationml/2006/main">
-  <p:cSld>
-    <p:spTree>
-      <p:nvGrpSpPr>
-        <p:cNvPr id="1" name=""/>
-        <p:cNvGrpSpPr/>
-        <p:nvPr/>
-      </p:nvGrpSpPr>
-      <p:grpSpPr>
-        <a:xfrm>
-          <a:off x="0" y="0"/>
-          <a:ext cx="0" cy="0"/>
-          <a:chOff x="0" y="0"/>
-          <a:chExt cx="0" cy="0"/>
-        </a:xfrm>
-      </p:grpSpPr>
-      <p:sp>
-        <p:nvSpPr>
-          <p:cNvPr id="2" name="Title 1">
-            <a:extLst>
-              <a:ext uri="{FF2B5EF4-FFF2-40B4-BE49-F238E27FC236}">
-                <a16:creationId xmlns:a16="http://schemas.microsoft.com/office/drawing/2014/main" id="{87AE196A-9E32-4C99-B7E1-6799C7AF35A7}"/>
-              </a:ext>
-            </a:extLst>
-          </p:cNvPr>
-          <p:cNvSpPr>
-            <a:spLocks noGrp="1"/>
-          </p:cNvSpPr>
-          <p:nvPr>
-            <p:ph type="title"/>
-          </p:nvPr>
-        </p:nvSpPr>
-        <p:spPr>
-          <a:xfrm>
-            <a:off x="913795" y="786063"/>
-            <a:ext cx="10353762" cy="970450"/>
-          </a:xfrm>
-        </p:spPr>
-        <p:txBody>
-          <a:bodyPr/>
-          <a:lstStyle/>
-          <a:p>
-            <a:r>
-              <a:rPr lang="fr-CA" dirty="0"/>
-              <a:t>Implantation dans un système non-actif</a:t>
-            </a:r>
-          </a:p>
-        </p:txBody>
-      </p:sp>
-      <p:sp>
-        <p:nvSpPr>
-          <p:cNvPr id="3" name="Content Placeholder 2">
-            <a:extLst>
-              <a:ext uri="{FF2B5EF4-FFF2-40B4-BE49-F238E27FC236}">
-                <a16:creationId xmlns:a16="http://schemas.microsoft.com/office/drawing/2014/main" id="{5D6B2709-FA8E-4CDB-BBEA-C075A9398491}"/>
-              </a:ext>
-            </a:extLst>
-          </p:cNvPr>
-          <p:cNvSpPr>
-            <a:spLocks noGrp="1"/>
-          </p:cNvSpPr>
-          <p:nvPr>
-            <p:ph idx="1"/>
-          </p:nvPr>
-        </p:nvSpPr>
-        <p:spPr>
-          <a:xfrm>
-            <a:off x="913795" y="2189649"/>
-            <a:ext cx="10353762" cy="4058751"/>
-          </a:xfrm>
-        </p:spPr>
-        <p:txBody>
-          <a:bodyPr/>
-          <a:lstStyle/>
-          <a:p>
-            <a:r>
-              <a:rPr lang="fr-CA" dirty="0"/>
-              <a:t>Le gestionnaire / ingénieur fait une planification des tâches à entreprendre </a:t>
-            </a:r>
-          </a:p>
-          <a:p>
-            <a:r>
-              <a:rPr lang="fr-CA" dirty="0"/>
-              <a:t>Il décide sur le nombre de « Work in Progress » maximum actif sur le tableau.</a:t>
-            </a:r>
-          </a:p>
-          <a:p>
-            <a:r>
-              <a:rPr lang="fr-CA" dirty="0"/>
-              <a:t>Il crée un ordre de priorité des projets</a:t>
-            </a:r>
-          </a:p>
-          <a:p>
-            <a:r>
-              <a:rPr lang="fr-CA" dirty="0"/>
-              <a:t>Il crée un tableau pour la compagnie au complet ou une section de projet spécifique</a:t>
-            </a:r>
-          </a:p>
-          <a:p>
-            <a:pPr lvl="1"/>
-            <a:r>
-              <a:rPr lang="fr-CA" dirty="0"/>
-              <a:t>Cela dépend de l’ampleur du projet et de la compagnie</a:t>
-            </a:r>
-          </a:p>
-          <a:p>
-            <a:r>
-              <a:rPr lang="fr-CA" dirty="0"/>
-              <a:t>Il nomme des colonnes pour les étapes de conception</a:t>
-            </a:r>
-          </a:p>
-          <a:p>
-            <a:pPr lvl="1"/>
-            <a:r>
-              <a:rPr lang="fr-CA" dirty="0"/>
-              <a:t>Exemple: En attente, planification, développement, test, déploiement, terminé.</a:t>
-            </a:r>
-          </a:p>
-          <a:p>
-            <a:r>
-              <a:rPr lang="fr-CA" dirty="0"/>
-              <a:t>Il crée des identificateurs visuels pour chaque projet avec des informations spécifiques</a:t>
-            </a:r>
-          </a:p>
-          <a:p>
-            <a:pPr lvl="1"/>
-            <a:r>
-              <a:rPr lang="fr-CA" dirty="0"/>
-              <a:t>Nom du projet, sous-tâches(si besoin), date limite (si besoin), etc.</a:t>
-            </a:r>
-          </a:p>
-        </p:txBody>
-      </p:sp>
-    </p:spTree>
-    <p:extLst>
-      <p:ext uri="{BB962C8B-B14F-4D97-AF65-F5344CB8AC3E}">
-        <p14:creationId xmlns:p14="http://schemas.microsoft.com/office/powerpoint/2010/main" val="2412530519"/>
-      </p:ext>
-    </p:extLst>
-  </p:cSld>
-  <p:clrMapOvr>
-    <a:masterClrMapping/>
-  </p:clrMapOvr>
-  <p:timing>
-    <p:tnLst>
-      <p:par>
-        <p:cTn id="1" dur="indefinite" restart="never" nodeType="tmRoot">
-          <p:childTnLst>
-            <p:seq concurrent="1" nextAc="seek">
-              <p:cTn id="2" dur="indefinite" nodeType="mainSeq">
-                <p:childTnLst>
-                  <p:par>
-                    <p:cTn id="3" fill="hold">
-                      <p:stCondLst>
-                        <p:cond delay="indefinite"/>
-                      </p:stCondLst>
-                      <p:childTnLst>
-                        <p:par>
-                          <p:cTn id="4" fill="hold">
-                            <p:stCondLst>
-                              <p:cond delay="0"/>
-                            </p:stCondLst>
-                            <p:childTnLst>
-                              <p:par>
-                                <p:cTn id="5" presetID="1" presetClass="entr" presetSubtype="0" fill="hold" grpId="0" nodeType="clickEffect">
-                                  <p:stCondLst>
-                                    <p:cond delay="0"/>
-                                  </p:stCondLst>
-                                  <p:childTnLst>
-                                    <p:set>
-                                      <p:cBhvr>
-                                        <p:cTn id="6" dur="1" fill="hold">
-                                          <p:stCondLst>
-                                            <p:cond delay="0"/>
-                                          </p:stCondLst>
-                                        </p:cTn>
-                                        <p:tgtEl>
-                                          <p:spTgt spid="3">
-                                            <p:txEl>
-                                              <p:pRg st="0" end="0"/>
-                                            </p:txEl>
-                                          </p:spTgt>
-                                        </p:tgtEl>
-                                        <p:attrNameLst>
-                                          <p:attrName>style.visibility</p:attrName>
-                                        </p:attrNameLst>
-                                      </p:cBhvr>
-                                      <p:to>
-                                        <p:strVal val="visible"/>
-                                      </p:to>
-                                    </p:set>
-                                  </p:childTnLst>
-                                </p:cTn>
-                              </p:par>
-                            </p:childTnLst>
-                          </p:cTn>
-                        </p:par>
-                      </p:childTnLst>
-                    </p:cTn>
-                  </p:par>
-                  <p:par>
-                    <p:cTn id="7" fill="hold">
-                      <p:stCondLst>
-                        <p:cond delay="indefinite"/>
-                      </p:stCondLst>
-                      <p:childTnLst>
-                        <p:par>
-                          <p:cTn id="8" fill="hold">
-                            <p:stCondLst>
-                              <p:cond delay="0"/>
-                            </p:stCondLst>
-                            <p:childTnLst>
-                              <p:par>
-                                <p:cTn id="9" presetID="1" presetClass="entr" presetSubtype="0" fill="hold" grpId="0" nodeType="clickEffect">
-                                  <p:stCondLst>
-                                    <p:cond delay="0"/>
-                                  </p:stCondLst>
-                                  <p:childTnLst>
-                                    <p:set>
-                                      <p:cBhvr>
-                                        <p:cTn id="10" dur="1" fill="hold">
-                                          <p:stCondLst>
-                                            <p:cond delay="0"/>
-                                          </p:stCondLst>
-                                        </p:cTn>
-                                        <p:tgtEl>
-                                          <p:spTgt spid="3">
-                                            <p:txEl>
-                                              <p:pRg st="1" end="1"/>
-                                            </p:txEl>
-                                          </p:spTgt>
-                                        </p:tgtEl>
-                                        <p:attrNameLst>
-                                          <p:attrName>style.visibility</p:attrName>
-                                        </p:attrNameLst>
-                                      </p:cBhvr>
-                                      <p:to>
-                                        <p:strVal val="visible"/>
-                                      </p:to>
-                                    </p:set>
-                                  </p:childTnLst>
-                                </p:cTn>
-                              </p:par>
-                            </p:childTnLst>
-                          </p:cTn>
-                        </p:par>
-                      </p:childTnLst>
-                    </p:cTn>
-                  </p:par>
-                  <p:par>
-                    <p:cTn id="11" fill="hold">
-                      <p:stCondLst>
-                        <p:cond delay="indefinite"/>
-                      </p:stCondLst>
-                      <p:childTnLst>
-                        <p:par>
-                          <p:cTn id="12" fill="hold">
-                            <p:stCondLst>
-                              <p:cond delay="0"/>
-                            </p:stCondLst>
-                            <p:childTnLst>
-                              <p:par>
-                                <p:cTn id="13" presetID="1" presetClass="entr" presetSubtype="0" fill="hold" grpId="0" nodeType="clickEffect">
-                                  <p:stCondLst>
-                                    <p:cond delay="0"/>
-                                  </p:stCondLst>
-                                  <p:childTnLst>
-                                    <p:set>
-                                      <p:cBhvr>
-                                        <p:cTn id="14" dur="1" fill="hold">
-                                          <p:stCondLst>
-                                            <p:cond delay="0"/>
-                                          </p:stCondLst>
-                                        </p:cTn>
-                                        <p:tgtEl>
-                                          <p:spTgt spid="3">
-                                            <p:txEl>
-                                              <p:pRg st="2" end="2"/>
-                                            </p:txEl>
-                                          </p:spTgt>
-                                        </p:tgtEl>
-                                        <p:attrNameLst>
-                                          <p:attrName>style.visibility</p:attrName>
-                                        </p:attrNameLst>
-                                      </p:cBhvr>
-                                      <p:to>
-                                        <p:strVal val="visible"/>
-                                      </p:to>
-                                    </p:set>
-                                  </p:childTnLst>
-                                </p:cTn>
-                              </p:par>
-                            </p:childTnLst>
-                          </p:cTn>
-                        </p:par>
-                      </p:childTnLst>
-                    </p:cTn>
-                  </p:par>
-                  <p:par>
-                    <p:cTn id="15" fill="hold">
-                      <p:stCondLst>
-                        <p:cond delay="indefinite"/>
-                      </p:stCondLst>
-                      <p:childTnLst>
-                        <p:par>
-                          <p:cTn id="16" fill="hold">
-                            <p:stCondLst>
-                              <p:cond delay="0"/>
-                            </p:stCondLst>
-                            <p:childTnLst>
-                              <p:par>
-                                <p:cTn id="17" presetID="1" presetClass="entr" presetSubtype="0" fill="hold" grpId="0" nodeType="clickEffect">
-                                  <p:stCondLst>
-                                    <p:cond delay="0"/>
-                                  </p:stCondLst>
-                                  <p:childTnLst>
-                                    <p:set>
-                                      <p:cBhvr>
-                                        <p:cTn id="18" dur="1" fill="hold">
-                                          <p:stCondLst>
-                                            <p:cond delay="0"/>
-                                          </p:stCondLst>
-                                        </p:cTn>
-                                        <p:tgtEl>
-                                          <p:spTgt spid="3">
-                                            <p:txEl>
-                                              <p:pRg st="3" end="3"/>
-                                            </p:txEl>
-                                          </p:spTgt>
-                                        </p:tgtEl>
-                                        <p:attrNameLst>
-                                          <p:attrName>style.visibility</p:attrName>
-                                        </p:attrNameLst>
-                                      </p:cBhvr>
-                                      <p:to>
-                                        <p:strVal val="visible"/>
-                                      </p:to>
-                                    </p:set>
-                                  </p:childTnLst>
-                                </p:cTn>
-                              </p:par>
-                              <p:par>
-                                <p:cTn id="19" presetID="1" presetClass="entr" presetSubtype="0" fill="hold" grpId="0" nodeType="withEffect">
-                                  <p:stCondLst>
-                                    <p:cond delay="0"/>
-                                  </p:stCondLst>
-                                  <p:childTnLst>
-                                    <p:set>
-                                      <p:cBhvr>
-                                        <p:cTn id="20" dur="1" fill="hold">
-                                          <p:stCondLst>
-                                            <p:cond delay="0"/>
-                                          </p:stCondLst>
-                                        </p:cTn>
-                                        <p:tgtEl>
-                                          <p:spTgt spid="3">
-                                            <p:txEl>
-                                              <p:pRg st="4" end="4"/>
-                                            </p:txEl>
-                                          </p:spTgt>
-                                        </p:tgtEl>
-                                        <p:attrNameLst>
-                                          <p:attrName>style.visibility</p:attrName>
-                                        </p:attrNameLst>
-                                      </p:cBhvr>
-                                      <p:to>
-                                        <p:strVal val="visible"/>
-                                      </p:to>
-                                    </p:set>
-                                  </p:childTnLst>
-                                </p:cTn>
-                              </p:par>
-                            </p:childTnLst>
-                          </p:cTn>
-                        </p:par>
-                      </p:childTnLst>
-                    </p:cTn>
-                  </p:par>
-                  <p:par>
-                    <p:cTn id="21" fill="hold">
-                      <p:stCondLst>
-                        <p:cond delay="indefinite"/>
-                      </p:stCondLst>
-                      <p:childTnLst>
-                        <p:par>
-                          <p:cTn id="22" fill="hold">
-                            <p:stCondLst>
-                              <p:cond delay="0"/>
-                            </p:stCondLst>
-                            <p:childTnLst>
-                              <p:par>
-                                <p:cTn id="23" presetID="1" presetClass="entr" presetSubtype="0" fill="hold" grpId="0" nodeType="clickEffect">
-                                  <p:stCondLst>
-                                    <p:cond delay="0"/>
-                                  </p:stCondLst>
-                                  <p:childTnLst>
-                                    <p:set>
-                                      <p:cBhvr>
-                                        <p:cTn id="24" dur="1" fill="hold">
-                                          <p:stCondLst>
-                                            <p:cond delay="0"/>
-                                          </p:stCondLst>
-                                        </p:cTn>
-                                        <p:tgtEl>
-                                          <p:spTgt spid="3">
-                                            <p:txEl>
-                                              <p:pRg st="5" end="5"/>
-                                            </p:txEl>
-                                          </p:spTgt>
-                                        </p:tgtEl>
-                                        <p:attrNameLst>
-                                          <p:attrName>style.visibility</p:attrName>
-                                        </p:attrNameLst>
-                                      </p:cBhvr>
-                                      <p:to>
-                                        <p:strVal val="visible"/>
-                                      </p:to>
-                                    </p:set>
-                                  </p:childTnLst>
-                                </p:cTn>
-                              </p:par>
-                              <p:par>
-                                <p:cTn id="25" presetID="1" presetClass="entr" presetSubtype="0" fill="hold" grpId="0" nodeType="withEffect">
-                                  <p:stCondLst>
-                                    <p:cond delay="0"/>
-                                  </p:stCondLst>
-                                  <p:childTnLst>
-                                    <p:set>
-                                      <p:cBhvr>
-                                        <p:cTn id="26" dur="1" fill="hold">
-                                          <p:stCondLst>
-                                            <p:cond delay="0"/>
-                                          </p:stCondLst>
-                                        </p:cTn>
-                                        <p:tgtEl>
-                                          <p:spTgt spid="3">
-                                            <p:txEl>
-                                              <p:pRg st="6" end="6"/>
-                                            </p:txEl>
-                                          </p:spTgt>
-                                        </p:tgtEl>
-                                        <p:attrNameLst>
-                                          <p:attrName>style.visibility</p:attrName>
-                                        </p:attrNameLst>
-                                      </p:cBhvr>
-                                      <p:to>
-                                        <p:strVal val="visible"/>
-                                      </p:to>
-                                    </p:set>
-                                  </p:childTnLst>
-                                </p:cTn>
-                              </p:par>
-                            </p:childTnLst>
-                          </p:cTn>
-                        </p:par>
-                      </p:childTnLst>
-                    </p:cTn>
-                  </p:par>
-                  <p:par>
-                    <p:cTn id="27" fill="hold">
-                      <p:stCondLst>
-                        <p:cond delay="indefinite"/>
-                      </p:stCondLst>
-                      <p:childTnLst>
-                        <p:par>
-                          <p:cTn id="28" fill="hold">
-                            <p:stCondLst>
-                              <p:cond delay="0"/>
-                            </p:stCondLst>
-                            <p:childTnLst>
-                              <p:par>
-                                <p:cTn id="29" presetID="1" presetClass="entr" presetSubtype="0" fill="hold" grpId="0" nodeType="clickEffect">
-                                  <p:stCondLst>
-                                    <p:cond delay="0"/>
-                                  </p:stCondLst>
-                                  <p:childTnLst>
-                                    <p:set>
-                                      <p:cBhvr>
-                                        <p:cTn id="30" dur="1" fill="hold">
-                                          <p:stCondLst>
-                                            <p:cond delay="0"/>
-                                          </p:stCondLst>
-                                        </p:cTn>
-                                        <p:tgtEl>
-                                          <p:spTgt spid="3">
-                                            <p:txEl>
-                                              <p:pRg st="7" end="7"/>
-                                            </p:txEl>
-                                          </p:spTgt>
-                                        </p:tgtEl>
-                                        <p:attrNameLst>
-                                          <p:attrName>style.visibility</p:attrName>
-                                        </p:attrNameLst>
-                                      </p:cBhvr>
-                                      <p:to>
-                                        <p:strVal val="visible"/>
-                                      </p:to>
-                                    </p:set>
-                                  </p:childTnLst>
-                                </p:cTn>
-                              </p:par>
-                              <p:par>
-                                <p:cTn id="31" presetID="1" presetClass="entr" presetSubtype="0" fill="hold" grpId="0" nodeType="withEffect">
-                                  <p:stCondLst>
-                                    <p:cond delay="0"/>
-                                  </p:stCondLst>
-                                  <p:childTnLst>
-                                    <p:set>
-                                      <p:cBhvr>
-                                        <p:cTn id="32" dur="1" fill="hold">
-                                          <p:stCondLst>
-                                            <p:cond delay="0"/>
-                                          </p:stCondLst>
-                                        </p:cTn>
-                                        <p:tgtEl>
-                                          <p:spTgt spid="3">
-                                            <p:txEl>
-                                              <p:pRg st="8" end="8"/>
-                                            </p:txEl>
-                                          </p:spTgt>
-                                        </p:tgtEl>
-                                        <p:attrNameLst>
-                                          <p:attrName>style.visibility</p:attrName>
-                                        </p:attrNameLst>
-                                      </p:cBhvr>
-                                      <p:to>
-                                        <p:strVal val="visible"/>
-                                      </p:to>
-                                    </p:set>
-                                  </p:childTnLst>
-                                </p:cTn>
-                              </p:par>
-                            </p:childTnLst>
-                          </p:cTn>
-                        </p:par>
-                      </p:childTnLst>
-                    </p:cTn>
-                  </p:par>
-                </p:childTnLst>
-              </p:cTn>
-              <p:prevCondLst>
-                <p:cond evt="onPrev" delay="0">
-                  <p:tgtEl>
-                    <p:sldTgt/>
-                  </p:tgtEl>
-                </p:cond>
-              </p:prevCondLst>
-              <p:nextCondLst>
-                <p:cond evt="onNext" delay="0">
-                  <p:tgtEl>
-                    <p:sldTgt/>
-                  </p:tgtEl>
-                </p:cond>
-              </p:nextCondLst>
-            </p:seq>
-          </p:childTnLst>
-        </p:cTn>
-      </p:par>
-    </p:tnLst>
-    <p:bldLst>
-      <p:bldP spid="3" grpId="0" uiExpand="1" build="p"/>
-    </p:bldLst>
-  </p:timing>
-</p:sld>
-</file>
-
-<file path=ppt/slides/slide3.xml><?xml version="1.0" encoding="utf-8"?>
-<p:sld xmlns:a="http://schemas.openxmlformats.org/drawingml/2006/main" xmlns:r="http://schemas.openxmlformats.org/officeDocument/2006/relationships" xmlns:p="http://schemas.openxmlformats.org/presentationml/2006/main">
-  <p:cSld>
-    <p:spTree>
-      <p:nvGrpSpPr>
-        <p:cNvPr id="1" name=""/>
-        <p:cNvGrpSpPr/>
-        <p:nvPr/>
-      </p:nvGrpSpPr>
-      <p:grpSpPr>
-        <a:xfrm>
-          <a:off x="0" y="0"/>
-          <a:ext cx="0" cy="0"/>
-          <a:chOff x="0" y="0"/>
-          <a:chExt cx="0" cy="0"/>
-        </a:xfrm>
-      </p:grpSpPr>
-      <p:sp>
-        <p:nvSpPr>
-          <p:cNvPr id="2" name="Title 1">
-            <a:extLst>
-              <a:ext uri="{FF2B5EF4-FFF2-40B4-BE49-F238E27FC236}">
                 <a16:creationId xmlns:a16="http://schemas.microsoft.com/office/drawing/2014/main" id="{4F912F0E-FE2A-495C-9AFA-6A7D3A40D893}"/>
               </a:ext>
             </a:extLst>
@@ -8666,7 +6810,7 @@
 </p:sld>
 </file>
 
-<file path=ppt/slides/slide4.xml><?xml version="1.0" encoding="utf-8"?>
+<file path=ppt/slides/slide11.xml><?xml version="1.0" encoding="utf-8"?>
 <p:sld xmlns:a="http://schemas.openxmlformats.org/drawingml/2006/main" xmlns:r="http://schemas.openxmlformats.org/officeDocument/2006/relationships" xmlns:p="http://schemas.openxmlformats.org/presentationml/2006/main">
   <p:cSld>
     <p:spTree>
@@ -8759,7 +6903,7 @@
 </p:sld>
 </file>
 
-<file path=ppt/slides/slide5.xml><?xml version="1.0" encoding="utf-8"?>
+<file path=ppt/slides/slide12.xml><?xml version="1.0" encoding="utf-8"?>
 <p:sld xmlns:a="http://schemas.openxmlformats.org/drawingml/2006/main" xmlns:r="http://schemas.openxmlformats.org/officeDocument/2006/relationships" xmlns:p="http://schemas.openxmlformats.org/presentationml/2006/main">
   <p:cSld>
     <p:spTree>
@@ -9250,7 +7394,7 @@
 </p:sld>
 </file>
 
-<file path=ppt/slides/slide6.xml><?xml version="1.0" encoding="utf-8"?>
+<file path=ppt/slides/slide13.xml><?xml version="1.0" encoding="utf-8"?>
 <p:sld xmlns:a="http://schemas.openxmlformats.org/drawingml/2006/main" xmlns:r="http://schemas.openxmlformats.org/officeDocument/2006/relationships" xmlns:p="http://schemas.openxmlformats.org/presentationml/2006/main">
   <p:cSld>
     <p:spTree>
@@ -10079,7 +8223,7 @@
 </p:sld>
 </file>
 
-<file path=ppt/slides/slide7.xml><?xml version="1.0" encoding="utf-8"?>
+<file path=ppt/slides/slide14.xml><?xml version="1.0" encoding="utf-8"?>
 <p:sld xmlns:a="http://schemas.openxmlformats.org/drawingml/2006/main" xmlns:r="http://schemas.openxmlformats.org/officeDocument/2006/relationships" xmlns:p="http://schemas.openxmlformats.org/presentationml/2006/main">
   <p:cSld>
     <p:spTree>
@@ -10794,7 +8938,7 @@
 </p:sld>
 </file>
 
-<file path=ppt/slides/slide8.xml><?xml version="1.0" encoding="utf-8"?>
+<file path=ppt/slides/slide15.xml><?xml version="1.0" encoding="utf-8"?>
 <p:sld xmlns:a="http://schemas.openxmlformats.org/drawingml/2006/main" xmlns:r="http://schemas.openxmlformats.org/officeDocument/2006/relationships" xmlns:p="http://schemas.openxmlformats.org/presentationml/2006/main">
   <p:cSld>
     <p:spTree>
@@ -11564,7 +9708,7 @@
 </p:sld>
 </file>
 
-<file path=ppt/slides/slide9.xml><?xml version="1.0" encoding="utf-8"?>
+<file path=ppt/slides/slide16.xml><?xml version="1.0" encoding="utf-8"?>
 <p:sld xmlns:a="http://schemas.openxmlformats.org/drawingml/2006/main" xmlns:r="http://schemas.openxmlformats.org/officeDocument/2006/relationships" xmlns:p="http://schemas.openxmlformats.org/presentationml/2006/main">
   <p:cSld>
     <p:spTree>
@@ -12297,6 +10441,2813 @@
 </p:sld>
 </file>
 
+<file path=ppt/slides/slide17.xml><?xml version="1.0" encoding="utf-8"?>
+<p:sld xmlns:a="http://schemas.openxmlformats.org/drawingml/2006/main" xmlns:r="http://schemas.openxmlformats.org/officeDocument/2006/relationships" xmlns:p="http://schemas.openxmlformats.org/presentationml/2006/main">
+  <p:cSld>
+    <p:spTree>
+      <p:nvGrpSpPr>
+        <p:cNvPr id="1" name=""/>
+        <p:cNvGrpSpPr/>
+        <p:nvPr/>
+      </p:nvGrpSpPr>
+      <p:grpSpPr>
+        <a:xfrm>
+          <a:off x="0" y="0"/>
+          <a:ext cx="0" cy="0"/>
+          <a:chOff x="0" y="0"/>
+          <a:chExt cx="0" cy="0"/>
+        </a:xfrm>
+      </p:grpSpPr>
+      <p:sp>
+        <p:nvSpPr>
+          <p:cNvPr id="2" name="Title 1">
+            <a:extLst>
+              <a:ext uri="{FF2B5EF4-FFF2-40B4-BE49-F238E27FC236}">
+                <a16:creationId xmlns:a16="http://schemas.microsoft.com/office/drawing/2014/main" id="{EBDBC269-03F8-44E0-8873-7A09FB706B9D}"/>
+              </a:ext>
+            </a:extLst>
+          </p:cNvPr>
+          <p:cNvSpPr>
+            <a:spLocks noGrp="1"/>
+          </p:cNvSpPr>
+          <p:nvPr>
+            <p:ph type="title"/>
+          </p:nvPr>
+        </p:nvSpPr>
+        <p:spPr/>
+        <p:txBody>
+          <a:bodyPr/>
+          <a:lstStyle/>
+          <a:p>
+            <a:r>
+              <a:rPr lang="fr-CA" dirty="0"/>
+              <a:t>Conclusion</a:t>
+            </a:r>
+          </a:p>
+        </p:txBody>
+      </p:sp>
+      <p:sp>
+        <p:nvSpPr>
+          <p:cNvPr id="3" name="Content Placeholder 2">
+            <a:extLst>
+              <a:ext uri="{FF2B5EF4-FFF2-40B4-BE49-F238E27FC236}">
+                <a16:creationId xmlns:a16="http://schemas.microsoft.com/office/drawing/2014/main" id="{9DFD1CD0-CE01-46A9-A3EF-9DF8F02FFD64}"/>
+              </a:ext>
+            </a:extLst>
+          </p:cNvPr>
+          <p:cNvSpPr>
+            <a:spLocks noGrp="1"/>
+          </p:cNvSpPr>
+          <p:nvPr>
+            <p:ph idx="1"/>
+          </p:nvPr>
+        </p:nvSpPr>
+        <p:spPr>
+          <a:xfrm>
+            <a:off x="913795" y="1580050"/>
+            <a:ext cx="10353762" cy="5061382"/>
+          </a:xfrm>
+        </p:spPr>
+        <p:txBody>
+          <a:bodyPr>
+            <a:normAutofit lnSpcReduction="10000"/>
+          </a:bodyPr>
+          <a:lstStyle/>
+          <a:p>
+            <a:r>
+              <a:rPr lang="fr-CA" dirty="0"/>
+              <a:t>Il est possible de facilement intégrer le kanban dans tous les projets actifs. </a:t>
+            </a:r>
+          </a:p>
+          <a:p>
+            <a:r>
+              <a:rPr lang="fr-CA" dirty="0"/>
+              <a:t>Le kanban est un système ultra simple et efficace qui réduit le gaspille de temps et d’énergie</a:t>
+            </a:r>
+          </a:p>
+          <a:p>
+            <a:r>
+              <a:rPr lang="fr-CA" dirty="0"/>
+              <a:t>Possibilité d’être appliqué à tous les domaines de production</a:t>
+            </a:r>
+          </a:p>
+          <a:p>
+            <a:r>
+              <a:rPr lang="fr-CA" dirty="0"/>
+              <a:t>Pas la méthode la plus performante dans de grosses productions où les tâches sont toujours les mêmes.</a:t>
+            </a:r>
+          </a:p>
+          <a:p>
+            <a:r>
+              <a:rPr lang="fr-CA" dirty="0"/>
+              <a:t>Le kanban impose une limite de Work in Progress pour ne pas perdre le contrôle de la production. (mais il y a des risques de bottleneck)</a:t>
+            </a:r>
+          </a:p>
+          <a:p>
+            <a:r>
+              <a:rPr lang="fr-CA" dirty="0"/>
+              <a:t>Les délais de livraisons sont plus stables et plus facile à prédire.</a:t>
+            </a:r>
+          </a:p>
+          <a:p>
+            <a:pPr lvl="1"/>
+            <a:r>
+              <a:rPr lang="fr-CA" dirty="0"/>
+              <a:t>Mais les changement en milieu de projet sont un risque de ralentissement.</a:t>
+            </a:r>
+          </a:p>
+          <a:p>
+            <a:r>
+              <a:rPr lang="fr-CA" dirty="0"/>
+              <a:t>Le kanban vise plutôt le travail à l’interne (la production elle-même)</a:t>
+            </a:r>
+          </a:p>
+          <a:p>
+            <a:pPr lvl="1"/>
+            <a:r>
+              <a:rPr lang="fr-CA" dirty="0"/>
+              <a:t>Mais le Kanban est facile à joindre à une autre méthodologie comme le SCRUM.</a:t>
+            </a:r>
+          </a:p>
+          <a:p>
+            <a:pPr lvl="2"/>
+            <a:r>
+              <a:rPr lang="fr-CA" dirty="0"/>
+              <a:t>Le SCRUM donne une structure plus complète et permet de faire le côté client, le management, les équipes, etc.</a:t>
+            </a:r>
+          </a:p>
+          <a:p>
+            <a:endParaRPr lang="fr-CA" dirty="0"/>
+          </a:p>
+          <a:p>
+            <a:endParaRPr lang="fr-CA" dirty="0"/>
+          </a:p>
+          <a:p>
+            <a:endParaRPr lang="fr-CA" dirty="0"/>
+          </a:p>
+        </p:txBody>
+      </p:sp>
+    </p:spTree>
+    <p:extLst>
+      <p:ext uri="{BB962C8B-B14F-4D97-AF65-F5344CB8AC3E}">
+        <p14:creationId xmlns:p14="http://schemas.microsoft.com/office/powerpoint/2010/main" val="4216437686"/>
+      </p:ext>
+    </p:extLst>
+  </p:cSld>
+  <p:clrMapOvr>
+    <a:masterClrMapping/>
+  </p:clrMapOvr>
+  <p:timing>
+    <p:tnLst>
+      <p:par>
+        <p:cTn id="1" dur="indefinite" restart="never" nodeType="tmRoot">
+          <p:childTnLst>
+            <p:seq concurrent="1" nextAc="seek">
+              <p:cTn id="2" dur="indefinite" nodeType="mainSeq">
+                <p:childTnLst>
+                  <p:par>
+                    <p:cTn id="3" fill="hold">
+                      <p:stCondLst>
+                        <p:cond delay="indefinite"/>
+                      </p:stCondLst>
+                      <p:childTnLst>
+                        <p:par>
+                          <p:cTn id="4" fill="hold">
+                            <p:stCondLst>
+                              <p:cond delay="0"/>
+                            </p:stCondLst>
+                            <p:childTnLst>
+                              <p:par>
+                                <p:cTn id="5" presetID="1" presetClass="entr" presetSubtype="0" fill="hold" grpId="0" nodeType="clickEffect">
+                                  <p:stCondLst>
+                                    <p:cond delay="0"/>
+                                  </p:stCondLst>
+                                  <p:childTnLst>
+                                    <p:set>
+                                      <p:cBhvr>
+                                        <p:cTn id="6" dur="1" fill="hold">
+                                          <p:stCondLst>
+                                            <p:cond delay="0"/>
+                                          </p:stCondLst>
+                                        </p:cTn>
+                                        <p:tgtEl>
+                                          <p:spTgt spid="3">
+                                            <p:txEl>
+                                              <p:pRg st="0" end="0"/>
+                                            </p:txEl>
+                                          </p:spTgt>
+                                        </p:tgtEl>
+                                        <p:attrNameLst>
+                                          <p:attrName>style.visibility</p:attrName>
+                                        </p:attrNameLst>
+                                      </p:cBhvr>
+                                      <p:to>
+                                        <p:strVal val="visible"/>
+                                      </p:to>
+                                    </p:set>
+                                  </p:childTnLst>
+                                </p:cTn>
+                              </p:par>
+                            </p:childTnLst>
+                          </p:cTn>
+                        </p:par>
+                      </p:childTnLst>
+                    </p:cTn>
+                  </p:par>
+                  <p:par>
+                    <p:cTn id="7" fill="hold">
+                      <p:stCondLst>
+                        <p:cond delay="indefinite"/>
+                      </p:stCondLst>
+                      <p:childTnLst>
+                        <p:par>
+                          <p:cTn id="8" fill="hold">
+                            <p:stCondLst>
+                              <p:cond delay="0"/>
+                            </p:stCondLst>
+                            <p:childTnLst>
+                              <p:par>
+                                <p:cTn id="9" presetID="1" presetClass="entr" presetSubtype="0" fill="hold" grpId="0" nodeType="clickEffect">
+                                  <p:stCondLst>
+                                    <p:cond delay="0"/>
+                                  </p:stCondLst>
+                                  <p:childTnLst>
+                                    <p:set>
+                                      <p:cBhvr>
+                                        <p:cTn id="10" dur="1" fill="hold">
+                                          <p:stCondLst>
+                                            <p:cond delay="0"/>
+                                          </p:stCondLst>
+                                        </p:cTn>
+                                        <p:tgtEl>
+                                          <p:spTgt spid="3">
+                                            <p:txEl>
+                                              <p:pRg st="1" end="1"/>
+                                            </p:txEl>
+                                          </p:spTgt>
+                                        </p:tgtEl>
+                                        <p:attrNameLst>
+                                          <p:attrName>style.visibility</p:attrName>
+                                        </p:attrNameLst>
+                                      </p:cBhvr>
+                                      <p:to>
+                                        <p:strVal val="visible"/>
+                                      </p:to>
+                                    </p:set>
+                                  </p:childTnLst>
+                                </p:cTn>
+                              </p:par>
+                            </p:childTnLst>
+                          </p:cTn>
+                        </p:par>
+                      </p:childTnLst>
+                    </p:cTn>
+                  </p:par>
+                  <p:par>
+                    <p:cTn id="11" fill="hold">
+                      <p:stCondLst>
+                        <p:cond delay="indefinite"/>
+                      </p:stCondLst>
+                      <p:childTnLst>
+                        <p:par>
+                          <p:cTn id="12" fill="hold">
+                            <p:stCondLst>
+                              <p:cond delay="0"/>
+                            </p:stCondLst>
+                            <p:childTnLst>
+                              <p:par>
+                                <p:cTn id="13" presetID="1" presetClass="entr" presetSubtype="0" fill="hold" grpId="0" nodeType="clickEffect">
+                                  <p:stCondLst>
+                                    <p:cond delay="0"/>
+                                  </p:stCondLst>
+                                  <p:childTnLst>
+                                    <p:set>
+                                      <p:cBhvr>
+                                        <p:cTn id="14" dur="1" fill="hold">
+                                          <p:stCondLst>
+                                            <p:cond delay="0"/>
+                                          </p:stCondLst>
+                                        </p:cTn>
+                                        <p:tgtEl>
+                                          <p:spTgt spid="3">
+                                            <p:txEl>
+                                              <p:pRg st="2" end="2"/>
+                                            </p:txEl>
+                                          </p:spTgt>
+                                        </p:tgtEl>
+                                        <p:attrNameLst>
+                                          <p:attrName>style.visibility</p:attrName>
+                                        </p:attrNameLst>
+                                      </p:cBhvr>
+                                      <p:to>
+                                        <p:strVal val="visible"/>
+                                      </p:to>
+                                    </p:set>
+                                  </p:childTnLst>
+                                </p:cTn>
+                              </p:par>
+                            </p:childTnLst>
+                          </p:cTn>
+                        </p:par>
+                      </p:childTnLst>
+                    </p:cTn>
+                  </p:par>
+                  <p:par>
+                    <p:cTn id="15" fill="hold">
+                      <p:stCondLst>
+                        <p:cond delay="indefinite"/>
+                      </p:stCondLst>
+                      <p:childTnLst>
+                        <p:par>
+                          <p:cTn id="16" fill="hold">
+                            <p:stCondLst>
+                              <p:cond delay="0"/>
+                            </p:stCondLst>
+                            <p:childTnLst>
+                              <p:par>
+                                <p:cTn id="17" presetID="1" presetClass="entr" presetSubtype="0" fill="hold" grpId="0" nodeType="clickEffect">
+                                  <p:stCondLst>
+                                    <p:cond delay="0"/>
+                                  </p:stCondLst>
+                                  <p:childTnLst>
+                                    <p:set>
+                                      <p:cBhvr>
+                                        <p:cTn id="18" dur="1" fill="hold">
+                                          <p:stCondLst>
+                                            <p:cond delay="0"/>
+                                          </p:stCondLst>
+                                        </p:cTn>
+                                        <p:tgtEl>
+                                          <p:spTgt spid="3">
+                                            <p:txEl>
+                                              <p:pRg st="3" end="3"/>
+                                            </p:txEl>
+                                          </p:spTgt>
+                                        </p:tgtEl>
+                                        <p:attrNameLst>
+                                          <p:attrName>style.visibility</p:attrName>
+                                        </p:attrNameLst>
+                                      </p:cBhvr>
+                                      <p:to>
+                                        <p:strVal val="visible"/>
+                                      </p:to>
+                                    </p:set>
+                                  </p:childTnLst>
+                                </p:cTn>
+                              </p:par>
+                            </p:childTnLst>
+                          </p:cTn>
+                        </p:par>
+                      </p:childTnLst>
+                    </p:cTn>
+                  </p:par>
+                  <p:par>
+                    <p:cTn id="19" fill="hold">
+                      <p:stCondLst>
+                        <p:cond delay="indefinite"/>
+                      </p:stCondLst>
+                      <p:childTnLst>
+                        <p:par>
+                          <p:cTn id="20" fill="hold">
+                            <p:stCondLst>
+                              <p:cond delay="0"/>
+                            </p:stCondLst>
+                            <p:childTnLst>
+                              <p:par>
+                                <p:cTn id="21" presetID="1" presetClass="entr" presetSubtype="0" fill="hold" grpId="0" nodeType="clickEffect">
+                                  <p:stCondLst>
+                                    <p:cond delay="0"/>
+                                  </p:stCondLst>
+                                  <p:childTnLst>
+                                    <p:set>
+                                      <p:cBhvr>
+                                        <p:cTn id="22" dur="1" fill="hold">
+                                          <p:stCondLst>
+                                            <p:cond delay="0"/>
+                                          </p:stCondLst>
+                                        </p:cTn>
+                                        <p:tgtEl>
+                                          <p:spTgt spid="3">
+                                            <p:txEl>
+                                              <p:pRg st="4" end="4"/>
+                                            </p:txEl>
+                                          </p:spTgt>
+                                        </p:tgtEl>
+                                        <p:attrNameLst>
+                                          <p:attrName>style.visibility</p:attrName>
+                                        </p:attrNameLst>
+                                      </p:cBhvr>
+                                      <p:to>
+                                        <p:strVal val="visible"/>
+                                      </p:to>
+                                    </p:set>
+                                  </p:childTnLst>
+                                </p:cTn>
+                              </p:par>
+                            </p:childTnLst>
+                          </p:cTn>
+                        </p:par>
+                      </p:childTnLst>
+                    </p:cTn>
+                  </p:par>
+                  <p:par>
+                    <p:cTn id="23" fill="hold">
+                      <p:stCondLst>
+                        <p:cond delay="indefinite"/>
+                      </p:stCondLst>
+                      <p:childTnLst>
+                        <p:par>
+                          <p:cTn id="24" fill="hold">
+                            <p:stCondLst>
+                              <p:cond delay="0"/>
+                            </p:stCondLst>
+                            <p:childTnLst>
+                              <p:par>
+                                <p:cTn id="25" presetID="1" presetClass="entr" presetSubtype="0" fill="hold" grpId="0" nodeType="clickEffect">
+                                  <p:stCondLst>
+                                    <p:cond delay="0"/>
+                                  </p:stCondLst>
+                                  <p:childTnLst>
+                                    <p:set>
+                                      <p:cBhvr>
+                                        <p:cTn id="26" dur="1" fill="hold">
+                                          <p:stCondLst>
+                                            <p:cond delay="0"/>
+                                          </p:stCondLst>
+                                        </p:cTn>
+                                        <p:tgtEl>
+                                          <p:spTgt spid="3">
+                                            <p:txEl>
+                                              <p:pRg st="5" end="5"/>
+                                            </p:txEl>
+                                          </p:spTgt>
+                                        </p:tgtEl>
+                                        <p:attrNameLst>
+                                          <p:attrName>style.visibility</p:attrName>
+                                        </p:attrNameLst>
+                                      </p:cBhvr>
+                                      <p:to>
+                                        <p:strVal val="visible"/>
+                                      </p:to>
+                                    </p:set>
+                                  </p:childTnLst>
+                                </p:cTn>
+                              </p:par>
+                              <p:par>
+                                <p:cTn id="27" presetID="1" presetClass="entr" presetSubtype="0" fill="hold" grpId="0" nodeType="withEffect">
+                                  <p:stCondLst>
+                                    <p:cond delay="0"/>
+                                  </p:stCondLst>
+                                  <p:childTnLst>
+                                    <p:set>
+                                      <p:cBhvr>
+                                        <p:cTn id="28" dur="1" fill="hold">
+                                          <p:stCondLst>
+                                            <p:cond delay="0"/>
+                                          </p:stCondLst>
+                                        </p:cTn>
+                                        <p:tgtEl>
+                                          <p:spTgt spid="3">
+                                            <p:txEl>
+                                              <p:pRg st="6" end="6"/>
+                                            </p:txEl>
+                                          </p:spTgt>
+                                        </p:tgtEl>
+                                        <p:attrNameLst>
+                                          <p:attrName>style.visibility</p:attrName>
+                                        </p:attrNameLst>
+                                      </p:cBhvr>
+                                      <p:to>
+                                        <p:strVal val="visible"/>
+                                      </p:to>
+                                    </p:set>
+                                  </p:childTnLst>
+                                </p:cTn>
+                              </p:par>
+                            </p:childTnLst>
+                          </p:cTn>
+                        </p:par>
+                      </p:childTnLst>
+                    </p:cTn>
+                  </p:par>
+                  <p:par>
+                    <p:cTn id="29" fill="hold">
+                      <p:stCondLst>
+                        <p:cond delay="indefinite"/>
+                      </p:stCondLst>
+                      <p:childTnLst>
+                        <p:par>
+                          <p:cTn id="30" fill="hold">
+                            <p:stCondLst>
+                              <p:cond delay="0"/>
+                            </p:stCondLst>
+                            <p:childTnLst>
+                              <p:par>
+                                <p:cTn id="31" presetID="1" presetClass="entr" presetSubtype="0" fill="hold" grpId="0" nodeType="clickEffect">
+                                  <p:stCondLst>
+                                    <p:cond delay="0"/>
+                                  </p:stCondLst>
+                                  <p:childTnLst>
+                                    <p:set>
+                                      <p:cBhvr>
+                                        <p:cTn id="32" dur="1" fill="hold">
+                                          <p:stCondLst>
+                                            <p:cond delay="0"/>
+                                          </p:stCondLst>
+                                        </p:cTn>
+                                        <p:tgtEl>
+                                          <p:spTgt spid="3">
+                                            <p:txEl>
+                                              <p:pRg st="7" end="7"/>
+                                            </p:txEl>
+                                          </p:spTgt>
+                                        </p:tgtEl>
+                                        <p:attrNameLst>
+                                          <p:attrName>style.visibility</p:attrName>
+                                        </p:attrNameLst>
+                                      </p:cBhvr>
+                                      <p:to>
+                                        <p:strVal val="visible"/>
+                                      </p:to>
+                                    </p:set>
+                                  </p:childTnLst>
+                                </p:cTn>
+                              </p:par>
+                              <p:par>
+                                <p:cTn id="33" presetID="1" presetClass="entr" presetSubtype="0" fill="hold" grpId="0" nodeType="withEffect">
+                                  <p:stCondLst>
+                                    <p:cond delay="0"/>
+                                  </p:stCondLst>
+                                  <p:childTnLst>
+                                    <p:set>
+                                      <p:cBhvr>
+                                        <p:cTn id="34" dur="1" fill="hold">
+                                          <p:stCondLst>
+                                            <p:cond delay="0"/>
+                                          </p:stCondLst>
+                                        </p:cTn>
+                                        <p:tgtEl>
+                                          <p:spTgt spid="3">
+                                            <p:txEl>
+                                              <p:pRg st="8" end="8"/>
+                                            </p:txEl>
+                                          </p:spTgt>
+                                        </p:tgtEl>
+                                        <p:attrNameLst>
+                                          <p:attrName>style.visibility</p:attrName>
+                                        </p:attrNameLst>
+                                      </p:cBhvr>
+                                      <p:to>
+                                        <p:strVal val="visible"/>
+                                      </p:to>
+                                    </p:set>
+                                  </p:childTnLst>
+                                </p:cTn>
+                              </p:par>
+                              <p:par>
+                                <p:cTn id="35" presetID="1" presetClass="entr" presetSubtype="0" fill="hold" grpId="0" nodeType="withEffect">
+                                  <p:stCondLst>
+                                    <p:cond delay="0"/>
+                                  </p:stCondLst>
+                                  <p:childTnLst>
+                                    <p:set>
+                                      <p:cBhvr>
+                                        <p:cTn id="36" dur="1" fill="hold">
+                                          <p:stCondLst>
+                                            <p:cond delay="0"/>
+                                          </p:stCondLst>
+                                        </p:cTn>
+                                        <p:tgtEl>
+                                          <p:spTgt spid="3">
+                                            <p:txEl>
+                                              <p:pRg st="9" end="9"/>
+                                            </p:txEl>
+                                          </p:spTgt>
+                                        </p:tgtEl>
+                                        <p:attrNameLst>
+                                          <p:attrName>style.visibility</p:attrName>
+                                        </p:attrNameLst>
+                                      </p:cBhvr>
+                                      <p:to>
+                                        <p:strVal val="visible"/>
+                                      </p:to>
+                                    </p:set>
+                                  </p:childTnLst>
+                                </p:cTn>
+                              </p:par>
+                            </p:childTnLst>
+                          </p:cTn>
+                        </p:par>
+                      </p:childTnLst>
+                    </p:cTn>
+                  </p:par>
+                </p:childTnLst>
+              </p:cTn>
+              <p:prevCondLst>
+                <p:cond evt="onPrev" delay="0">
+                  <p:tgtEl>
+                    <p:sldTgt/>
+                  </p:tgtEl>
+                </p:cond>
+              </p:prevCondLst>
+              <p:nextCondLst>
+                <p:cond evt="onNext" delay="0">
+                  <p:tgtEl>
+                    <p:sldTgt/>
+                  </p:tgtEl>
+                </p:cond>
+              </p:nextCondLst>
+            </p:seq>
+          </p:childTnLst>
+        </p:cTn>
+      </p:par>
+    </p:tnLst>
+    <p:bldLst>
+      <p:bldP spid="3" grpId="0" uiExpand="1" build="p"/>
+    </p:bldLst>
+  </p:timing>
+</p:sld>
+</file>
+
+<file path=ppt/slides/slide18.xml><?xml version="1.0" encoding="utf-8"?>
+<p:sld xmlns:a="http://schemas.openxmlformats.org/drawingml/2006/main" xmlns:r="http://schemas.openxmlformats.org/officeDocument/2006/relationships" xmlns:p="http://schemas.openxmlformats.org/presentationml/2006/main">
+  <p:cSld>
+    <p:spTree>
+      <p:nvGrpSpPr>
+        <p:cNvPr id="1" name=""/>
+        <p:cNvGrpSpPr/>
+        <p:nvPr/>
+      </p:nvGrpSpPr>
+      <p:grpSpPr>
+        <a:xfrm>
+          <a:off x="0" y="0"/>
+          <a:ext cx="0" cy="0"/>
+          <a:chOff x="0" y="0"/>
+          <a:chExt cx="0" cy="0"/>
+        </a:xfrm>
+      </p:grpSpPr>
+      <p:sp>
+        <p:nvSpPr>
+          <p:cNvPr id="2" name="Title 1">
+            <a:extLst>
+              <a:ext uri="{FF2B5EF4-FFF2-40B4-BE49-F238E27FC236}">
+                <a16:creationId xmlns:a16="http://schemas.microsoft.com/office/drawing/2014/main" id="{8AD7A449-FFB3-4F33-B199-4DADD09DF255}"/>
+              </a:ext>
+            </a:extLst>
+          </p:cNvPr>
+          <p:cNvSpPr>
+            <a:spLocks noGrp="1"/>
+          </p:cNvSpPr>
+          <p:nvPr>
+            <p:ph type="title"/>
+          </p:nvPr>
+        </p:nvSpPr>
+        <p:spPr/>
+        <p:txBody>
+          <a:bodyPr/>
+          <a:lstStyle/>
+          <a:p>
+            <a:r>
+              <a:rPr lang="en-CA" dirty="0"/>
+              <a:t>Questions</a:t>
+            </a:r>
+          </a:p>
+        </p:txBody>
+      </p:sp>
+      <p:sp>
+        <p:nvSpPr>
+          <p:cNvPr id="3" name="Content Placeholder 2">
+            <a:extLst>
+              <a:ext uri="{FF2B5EF4-FFF2-40B4-BE49-F238E27FC236}">
+                <a16:creationId xmlns:a16="http://schemas.microsoft.com/office/drawing/2014/main" id="{DB53188E-B95A-4FB7-95C3-78F9C012F633}"/>
+              </a:ext>
+            </a:extLst>
+          </p:cNvPr>
+          <p:cNvSpPr>
+            <a:spLocks noGrp="1"/>
+          </p:cNvSpPr>
+          <p:nvPr>
+            <p:ph idx="1"/>
+          </p:nvPr>
+        </p:nvSpPr>
+        <p:spPr/>
+        <p:txBody>
+          <a:bodyPr>
+            <a:normAutofit/>
+          </a:bodyPr>
+          <a:lstStyle/>
+          <a:p>
+            <a:r>
+              <a:rPr lang="fr-FR" sz="2400" dirty="0"/>
+              <a:t>Est-ce que ce type de méthode est facilement adaptable ou </a:t>
+            </a:r>
+            <a:r>
+              <a:rPr lang="fr-FR" sz="2400" dirty="0" err="1"/>
+              <a:t>mixable</a:t>
+            </a:r>
+            <a:r>
+              <a:rPr lang="fr-FR" sz="2400" dirty="0"/>
+              <a:t> avec les autres?</a:t>
+            </a:r>
+          </a:p>
+          <a:p>
+            <a:endParaRPr lang="fr-FR" sz="2400" dirty="0"/>
+          </a:p>
+          <a:p>
+            <a:r>
+              <a:rPr lang="fr-FR" sz="2400" dirty="0"/>
+              <a:t>Quel risque principal peut être causé par un changement de développement à mi-projet ?</a:t>
+            </a:r>
+          </a:p>
+          <a:p>
+            <a:endParaRPr lang="fr-FR" sz="2400" dirty="0"/>
+          </a:p>
+          <a:p>
+            <a:r>
+              <a:rPr lang="fr-FR" sz="2400" dirty="0"/>
+              <a:t>Est-il possible d'implanter le kanban dans une chaine de production déjà active ?</a:t>
+            </a:r>
+          </a:p>
+          <a:p>
+            <a:endParaRPr lang="en-CA" sz="2400" dirty="0"/>
+          </a:p>
+        </p:txBody>
+      </p:sp>
+    </p:spTree>
+    <p:extLst>
+      <p:ext uri="{BB962C8B-B14F-4D97-AF65-F5344CB8AC3E}">
+        <p14:creationId xmlns:p14="http://schemas.microsoft.com/office/powerpoint/2010/main" val="1743792717"/>
+      </p:ext>
+    </p:extLst>
+  </p:cSld>
+  <p:clrMapOvr>
+    <a:masterClrMapping/>
+  </p:clrMapOvr>
+  <p:timing>
+    <p:tnLst>
+      <p:par>
+        <p:cTn id="1" dur="indefinite" restart="never" nodeType="tmRoot">
+          <p:childTnLst>
+            <p:seq concurrent="1" nextAc="seek">
+              <p:cTn id="2" dur="indefinite" nodeType="mainSeq">
+                <p:childTnLst>
+                  <p:par>
+                    <p:cTn id="3" fill="hold">
+                      <p:stCondLst>
+                        <p:cond delay="indefinite"/>
+                      </p:stCondLst>
+                      <p:childTnLst>
+                        <p:par>
+                          <p:cTn id="4" fill="hold">
+                            <p:stCondLst>
+                              <p:cond delay="0"/>
+                            </p:stCondLst>
+                            <p:childTnLst>
+                              <p:par>
+                                <p:cTn id="5" presetID="1" presetClass="entr" presetSubtype="0" fill="hold" nodeType="clickEffect">
+                                  <p:stCondLst>
+                                    <p:cond delay="0"/>
+                                  </p:stCondLst>
+                                  <p:childTnLst>
+                                    <p:set>
+                                      <p:cBhvr>
+                                        <p:cTn id="6" dur="1" fill="hold">
+                                          <p:stCondLst>
+                                            <p:cond delay="0"/>
+                                          </p:stCondLst>
+                                        </p:cTn>
+                                        <p:tgtEl>
+                                          <p:spTgt spid="3">
+                                            <p:txEl>
+                                              <p:pRg st="0" end="0"/>
+                                            </p:txEl>
+                                          </p:spTgt>
+                                        </p:tgtEl>
+                                        <p:attrNameLst>
+                                          <p:attrName>style.visibility</p:attrName>
+                                        </p:attrNameLst>
+                                      </p:cBhvr>
+                                      <p:to>
+                                        <p:strVal val="visible"/>
+                                      </p:to>
+                                    </p:set>
+                                  </p:childTnLst>
+                                </p:cTn>
+                              </p:par>
+                              <p:par>
+                                <p:cTn id="7" presetID="1" presetClass="entr" presetSubtype="0" fill="hold" nodeType="withEffect">
+                                  <p:stCondLst>
+                                    <p:cond delay="0"/>
+                                  </p:stCondLst>
+                                  <p:childTnLst>
+                                    <p:set>
+                                      <p:cBhvr>
+                                        <p:cTn id="8" dur="1" fill="hold">
+                                          <p:stCondLst>
+                                            <p:cond delay="0"/>
+                                          </p:stCondLst>
+                                        </p:cTn>
+                                        <p:tgtEl>
+                                          <p:spTgt spid="3">
+                                            <p:txEl>
+                                              <p:pRg st="2" end="2"/>
+                                            </p:txEl>
+                                          </p:spTgt>
+                                        </p:tgtEl>
+                                        <p:attrNameLst>
+                                          <p:attrName>style.visibility</p:attrName>
+                                        </p:attrNameLst>
+                                      </p:cBhvr>
+                                      <p:to>
+                                        <p:strVal val="visible"/>
+                                      </p:to>
+                                    </p:set>
+                                  </p:childTnLst>
+                                </p:cTn>
+                              </p:par>
+                              <p:par>
+                                <p:cTn id="9" presetID="1" presetClass="entr" presetSubtype="0" fill="hold" nodeType="withEffect">
+                                  <p:stCondLst>
+                                    <p:cond delay="0"/>
+                                  </p:stCondLst>
+                                  <p:childTnLst>
+                                    <p:set>
+                                      <p:cBhvr>
+                                        <p:cTn id="10" dur="1" fill="hold">
+                                          <p:stCondLst>
+                                            <p:cond delay="0"/>
+                                          </p:stCondLst>
+                                        </p:cTn>
+                                        <p:tgtEl>
+                                          <p:spTgt spid="3">
+                                            <p:txEl>
+                                              <p:pRg st="4" end="4"/>
+                                            </p:txEl>
+                                          </p:spTgt>
+                                        </p:tgtEl>
+                                        <p:attrNameLst>
+                                          <p:attrName>style.visibility</p:attrName>
+                                        </p:attrNameLst>
+                                      </p:cBhvr>
+                                      <p:to>
+                                        <p:strVal val="visible"/>
+                                      </p:to>
+                                    </p:set>
+                                  </p:childTnLst>
+                                </p:cTn>
+                              </p:par>
+                            </p:childTnLst>
+                          </p:cTn>
+                        </p:par>
+                      </p:childTnLst>
+                    </p:cTn>
+                  </p:par>
+                </p:childTnLst>
+              </p:cTn>
+              <p:prevCondLst>
+                <p:cond evt="onPrev" delay="0">
+                  <p:tgtEl>
+                    <p:sldTgt/>
+                  </p:tgtEl>
+                </p:cond>
+              </p:prevCondLst>
+              <p:nextCondLst>
+                <p:cond evt="onNext" delay="0">
+                  <p:tgtEl>
+                    <p:sldTgt/>
+                  </p:tgtEl>
+                </p:cond>
+              </p:nextCondLst>
+            </p:seq>
+          </p:childTnLst>
+        </p:cTn>
+      </p:par>
+    </p:tnLst>
+  </p:timing>
+</p:sld>
+</file>
+
+<file path=ppt/slides/slide19.xml><?xml version="1.0" encoding="utf-8"?>
+<p:sld xmlns:a="http://schemas.openxmlformats.org/drawingml/2006/main" xmlns:r="http://schemas.openxmlformats.org/officeDocument/2006/relationships" xmlns:p="http://schemas.openxmlformats.org/presentationml/2006/main">
+  <p:cSld>
+    <p:spTree>
+      <p:nvGrpSpPr>
+        <p:cNvPr id="1" name=""/>
+        <p:cNvGrpSpPr/>
+        <p:nvPr/>
+      </p:nvGrpSpPr>
+      <p:grpSpPr>
+        <a:xfrm>
+          <a:off x="0" y="0"/>
+          <a:ext cx="0" cy="0"/>
+          <a:chOff x="0" y="0"/>
+          <a:chExt cx="0" cy="0"/>
+        </a:xfrm>
+      </p:grpSpPr>
+      <p:sp>
+        <p:nvSpPr>
+          <p:cNvPr id="2" name="Title 1">
+            <a:extLst>
+              <a:ext uri="{FF2B5EF4-FFF2-40B4-BE49-F238E27FC236}">
+                <a16:creationId xmlns:a16="http://schemas.microsoft.com/office/drawing/2014/main" id="{DE00CFEE-4CCE-4DF3-B8BF-DA30872281DD}"/>
+              </a:ext>
+            </a:extLst>
+          </p:cNvPr>
+          <p:cNvSpPr>
+            <a:spLocks noGrp="1"/>
+          </p:cNvSpPr>
+          <p:nvPr>
+            <p:ph type="title"/>
+          </p:nvPr>
+        </p:nvSpPr>
+        <p:spPr/>
+        <p:txBody>
+          <a:bodyPr/>
+          <a:lstStyle/>
+          <a:p>
+            <a:r>
+              <a:rPr lang="en-CA" dirty="0"/>
+              <a:t>Questions</a:t>
+            </a:r>
+          </a:p>
+        </p:txBody>
+      </p:sp>
+      <p:sp>
+        <p:nvSpPr>
+          <p:cNvPr id="3" name="Content Placeholder 2">
+            <a:extLst>
+              <a:ext uri="{FF2B5EF4-FFF2-40B4-BE49-F238E27FC236}">
+                <a16:creationId xmlns:a16="http://schemas.microsoft.com/office/drawing/2014/main" id="{641B43FB-244C-4919-A461-1BFCD57CB41F}"/>
+              </a:ext>
+            </a:extLst>
+          </p:cNvPr>
+          <p:cNvSpPr>
+            <a:spLocks noGrp="1"/>
+          </p:cNvSpPr>
+          <p:nvPr>
+            <p:ph idx="1"/>
+          </p:nvPr>
+        </p:nvSpPr>
+        <p:spPr/>
+        <p:txBody>
+          <a:bodyPr/>
+          <a:lstStyle/>
+          <a:p>
+            <a:r>
+              <a:rPr lang="fr-FR" dirty="0"/>
+              <a:t>Est-ce que ce type de méthode est facilement adaptable ou </a:t>
+            </a:r>
+            <a:r>
+              <a:rPr lang="fr-FR" dirty="0" err="1"/>
+              <a:t>mixable</a:t>
+            </a:r>
+            <a:r>
+              <a:rPr lang="fr-FR" dirty="0"/>
+              <a:t> avec les autres?</a:t>
+            </a:r>
+          </a:p>
+          <a:p>
+            <a:pPr lvl="1"/>
+            <a:r>
+              <a:rPr lang="fr-FR" dirty="0"/>
+              <a:t>Oui et c’est même préférable</a:t>
+            </a:r>
+          </a:p>
+          <a:p>
+            <a:r>
+              <a:rPr lang="fr-FR" dirty="0"/>
+              <a:t>Quel risque principal peut être causé par un changement de </a:t>
+            </a:r>
+            <a:r>
+              <a:rPr lang="fr-FR" dirty="0" err="1"/>
+              <a:t>developpement</a:t>
+            </a:r>
+            <a:r>
+              <a:rPr lang="fr-FR" dirty="0"/>
+              <a:t> à mi-projet ?</a:t>
+            </a:r>
+          </a:p>
+          <a:p>
+            <a:pPr lvl="1"/>
+            <a:r>
+              <a:rPr lang="fr-FR"/>
+              <a:t>a</a:t>
+            </a:r>
+            <a:endParaRPr lang="fr-FR" dirty="0"/>
+          </a:p>
+          <a:p>
+            <a:r>
+              <a:rPr lang="fr-FR" dirty="0"/>
+              <a:t>Est-il possible d'implanter le kanban dans une chaine de production déjà active ?</a:t>
+            </a:r>
+          </a:p>
+          <a:p>
+            <a:pPr lvl="1"/>
+            <a:r>
+              <a:rPr lang="fr-FR" dirty="0"/>
+              <a:t>Oui, mais ce n’est pas recommandée, puisque l’implantation d’une telle méthode demande beaucoup de changements au niveau culture et philosophie d’entreprise de même que les processus en cours.</a:t>
+            </a:r>
+            <a:endParaRPr lang="en-CA" dirty="0"/>
+          </a:p>
+        </p:txBody>
+      </p:sp>
+    </p:spTree>
+    <p:extLst>
+      <p:ext uri="{BB962C8B-B14F-4D97-AF65-F5344CB8AC3E}">
+        <p14:creationId xmlns:p14="http://schemas.microsoft.com/office/powerpoint/2010/main" val="1199944603"/>
+      </p:ext>
+    </p:extLst>
+  </p:cSld>
+  <p:clrMapOvr>
+    <a:masterClrMapping/>
+  </p:clrMapOvr>
+  <p:timing>
+    <p:tnLst>
+      <p:par>
+        <p:cTn id="1" dur="indefinite" restart="never" nodeType="tmRoot">
+          <p:childTnLst>
+            <p:seq concurrent="1" nextAc="seek">
+              <p:cTn id="2" dur="indefinite" nodeType="mainSeq">
+                <p:childTnLst>
+                  <p:par>
+                    <p:cTn id="3" fill="hold">
+                      <p:stCondLst>
+                        <p:cond delay="indefinite"/>
+                      </p:stCondLst>
+                      <p:childTnLst>
+                        <p:par>
+                          <p:cTn id="4" fill="hold">
+                            <p:stCondLst>
+                              <p:cond delay="0"/>
+                            </p:stCondLst>
+                            <p:childTnLst>
+                              <p:par>
+                                <p:cTn id="5" presetID="1" presetClass="entr" presetSubtype="0" fill="hold" grpId="0" nodeType="clickEffect">
+                                  <p:stCondLst>
+                                    <p:cond delay="0"/>
+                                  </p:stCondLst>
+                                  <p:childTnLst>
+                                    <p:set>
+                                      <p:cBhvr>
+                                        <p:cTn id="6" dur="1" fill="hold">
+                                          <p:stCondLst>
+                                            <p:cond delay="0"/>
+                                          </p:stCondLst>
+                                        </p:cTn>
+                                        <p:tgtEl>
+                                          <p:spTgt spid="3">
+                                            <p:txEl>
+                                              <p:pRg st="0" end="0"/>
+                                            </p:txEl>
+                                          </p:spTgt>
+                                        </p:tgtEl>
+                                        <p:attrNameLst>
+                                          <p:attrName>style.visibility</p:attrName>
+                                        </p:attrNameLst>
+                                      </p:cBhvr>
+                                      <p:to>
+                                        <p:strVal val="visible"/>
+                                      </p:to>
+                                    </p:set>
+                                  </p:childTnLst>
+                                </p:cTn>
+                              </p:par>
+                              <p:par>
+                                <p:cTn id="7" presetID="1" presetClass="entr" presetSubtype="0" fill="hold" grpId="0" nodeType="withEffect">
+                                  <p:stCondLst>
+                                    <p:cond delay="0"/>
+                                  </p:stCondLst>
+                                  <p:childTnLst>
+                                    <p:set>
+                                      <p:cBhvr>
+                                        <p:cTn id="8" dur="1" fill="hold">
+                                          <p:stCondLst>
+                                            <p:cond delay="0"/>
+                                          </p:stCondLst>
+                                        </p:cTn>
+                                        <p:tgtEl>
+                                          <p:spTgt spid="3">
+                                            <p:txEl>
+                                              <p:pRg st="1" end="1"/>
+                                            </p:txEl>
+                                          </p:spTgt>
+                                        </p:tgtEl>
+                                        <p:attrNameLst>
+                                          <p:attrName>style.visibility</p:attrName>
+                                        </p:attrNameLst>
+                                      </p:cBhvr>
+                                      <p:to>
+                                        <p:strVal val="visible"/>
+                                      </p:to>
+                                    </p:set>
+                                  </p:childTnLst>
+                                </p:cTn>
+                              </p:par>
+                            </p:childTnLst>
+                          </p:cTn>
+                        </p:par>
+                      </p:childTnLst>
+                    </p:cTn>
+                  </p:par>
+                  <p:par>
+                    <p:cTn id="9" fill="hold">
+                      <p:stCondLst>
+                        <p:cond delay="indefinite"/>
+                      </p:stCondLst>
+                      <p:childTnLst>
+                        <p:par>
+                          <p:cTn id="10" fill="hold">
+                            <p:stCondLst>
+                              <p:cond delay="0"/>
+                            </p:stCondLst>
+                            <p:childTnLst>
+                              <p:par>
+                                <p:cTn id="11" presetID="1" presetClass="entr" presetSubtype="0" fill="hold" grpId="0" nodeType="clickEffect">
+                                  <p:stCondLst>
+                                    <p:cond delay="0"/>
+                                  </p:stCondLst>
+                                  <p:childTnLst>
+                                    <p:set>
+                                      <p:cBhvr>
+                                        <p:cTn id="12" dur="1" fill="hold">
+                                          <p:stCondLst>
+                                            <p:cond delay="0"/>
+                                          </p:stCondLst>
+                                        </p:cTn>
+                                        <p:tgtEl>
+                                          <p:spTgt spid="3">
+                                            <p:txEl>
+                                              <p:pRg st="2" end="2"/>
+                                            </p:txEl>
+                                          </p:spTgt>
+                                        </p:tgtEl>
+                                        <p:attrNameLst>
+                                          <p:attrName>style.visibility</p:attrName>
+                                        </p:attrNameLst>
+                                      </p:cBhvr>
+                                      <p:to>
+                                        <p:strVal val="visible"/>
+                                      </p:to>
+                                    </p:set>
+                                  </p:childTnLst>
+                                </p:cTn>
+                              </p:par>
+                              <p:par>
+                                <p:cTn id="13" presetID="1" presetClass="entr" presetSubtype="0" fill="hold" grpId="0" nodeType="withEffect">
+                                  <p:stCondLst>
+                                    <p:cond delay="0"/>
+                                  </p:stCondLst>
+                                  <p:childTnLst>
+                                    <p:set>
+                                      <p:cBhvr>
+                                        <p:cTn id="14" dur="1" fill="hold">
+                                          <p:stCondLst>
+                                            <p:cond delay="0"/>
+                                          </p:stCondLst>
+                                        </p:cTn>
+                                        <p:tgtEl>
+                                          <p:spTgt spid="3">
+                                            <p:txEl>
+                                              <p:pRg st="3" end="3"/>
+                                            </p:txEl>
+                                          </p:spTgt>
+                                        </p:tgtEl>
+                                        <p:attrNameLst>
+                                          <p:attrName>style.visibility</p:attrName>
+                                        </p:attrNameLst>
+                                      </p:cBhvr>
+                                      <p:to>
+                                        <p:strVal val="visible"/>
+                                      </p:to>
+                                    </p:set>
+                                  </p:childTnLst>
+                                </p:cTn>
+                              </p:par>
+                            </p:childTnLst>
+                          </p:cTn>
+                        </p:par>
+                      </p:childTnLst>
+                    </p:cTn>
+                  </p:par>
+                  <p:par>
+                    <p:cTn id="15" fill="hold">
+                      <p:stCondLst>
+                        <p:cond delay="indefinite"/>
+                      </p:stCondLst>
+                      <p:childTnLst>
+                        <p:par>
+                          <p:cTn id="16" fill="hold">
+                            <p:stCondLst>
+                              <p:cond delay="0"/>
+                            </p:stCondLst>
+                            <p:childTnLst>
+                              <p:par>
+                                <p:cTn id="17" presetID="1" presetClass="entr" presetSubtype="0" fill="hold" grpId="0" nodeType="clickEffect">
+                                  <p:stCondLst>
+                                    <p:cond delay="0"/>
+                                  </p:stCondLst>
+                                  <p:childTnLst>
+                                    <p:set>
+                                      <p:cBhvr>
+                                        <p:cTn id="18" dur="1" fill="hold">
+                                          <p:stCondLst>
+                                            <p:cond delay="0"/>
+                                          </p:stCondLst>
+                                        </p:cTn>
+                                        <p:tgtEl>
+                                          <p:spTgt spid="3">
+                                            <p:txEl>
+                                              <p:pRg st="4" end="4"/>
+                                            </p:txEl>
+                                          </p:spTgt>
+                                        </p:tgtEl>
+                                        <p:attrNameLst>
+                                          <p:attrName>style.visibility</p:attrName>
+                                        </p:attrNameLst>
+                                      </p:cBhvr>
+                                      <p:to>
+                                        <p:strVal val="visible"/>
+                                      </p:to>
+                                    </p:set>
+                                  </p:childTnLst>
+                                </p:cTn>
+                              </p:par>
+                              <p:par>
+                                <p:cTn id="19" presetID="1" presetClass="entr" presetSubtype="0" fill="hold" grpId="0" nodeType="withEffect">
+                                  <p:stCondLst>
+                                    <p:cond delay="0"/>
+                                  </p:stCondLst>
+                                  <p:childTnLst>
+                                    <p:set>
+                                      <p:cBhvr>
+                                        <p:cTn id="20" dur="1" fill="hold">
+                                          <p:stCondLst>
+                                            <p:cond delay="0"/>
+                                          </p:stCondLst>
+                                        </p:cTn>
+                                        <p:tgtEl>
+                                          <p:spTgt spid="3">
+                                            <p:txEl>
+                                              <p:pRg st="5" end="5"/>
+                                            </p:txEl>
+                                          </p:spTgt>
+                                        </p:tgtEl>
+                                        <p:attrNameLst>
+                                          <p:attrName>style.visibility</p:attrName>
+                                        </p:attrNameLst>
+                                      </p:cBhvr>
+                                      <p:to>
+                                        <p:strVal val="visible"/>
+                                      </p:to>
+                                    </p:set>
+                                  </p:childTnLst>
+                                </p:cTn>
+                              </p:par>
+                            </p:childTnLst>
+                          </p:cTn>
+                        </p:par>
+                      </p:childTnLst>
+                    </p:cTn>
+                  </p:par>
+                </p:childTnLst>
+              </p:cTn>
+              <p:prevCondLst>
+                <p:cond evt="onPrev" delay="0">
+                  <p:tgtEl>
+                    <p:sldTgt/>
+                  </p:tgtEl>
+                </p:cond>
+              </p:prevCondLst>
+              <p:nextCondLst>
+                <p:cond evt="onNext" delay="0">
+                  <p:tgtEl>
+                    <p:sldTgt/>
+                  </p:tgtEl>
+                </p:cond>
+              </p:nextCondLst>
+            </p:seq>
+          </p:childTnLst>
+        </p:cTn>
+      </p:par>
+    </p:tnLst>
+    <p:bldLst>
+      <p:bldP spid="3" grpId="0" build="p"/>
+    </p:bldLst>
+  </p:timing>
+</p:sld>
+</file>
+
+<file path=ppt/slides/slide2.xml><?xml version="1.0" encoding="utf-8"?>
+<p:sld xmlns:a="http://schemas.openxmlformats.org/drawingml/2006/main" xmlns:r="http://schemas.openxmlformats.org/officeDocument/2006/relationships" xmlns:p="http://schemas.openxmlformats.org/presentationml/2006/main">
+  <p:cSld>
+    <p:spTree>
+      <p:nvGrpSpPr>
+        <p:cNvPr id="1" name=""/>
+        <p:cNvGrpSpPr/>
+        <p:nvPr/>
+      </p:nvGrpSpPr>
+      <p:grpSpPr>
+        <a:xfrm>
+          <a:off x="0" y="0"/>
+          <a:ext cx="0" cy="0"/>
+          <a:chOff x="0" y="0"/>
+          <a:chExt cx="0" cy="0"/>
+        </a:xfrm>
+      </p:grpSpPr>
+      <p:sp>
+        <p:nvSpPr>
+          <p:cNvPr id="2" name="Title 1">
+            <a:extLst>
+              <a:ext uri="{FF2B5EF4-FFF2-40B4-BE49-F238E27FC236}">
+                <a16:creationId xmlns:a16="http://schemas.microsoft.com/office/drawing/2014/main" id="{3A41A567-EB68-4AA3-BA21-53263BD557A7}"/>
+              </a:ext>
+            </a:extLst>
+          </p:cNvPr>
+          <p:cNvSpPr>
+            <a:spLocks noGrp="1"/>
+          </p:cNvSpPr>
+          <p:nvPr>
+            <p:ph type="title"/>
+          </p:nvPr>
+        </p:nvSpPr>
+        <p:spPr/>
+        <p:txBody>
+          <a:bodyPr/>
+          <a:lstStyle/>
+          <a:p>
+            <a:endParaRPr lang="en-CA"/>
+          </a:p>
+        </p:txBody>
+      </p:sp>
+      <p:pic>
+        <p:nvPicPr>
+          <p:cNvPr id="4" name="Image 4">
+            <a:extLst>
+              <a:ext uri="{FF2B5EF4-FFF2-40B4-BE49-F238E27FC236}">
+                <a16:creationId xmlns:a16="http://schemas.microsoft.com/office/drawing/2014/main" id="{40278447-7C1C-401F-B3BE-0442964A31A6}"/>
+              </a:ext>
+            </a:extLst>
+          </p:cNvPr>
+          <p:cNvPicPr>
+            <a:picLocks noGrp="1" noChangeAspect="1"/>
+          </p:cNvPicPr>
+          <p:nvPr>
+            <p:ph idx="1"/>
+          </p:nvPr>
+        </p:nvPicPr>
+        <p:blipFill rotWithShape="1">
+          <a:blip r:embed="rId2"/>
+          <a:srcRect l="19091" t="16969" r="40255" b="41061"/>
+          <a:stretch/>
+        </p:blipFill>
+        <p:spPr>
+          <a:xfrm>
+            <a:off x="2596165" y="1731963"/>
+            <a:ext cx="6990145" cy="4059237"/>
+          </a:xfrm>
+          <a:prstGeom prst="rect">
+            <a:avLst/>
+          </a:prstGeom>
+        </p:spPr>
+      </p:pic>
+      <p:sp>
+        <p:nvSpPr>
+          <p:cNvPr id="5" name="ZoneTexte 3">
+            <a:extLst>
+              <a:ext uri="{FF2B5EF4-FFF2-40B4-BE49-F238E27FC236}">
+                <a16:creationId xmlns:a16="http://schemas.microsoft.com/office/drawing/2014/main" id="{1DFC29B8-96C6-44C4-8935-D86FDF1C1472}"/>
+              </a:ext>
+            </a:extLst>
+          </p:cNvPr>
+          <p:cNvSpPr txBox="1"/>
+          <p:nvPr/>
+        </p:nvSpPr>
+        <p:spPr>
+          <a:xfrm>
+            <a:off x="6685596" y="4817054"/>
+            <a:ext cx="5290457" cy="1754326"/>
+          </a:xfrm>
+          <a:prstGeom prst="rect">
+            <a:avLst/>
+          </a:prstGeom>
+          <a:noFill/>
+        </p:spPr>
+        <p:txBody>
+          <a:bodyPr wrap="square" rtlCol="0">
+            <a:spAutoFit/>
+          </a:bodyPr>
+          <a:lstStyle/>
+          <a:p>
+            <a:r>
+              <a:rPr lang="fr-CA" dirty="0"/>
+              <a:t>Introduction</a:t>
+            </a:r>
+          </a:p>
+          <a:p>
+            <a:endParaRPr lang="fr-CA" dirty="0"/>
+          </a:p>
+          <a:p>
+            <a:endParaRPr lang="fr-CA" dirty="0"/>
+          </a:p>
+          <a:p>
+            <a:endParaRPr lang="fr-CA" dirty="0"/>
+          </a:p>
+          <a:p>
+            <a:endParaRPr lang="fr-CA" dirty="0"/>
+          </a:p>
+          <a:p>
+            <a:r>
+              <a:rPr lang="fr-CA" dirty="0">
+                <a:hlinkClick r:id="rId3"/>
+              </a:rPr>
+              <a:t>https://www.digite.com/kanban/what-is-kanban/</a:t>
+            </a:r>
+            <a:endParaRPr lang="fr-CA" dirty="0"/>
+          </a:p>
+        </p:txBody>
+      </p:sp>
+    </p:spTree>
+    <p:extLst>
+      <p:ext uri="{BB962C8B-B14F-4D97-AF65-F5344CB8AC3E}">
+        <p14:creationId xmlns:p14="http://schemas.microsoft.com/office/powerpoint/2010/main" val="687531355"/>
+      </p:ext>
+    </p:extLst>
+  </p:cSld>
+  <p:clrMapOvr>
+    <a:masterClrMapping/>
+  </p:clrMapOvr>
+</p:sld>
+</file>
+
+<file path=ppt/slides/slide3.xml><?xml version="1.0" encoding="utf-8"?>
+<p:sld xmlns:a="http://schemas.openxmlformats.org/drawingml/2006/main" xmlns:r="http://schemas.openxmlformats.org/officeDocument/2006/relationships" xmlns:p="http://schemas.openxmlformats.org/presentationml/2006/main">
+  <p:cSld>
+    <p:spTree>
+      <p:nvGrpSpPr>
+        <p:cNvPr id="1" name=""/>
+        <p:cNvGrpSpPr/>
+        <p:nvPr/>
+      </p:nvGrpSpPr>
+      <p:grpSpPr>
+        <a:xfrm>
+          <a:off x="0" y="0"/>
+          <a:ext cx="0" cy="0"/>
+          <a:chOff x="0" y="0"/>
+          <a:chExt cx="0" cy="0"/>
+        </a:xfrm>
+      </p:grpSpPr>
+      <p:sp>
+        <p:nvSpPr>
+          <p:cNvPr id="2" name="Title 1">
+            <a:extLst>
+              <a:ext uri="{FF2B5EF4-FFF2-40B4-BE49-F238E27FC236}">
+                <a16:creationId xmlns:a16="http://schemas.microsoft.com/office/drawing/2014/main" id="{38E8F1BF-9640-4166-99DA-1FAEB3EDE4E7}"/>
+              </a:ext>
+            </a:extLst>
+          </p:cNvPr>
+          <p:cNvSpPr>
+            <a:spLocks noGrp="1"/>
+          </p:cNvSpPr>
+          <p:nvPr>
+            <p:ph type="title"/>
+          </p:nvPr>
+        </p:nvSpPr>
+        <p:spPr/>
+        <p:txBody>
+          <a:bodyPr/>
+          <a:lstStyle/>
+          <a:p>
+            <a:endParaRPr lang="en-CA"/>
+          </a:p>
+        </p:txBody>
+      </p:sp>
+      <p:sp>
+        <p:nvSpPr>
+          <p:cNvPr id="3" name="Content Placeholder 2">
+            <a:extLst>
+              <a:ext uri="{FF2B5EF4-FFF2-40B4-BE49-F238E27FC236}">
+                <a16:creationId xmlns:a16="http://schemas.microsoft.com/office/drawing/2014/main" id="{27BF80AD-96B5-4527-A2E0-D6E6E46503A5}"/>
+              </a:ext>
+            </a:extLst>
+          </p:cNvPr>
+          <p:cNvSpPr>
+            <a:spLocks noGrp="1"/>
+          </p:cNvSpPr>
+          <p:nvPr>
+            <p:ph idx="1"/>
+          </p:nvPr>
+        </p:nvSpPr>
+        <p:spPr/>
+        <p:txBody>
+          <a:bodyPr>
+            <a:normAutofit fontScale="85000" lnSpcReduction="20000"/>
+          </a:bodyPr>
+          <a:lstStyle/>
+          <a:p>
+            <a:r>
+              <a:rPr lang="en-US" dirty="0"/>
+              <a:t>Introduction - Kanban</a:t>
+            </a:r>
+          </a:p>
+          <a:p>
+            <a:endParaRPr lang="en-US" dirty="0"/>
+          </a:p>
+          <a:p>
+            <a:r>
+              <a:rPr lang="en-US" dirty="0" err="1"/>
+              <a:t>C’est</a:t>
+            </a:r>
+            <a:r>
+              <a:rPr lang="en-US" dirty="0"/>
+              <a:t> quoi?</a:t>
+            </a:r>
+          </a:p>
+          <a:p>
+            <a:endParaRPr lang="en-US" dirty="0"/>
+          </a:p>
+          <a:p>
+            <a:r>
+              <a:rPr lang="en-US" dirty="0"/>
+              <a:t>Kanban methodology focuses on having the right work done at the right time, given the skill sets of the developers.</a:t>
+            </a:r>
+          </a:p>
+          <a:p>
+            <a:endParaRPr lang="en-US" dirty="0"/>
+          </a:p>
+          <a:p>
+            <a:r>
+              <a:rPr lang="en-US" dirty="0"/>
+              <a:t>“The main focus of Kanban is to accurately state what work needs to be done, and when it needs to be done. It does so by prioritizing tasks , and defining workflow as well as lead-time to delivery [20]. The Kanban process explicitly presents the most important tasks that need the most attention in order to reduce the risk of their incompletion, and also to increase flexibility amongst other tasks in the project. </a:t>
+            </a:r>
+          </a:p>
+          <a:p>
+            <a:endParaRPr lang="en-US" dirty="0"/>
+          </a:p>
+          <a:p>
+            <a:r>
+              <a:rPr lang="en-US" dirty="0"/>
+              <a:t>-</a:t>
+            </a:r>
+            <a:r>
+              <a:rPr lang="en-US" dirty="0" err="1"/>
+              <a:t>Origines</a:t>
+            </a:r>
+            <a:endParaRPr lang="en-US" dirty="0"/>
+          </a:p>
+          <a:p>
+            <a:endParaRPr lang="en-CA" dirty="0"/>
+          </a:p>
+        </p:txBody>
+      </p:sp>
+    </p:spTree>
+    <p:extLst>
+      <p:ext uri="{BB962C8B-B14F-4D97-AF65-F5344CB8AC3E}">
+        <p14:creationId xmlns:p14="http://schemas.microsoft.com/office/powerpoint/2010/main" val="1053554116"/>
+      </p:ext>
+    </p:extLst>
+  </p:cSld>
+  <p:clrMapOvr>
+    <a:masterClrMapping/>
+  </p:clrMapOvr>
+</p:sld>
+</file>
+
+<file path=ppt/slides/slide4.xml><?xml version="1.0" encoding="utf-8"?>
+<p:sld xmlns:a="http://schemas.openxmlformats.org/drawingml/2006/main" xmlns:r="http://schemas.openxmlformats.org/officeDocument/2006/relationships" xmlns:p="http://schemas.openxmlformats.org/presentationml/2006/main">
+  <p:cSld>
+    <p:spTree>
+      <p:nvGrpSpPr>
+        <p:cNvPr id="1" name=""/>
+        <p:cNvGrpSpPr/>
+        <p:nvPr/>
+      </p:nvGrpSpPr>
+      <p:grpSpPr>
+        <a:xfrm>
+          <a:off x="0" y="0"/>
+          <a:ext cx="0" cy="0"/>
+          <a:chOff x="0" y="0"/>
+          <a:chExt cx="0" cy="0"/>
+        </a:xfrm>
+      </p:grpSpPr>
+      <p:sp>
+        <p:nvSpPr>
+          <p:cNvPr id="2" name="Title 1">
+            <a:extLst>
+              <a:ext uri="{FF2B5EF4-FFF2-40B4-BE49-F238E27FC236}">
+                <a16:creationId xmlns:a16="http://schemas.microsoft.com/office/drawing/2014/main" id="{7A84D706-6B22-42A0-B5C2-A53AA031312C}"/>
+              </a:ext>
+            </a:extLst>
+          </p:cNvPr>
+          <p:cNvSpPr>
+            <a:spLocks noGrp="1"/>
+          </p:cNvSpPr>
+          <p:nvPr>
+            <p:ph type="title"/>
+          </p:nvPr>
+        </p:nvSpPr>
+        <p:spPr/>
+        <p:txBody>
+          <a:bodyPr/>
+          <a:lstStyle/>
+          <a:p>
+            <a:endParaRPr lang="en-CA"/>
+          </a:p>
+        </p:txBody>
+      </p:sp>
+      <p:sp>
+        <p:nvSpPr>
+          <p:cNvPr id="3" name="Content Placeholder 2">
+            <a:extLst>
+              <a:ext uri="{FF2B5EF4-FFF2-40B4-BE49-F238E27FC236}">
+                <a16:creationId xmlns:a16="http://schemas.microsoft.com/office/drawing/2014/main" id="{5ECDF903-9978-4EDC-861E-D50D84B4FF76}"/>
+              </a:ext>
+            </a:extLst>
+          </p:cNvPr>
+          <p:cNvSpPr>
+            <a:spLocks noGrp="1"/>
+          </p:cNvSpPr>
+          <p:nvPr>
+            <p:ph idx="1"/>
+          </p:nvPr>
+        </p:nvSpPr>
+        <p:spPr/>
+        <p:txBody>
+          <a:bodyPr/>
+          <a:lstStyle/>
+          <a:p>
+            <a:r>
+              <a:rPr lang="en-US" dirty="0"/>
+              <a:t>Introduction</a:t>
+            </a:r>
+          </a:p>
+          <a:p>
+            <a:endParaRPr lang="en-US" dirty="0"/>
+          </a:p>
+          <a:p>
+            <a:endParaRPr lang="en-US" dirty="0"/>
+          </a:p>
+          <a:p>
+            <a:r>
+              <a:rPr lang="en-US" dirty="0"/>
+              <a:t>In addition, project developers do not implement unnecessary features, do not write more specifications than they can code, do not write more code than they can test, and do not test more code than they can deploy. Therefore, Kanban methodology eliminates waste in every step, and is suitable for software engineering projects [20].</a:t>
+            </a:r>
+          </a:p>
+          <a:p>
+            <a:endParaRPr lang="en-CA" dirty="0"/>
+          </a:p>
+        </p:txBody>
+      </p:sp>
+    </p:spTree>
+    <p:extLst>
+      <p:ext uri="{BB962C8B-B14F-4D97-AF65-F5344CB8AC3E}">
+        <p14:creationId xmlns:p14="http://schemas.microsoft.com/office/powerpoint/2010/main" val="836423340"/>
+      </p:ext>
+    </p:extLst>
+  </p:cSld>
+  <p:clrMapOvr>
+    <a:masterClrMapping/>
+  </p:clrMapOvr>
+</p:sld>
+</file>
+
+<file path=ppt/slides/slide5.xml><?xml version="1.0" encoding="utf-8"?>
+<p:sld xmlns:a="http://schemas.openxmlformats.org/drawingml/2006/main" xmlns:r="http://schemas.openxmlformats.org/officeDocument/2006/relationships" xmlns:p="http://schemas.openxmlformats.org/presentationml/2006/main">
+  <p:cSld>
+    <p:spTree>
+      <p:nvGrpSpPr>
+        <p:cNvPr id="1" name=""/>
+        <p:cNvGrpSpPr/>
+        <p:nvPr/>
+      </p:nvGrpSpPr>
+      <p:grpSpPr>
+        <a:xfrm>
+          <a:off x="0" y="0"/>
+          <a:ext cx="0" cy="0"/>
+          <a:chOff x="0" y="0"/>
+          <a:chExt cx="0" cy="0"/>
+        </a:xfrm>
+      </p:grpSpPr>
+      <p:sp>
+        <p:nvSpPr>
+          <p:cNvPr id="2" name="Title 1">
+            <a:extLst>
+              <a:ext uri="{FF2B5EF4-FFF2-40B4-BE49-F238E27FC236}">
+                <a16:creationId xmlns:a16="http://schemas.microsoft.com/office/drawing/2014/main" id="{E003EAE9-6D69-453D-9197-59FA1A173799}"/>
+              </a:ext>
+            </a:extLst>
+          </p:cNvPr>
+          <p:cNvSpPr>
+            <a:spLocks noGrp="1"/>
+          </p:cNvSpPr>
+          <p:nvPr>
+            <p:ph type="title"/>
+          </p:nvPr>
+        </p:nvSpPr>
+        <p:spPr/>
+        <p:txBody>
+          <a:bodyPr/>
+          <a:lstStyle/>
+          <a:p>
+            <a:endParaRPr lang="en-CA"/>
+          </a:p>
+        </p:txBody>
+      </p:sp>
+      <p:sp>
+        <p:nvSpPr>
+          <p:cNvPr id="3" name="Content Placeholder 2">
+            <a:extLst>
+              <a:ext uri="{FF2B5EF4-FFF2-40B4-BE49-F238E27FC236}">
+                <a16:creationId xmlns:a16="http://schemas.microsoft.com/office/drawing/2014/main" id="{BED54DE9-D6CE-4D3E-AEF6-3E07BF1C962D}"/>
+              </a:ext>
+            </a:extLst>
+          </p:cNvPr>
+          <p:cNvSpPr>
+            <a:spLocks noGrp="1"/>
+          </p:cNvSpPr>
+          <p:nvPr>
+            <p:ph idx="1"/>
+          </p:nvPr>
+        </p:nvSpPr>
+        <p:spPr/>
+        <p:txBody>
+          <a:bodyPr>
+            <a:normAutofit fontScale="77500" lnSpcReduction="20000"/>
+          </a:bodyPr>
+          <a:lstStyle/>
+          <a:p>
+            <a:r>
+              <a:rPr lang="en-CA" dirty="0"/>
+              <a:t>Principles de bases</a:t>
+            </a:r>
+          </a:p>
+          <a:p>
+            <a:endParaRPr lang="en-CA" dirty="0"/>
+          </a:p>
+          <a:p>
+            <a:r>
+              <a:rPr lang="en-CA" dirty="0" err="1"/>
+              <a:t>En</a:t>
+            </a:r>
+            <a:r>
+              <a:rPr lang="en-CA" dirty="0"/>
+              <a:t> </a:t>
+            </a:r>
+            <a:r>
+              <a:rPr lang="en-CA" dirty="0" err="1"/>
+              <a:t>général</a:t>
+            </a:r>
+            <a:r>
+              <a:rPr lang="en-CA" dirty="0"/>
+              <a:t>, la </a:t>
+            </a:r>
+            <a:r>
+              <a:rPr lang="en-CA" dirty="0" err="1"/>
+              <a:t>méthode</a:t>
+            </a:r>
+            <a:r>
+              <a:rPr lang="en-CA" dirty="0"/>
+              <a:t> Kanban </a:t>
+            </a:r>
+            <a:r>
+              <a:rPr lang="en-CA" dirty="0" err="1"/>
+              <a:t>est</a:t>
+            </a:r>
+            <a:r>
+              <a:rPr lang="en-CA" dirty="0"/>
+              <a:t> repose sur 3 </a:t>
+            </a:r>
+            <a:r>
+              <a:rPr lang="en-CA" dirty="0" err="1"/>
+              <a:t>règles</a:t>
+            </a:r>
+            <a:r>
+              <a:rPr lang="en-CA" dirty="0"/>
+              <a:t>;</a:t>
+            </a:r>
+          </a:p>
+          <a:p>
+            <a:endParaRPr lang="en-CA" dirty="0"/>
+          </a:p>
+          <a:p>
+            <a:r>
+              <a:rPr lang="en-CA" dirty="0"/>
+              <a:t>1-visualize the workflow</a:t>
+            </a:r>
+          </a:p>
+          <a:p>
+            <a:endParaRPr lang="en-CA" dirty="0"/>
+          </a:p>
+          <a:p>
+            <a:r>
+              <a:rPr lang="en-CA" dirty="0"/>
+              <a:t>2- limit work in progress (WIP) </a:t>
+            </a:r>
+          </a:p>
+          <a:p>
+            <a:endParaRPr lang="en-CA" dirty="0"/>
+          </a:p>
+          <a:p>
+            <a:r>
+              <a:rPr lang="en-CA" dirty="0"/>
+              <a:t>3 -measure the lead time (i.e. average time to complete</a:t>
+            </a:r>
+          </a:p>
+          <a:p>
+            <a:r>
+              <a:rPr lang="en-CA" dirty="0"/>
+              <a:t>one item)</a:t>
+            </a:r>
+          </a:p>
+          <a:p>
+            <a:endParaRPr lang="en-CA" dirty="0"/>
+          </a:p>
+          <a:p>
+            <a:r>
+              <a:rPr lang="en-CA" dirty="0"/>
+              <a:t>(</a:t>
+            </a:r>
+            <a:r>
+              <a:rPr lang="en-CA" dirty="0" err="1"/>
+              <a:t>Ikonen</a:t>
+            </a:r>
+            <a:r>
+              <a:rPr lang="en-CA" dirty="0"/>
+              <a:t> et coll., 2010)</a:t>
+            </a:r>
+          </a:p>
+          <a:p>
+            <a:endParaRPr lang="en-CA" dirty="0"/>
+          </a:p>
+        </p:txBody>
+      </p:sp>
+    </p:spTree>
+    <p:extLst>
+      <p:ext uri="{BB962C8B-B14F-4D97-AF65-F5344CB8AC3E}">
+        <p14:creationId xmlns:p14="http://schemas.microsoft.com/office/powerpoint/2010/main" val="2208665783"/>
+      </p:ext>
+    </p:extLst>
+  </p:cSld>
+  <p:clrMapOvr>
+    <a:masterClrMapping/>
+  </p:clrMapOvr>
+</p:sld>
+</file>
+
+<file path=ppt/slides/slide6.xml><?xml version="1.0" encoding="utf-8"?>
+<p:sld xmlns:a="http://schemas.openxmlformats.org/drawingml/2006/main" xmlns:r="http://schemas.openxmlformats.org/officeDocument/2006/relationships" xmlns:p="http://schemas.openxmlformats.org/presentationml/2006/main">
+  <p:cSld>
+    <p:spTree>
+      <p:nvGrpSpPr>
+        <p:cNvPr id="1" name=""/>
+        <p:cNvGrpSpPr/>
+        <p:nvPr/>
+      </p:nvGrpSpPr>
+      <p:grpSpPr>
+        <a:xfrm>
+          <a:off x="0" y="0"/>
+          <a:ext cx="0" cy="0"/>
+          <a:chOff x="0" y="0"/>
+          <a:chExt cx="0" cy="0"/>
+        </a:xfrm>
+      </p:grpSpPr>
+      <p:sp>
+        <p:nvSpPr>
+          <p:cNvPr id="2" name="Title 1">
+            <a:extLst>
+              <a:ext uri="{FF2B5EF4-FFF2-40B4-BE49-F238E27FC236}">
+                <a16:creationId xmlns:a16="http://schemas.microsoft.com/office/drawing/2014/main" id="{E96DFAF9-96D1-420F-87A8-95946F6113FD}"/>
+              </a:ext>
+            </a:extLst>
+          </p:cNvPr>
+          <p:cNvSpPr>
+            <a:spLocks noGrp="1"/>
+          </p:cNvSpPr>
+          <p:nvPr>
+            <p:ph type="title"/>
+          </p:nvPr>
+        </p:nvSpPr>
+        <p:spPr/>
+        <p:txBody>
+          <a:bodyPr/>
+          <a:lstStyle/>
+          <a:p>
+            <a:endParaRPr lang="en-CA"/>
+          </a:p>
+        </p:txBody>
+      </p:sp>
+      <p:sp>
+        <p:nvSpPr>
+          <p:cNvPr id="3" name="Content Placeholder 2">
+            <a:extLst>
+              <a:ext uri="{FF2B5EF4-FFF2-40B4-BE49-F238E27FC236}">
+                <a16:creationId xmlns:a16="http://schemas.microsoft.com/office/drawing/2014/main" id="{DF288133-09A7-40D5-8703-73F671EEEA5E}"/>
+              </a:ext>
+            </a:extLst>
+          </p:cNvPr>
+          <p:cNvSpPr>
+            <a:spLocks noGrp="1"/>
+          </p:cNvSpPr>
+          <p:nvPr>
+            <p:ph idx="1"/>
+          </p:nvPr>
+        </p:nvSpPr>
+        <p:spPr/>
+        <p:txBody>
+          <a:bodyPr>
+            <a:normAutofit fontScale="77500" lnSpcReduction="20000"/>
+          </a:bodyPr>
+          <a:lstStyle/>
+          <a:p>
+            <a:r>
+              <a:rPr lang="en-US" dirty="0"/>
+              <a:t>Principles de bases</a:t>
+            </a:r>
+          </a:p>
+          <a:p>
+            <a:endParaRPr lang="en-US" dirty="0"/>
+          </a:p>
+          <a:p>
+            <a:r>
+              <a:rPr lang="en-US" dirty="0" err="1"/>
+              <a:t>En</a:t>
+            </a:r>
+            <a:r>
+              <a:rPr lang="en-US" dirty="0"/>
+              <a:t> particulier:</a:t>
+            </a:r>
+          </a:p>
+          <a:p>
+            <a:endParaRPr lang="en-US" dirty="0"/>
+          </a:p>
+          <a:p>
+            <a:r>
+              <a:rPr lang="en-US" dirty="0"/>
+              <a:t>- Limiting Work in Process (WIP).  </a:t>
+            </a:r>
+          </a:p>
+          <a:p>
+            <a:r>
+              <a:rPr lang="en-US" dirty="0"/>
+              <a:t>- Pulling value through the development process. </a:t>
+            </a:r>
+          </a:p>
+          <a:p>
+            <a:r>
+              <a:rPr lang="en-US" dirty="0"/>
+              <a:t>-Making the development process visible.  </a:t>
+            </a:r>
+          </a:p>
+          <a:p>
+            <a:r>
+              <a:rPr lang="en-US" dirty="0"/>
+              <a:t>- Increasing throughput.  </a:t>
+            </a:r>
+          </a:p>
+          <a:p>
+            <a:r>
+              <a:rPr lang="en-US" dirty="0"/>
+              <a:t>- Using a fixed backlog.  </a:t>
+            </a:r>
+          </a:p>
+          <a:p>
+            <a:r>
+              <a:rPr lang="en-US" dirty="0"/>
+              <a:t>Embedding quality.</a:t>
+            </a:r>
+          </a:p>
+          <a:p>
+            <a:endParaRPr lang="en-US" dirty="0"/>
+          </a:p>
+          <a:p>
+            <a:r>
+              <a:rPr lang="en-US" dirty="0"/>
+              <a:t>(Ley et coll. 2017)</a:t>
+            </a:r>
+          </a:p>
+          <a:p>
+            <a:endParaRPr lang="en-US" dirty="0"/>
+          </a:p>
+          <a:p>
+            <a:endParaRPr lang="en-US" dirty="0"/>
+          </a:p>
+          <a:p>
+            <a:endParaRPr lang="en-US" dirty="0"/>
+          </a:p>
+          <a:p>
+            <a:endParaRPr lang="en-US" dirty="0"/>
+          </a:p>
+          <a:p>
+            <a:endParaRPr lang="en-US" dirty="0"/>
+          </a:p>
+          <a:p>
+            <a:endParaRPr lang="en-CA" dirty="0"/>
+          </a:p>
+        </p:txBody>
+      </p:sp>
+    </p:spTree>
+    <p:extLst>
+      <p:ext uri="{BB962C8B-B14F-4D97-AF65-F5344CB8AC3E}">
+        <p14:creationId xmlns:p14="http://schemas.microsoft.com/office/powerpoint/2010/main" val="2995356481"/>
+      </p:ext>
+    </p:extLst>
+  </p:cSld>
+  <p:clrMapOvr>
+    <a:masterClrMapping/>
+  </p:clrMapOvr>
+</p:sld>
+</file>
+
+<file path=ppt/slides/slide7.xml><?xml version="1.0" encoding="utf-8"?>
+<p:sld xmlns:a="http://schemas.openxmlformats.org/drawingml/2006/main" xmlns:r="http://schemas.openxmlformats.org/officeDocument/2006/relationships" xmlns:p="http://schemas.openxmlformats.org/presentationml/2006/main">
+  <p:cSld>
+    <p:spTree>
+      <p:nvGrpSpPr>
+        <p:cNvPr id="1" name=""/>
+        <p:cNvGrpSpPr/>
+        <p:nvPr/>
+      </p:nvGrpSpPr>
+      <p:grpSpPr>
+        <a:xfrm>
+          <a:off x="0" y="0"/>
+          <a:ext cx="0" cy="0"/>
+          <a:chOff x="0" y="0"/>
+          <a:chExt cx="0" cy="0"/>
+        </a:xfrm>
+      </p:grpSpPr>
+      <p:sp>
+        <p:nvSpPr>
+          <p:cNvPr id="2" name="Title 1">
+            <a:extLst>
+              <a:ext uri="{FF2B5EF4-FFF2-40B4-BE49-F238E27FC236}">
+                <a16:creationId xmlns:a16="http://schemas.microsoft.com/office/drawing/2014/main" id="{83D3E591-C705-40A9-9634-6C2B95333A23}"/>
+              </a:ext>
+            </a:extLst>
+          </p:cNvPr>
+          <p:cNvSpPr>
+            <a:spLocks noGrp="1"/>
+          </p:cNvSpPr>
+          <p:nvPr>
+            <p:ph type="title"/>
+          </p:nvPr>
+        </p:nvSpPr>
+        <p:spPr/>
+        <p:txBody>
+          <a:bodyPr/>
+          <a:lstStyle/>
+          <a:p>
+            <a:endParaRPr lang="en-CA"/>
+          </a:p>
+        </p:txBody>
+      </p:sp>
+      <p:pic>
+        <p:nvPicPr>
+          <p:cNvPr id="4" name="Image 4">
+            <a:extLst>
+              <a:ext uri="{FF2B5EF4-FFF2-40B4-BE49-F238E27FC236}">
+                <a16:creationId xmlns:a16="http://schemas.microsoft.com/office/drawing/2014/main" id="{53E44F7F-B5B3-4F1B-8CDC-1F9C25FD477F}"/>
+              </a:ext>
+            </a:extLst>
+          </p:cNvPr>
+          <p:cNvPicPr>
+            <a:picLocks noGrp="1"/>
+          </p:cNvPicPr>
+          <p:nvPr>
+            <p:ph idx="1"/>
+          </p:nvPr>
+        </p:nvPicPr>
+        <p:blipFill>
+          <a:blip r:embed="rId2">
+            <a:extLst>
+              <a:ext uri="{28A0092B-C50C-407E-A947-70E740481C1C}">
+                <a14:useLocalDpi xmlns:a14="http://schemas.microsoft.com/office/drawing/2010/main" val="0"/>
+              </a:ext>
+            </a:extLst>
+          </a:blip>
+          <a:srcRect/>
+          <a:stretch>
+            <a:fillRect/>
+          </a:stretch>
+        </p:blipFill>
+        <p:spPr bwMode="auto">
+          <a:xfrm>
+            <a:off x="2827537" y="2240098"/>
+            <a:ext cx="6527401" cy="3042967"/>
+          </a:xfrm>
+          <a:prstGeom prst="rect">
+            <a:avLst/>
+          </a:prstGeom>
+          <a:noFill/>
+          <a:ln>
+            <a:noFill/>
+          </a:ln>
+        </p:spPr>
+      </p:pic>
+    </p:spTree>
+    <p:extLst>
+      <p:ext uri="{BB962C8B-B14F-4D97-AF65-F5344CB8AC3E}">
+        <p14:creationId xmlns:p14="http://schemas.microsoft.com/office/powerpoint/2010/main" val="2253022002"/>
+      </p:ext>
+    </p:extLst>
+  </p:cSld>
+  <p:clrMapOvr>
+    <a:masterClrMapping/>
+  </p:clrMapOvr>
+</p:sld>
+</file>
+
+<file path=ppt/slides/slide8.xml><?xml version="1.0" encoding="utf-8"?>
+<p:sld xmlns:a="http://schemas.openxmlformats.org/drawingml/2006/main" xmlns:r="http://schemas.openxmlformats.org/officeDocument/2006/relationships" xmlns:p="http://schemas.openxmlformats.org/presentationml/2006/main">
+  <p:cSld>
+    <p:spTree>
+      <p:nvGrpSpPr>
+        <p:cNvPr id="1" name=""/>
+        <p:cNvGrpSpPr/>
+        <p:nvPr/>
+      </p:nvGrpSpPr>
+      <p:grpSpPr>
+        <a:xfrm>
+          <a:off x="0" y="0"/>
+          <a:ext cx="0" cy="0"/>
+          <a:chOff x="0" y="0"/>
+          <a:chExt cx="0" cy="0"/>
+        </a:xfrm>
+      </p:grpSpPr>
+      <p:sp>
+        <p:nvSpPr>
+          <p:cNvPr id="2" name="Title 1">
+            <a:extLst>
+              <a:ext uri="{FF2B5EF4-FFF2-40B4-BE49-F238E27FC236}">
+                <a16:creationId xmlns:a16="http://schemas.microsoft.com/office/drawing/2014/main" id="{9F01F2D3-7C78-4D2B-9B37-8D7A34EF3E7E}"/>
+              </a:ext>
+            </a:extLst>
+          </p:cNvPr>
+          <p:cNvSpPr>
+            <a:spLocks noGrp="1"/>
+          </p:cNvSpPr>
+          <p:nvPr>
+            <p:ph type="title"/>
+          </p:nvPr>
+        </p:nvSpPr>
+        <p:spPr>
+          <a:xfrm>
+            <a:off x="913795" y="609600"/>
+            <a:ext cx="10353762" cy="970450"/>
+          </a:xfrm>
+        </p:spPr>
+        <p:txBody>
+          <a:bodyPr>
+            <a:normAutofit fontScale="90000"/>
+          </a:bodyPr>
+          <a:lstStyle/>
+          <a:p>
+            <a:r>
+              <a:rPr lang="fr-CA" dirty="0"/>
+              <a:t>Exemple de planification AGILE selon la méthode Kanban</a:t>
+            </a:r>
+            <a:endParaRPr lang="en-CA" dirty="0"/>
+          </a:p>
+        </p:txBody>
+      </p:sp>
+      <p:sp>
+        <p:nvSpPr>
+          <p:cNvPr id="3" name="Content Placeholder 2">
+            <a:extLst>
+              <a:ext uri="{FF2B5EF4-FFF2-40B4-BE49-F238E27FC236}">
+                <a16:creationId xmlns:a16="http://schemas.microsoft.com/office/drawing/2014/main" id="{0B5F724F-19AA-4193-91D9-61EB09EF1959}"/>
+              </a:ext>
+            </a:extLst>
+          </p:cNvPr>
+          <p:cNvSpPr>
+            <a:spLocks noGrp="1"/>
+          </p:cNvSpPr>
+          <p:nvPr>
+            <p:ph idx="1"/>
+          </p:nvPr>
+        </p:nvSpPr>
+        <p:spPr>
+          <a:xfrm>
+            <a:off x="913795" y="1732449"/>
+            <a:ext cx="10353762" cy="4058751"/>
+          </a:xfrm>
+        </p:spPr>
+        <p:txBody>
+          <a:bodyPr/>
+          <a:lstStyle/>
+          <a:p>
+            <a:endParaRPr lang="en-CA" dirty="0"/>
+          </a:p>
+        </p:txBody>
+      </p:sp>
+      <p:pic>
+        <p:nvPicPr>
+          <p:cNvPr id="71" name="Picture 70">
+            <a:extLst>
+              <a:ext uri="{FF2B5EF4-FFF2-40B4-BE49-F238E27FC236}">
+                <a16:creationId xmlns:a16="http://schemas.microsoft.com/office/drawing/2014/main" id="{53F8BDEA-5C30-4273-873C-1566AB6164B1}"/>
+              </a:ext>
+            </a:extLst>
+          </p:cNvPr>
+          <p:cNvPicPr>
+            <a:picLocks noChangeAspect="1"/>
+          </p:cNvPicPr>
+          <p:nvPr/>
+        </p:nvPicPr>
+        <p:blipFill>
+          <a:blip r:embed="rId2"/>
+          <a:stretch>
+            <a:fillRect/>
+          </a:stretch>
+        </p:blipFill>
+        <p:spPr>
+          <a:xfrm>
+            <a:off x="1359484" y="1732449"/>
+            <a:ext cx="9267749" cy="5050091"/>
+          </a:xfrm>
+          <a:prstGeom prst="rect">
+            <a:avLst/>
+          </a:prstGeom>
+        </p:spPr>
+      </p:pic>
+    </p:spTree>
+    <p:extLst>
+      <p:ext uri="{BB962C8B-B14F-4D97-AF65-F5344CB8AC3E}">
+        <p14:creationId xmlns:p14="http://schemas.microsoft.com/office/powerpoint/2010/main" val="2608009560"/>
+      </p:ext>
+    </p:extLst>
+  </p:cSld>
+  <p:clrMapOvr>
+    <a:masterClrMapping/>
+  </p:clrMapOvr>
+</p:sld>
+</file>
+
+<file path=ppt/slides/slide9.xml><?xml version="1.0" encoding="utf-8"?>
+<p:sld xmlns:a="http://schemas.openxmlformats.org/drawingml/2006/main" xmlns:r="http://schemas.openxmlformats.org/officeDocument/2006/relationships" xmlns:p="http://schemas.openxmlformats.org/presentationml/2006/main">
+  <p:cSld>
+    <p:spTree>
+      <p:nvGrpSpPr>
+        <p:cNvPr id="1" name=""/>
+        <p:cNvGrpSpPr/>
+        <p:nvPr/>
+      </p:nvGrpSpPr>
+      <p:grpSpPr>
+        <a:xfrm>
+          <a:off x="0" y="0"/>
+          <a:ext cx="0" cy="0"/>
+          <a:chOff x="0" y="0"/>
+          <a:chExt cx="0" cy="0"/>
+        </a:xfrm>
+      </p:grpSpPr>
+      <p:sp>
+        <p:nvSpPr>
+          <p:cNvPr id="2" name="Title 1">
+            <a:extLst>
+              <a:ext uri="{FF2B5EF4-FFF2-40B4-BE49-F238E27FC236}">
+                <a16:creationId xmlns:a16="http://schemas.microsoft.com/office/drawing/2014/main" id="{87AE196A-9E32-4C99-B7E1-6799C7AF35A7}"/>
+              </a:ext>
+            </a:extLst>
+          </p:cNvPr>
+          <p:cNvSpPr>
+            <a:spLocks noGrp="1"/>
+          </p:cNvSpPr>
+          <p:nvPr>
+            <p:ph type="title"/>
+          </p:nvPr>
+        </p:nvSpPr>
+        <p:spPr>
+          <a:xfrm>
+            <a:off x="913795" y="786063"/>
+            <a:ext cx="10353762" cy="970450"/>
+          </a:xfrm>
+        </p:spPr>
+        <p:txBody>
+          <a:bodyPr/>
+          <a:lstStyle/>
+          <a:p>
+            <a:r>
+              <a:rPr lang="fr-CA" dirty="0"/>
+              <a:t>Implantation dans un système non-actif</a:t>
+            </a:r>
+          </a:p>
+        </p:txBody>
+      </p:sp>
+      <p:sp>
+        <p:nvSpPr>
+          <p:cNvPr id="3" name="Content Placeholder 2">
+            <a:extLst>
+              <a:ext uri="{FF2B5EF4-FFF2-40B4-BE49-F238E27FC236}">
+                <a16:creationId xmlns:a16="http://schemas.microsoft.com/office/drawing/2014/main" id="{5D6B2709-FA8E-4CDB-BBEA-C075A9398491}"/>
+              </a:ext>
+            </a:extLst>
+          </p:cNvPr>
+          <p:cNvSpPr>
+            <a:spLocks noGrp="1"/>
+          </p:cNvSpPr>
+          <p:nvPr>
+            <p:ph idx="1"/>
+          </p:nvPr>
+        </p:nvSpPr>
+        <p:spPr>
+          <a:xfrm>
+            <a:off x="913795" y="2189649"/>
+            <a:ext cx="10353762" cy="4058751"/>
+          </a:xfrm>
+        </p:spPr>
+        <p:txBody>
+          <a:bodyPr/>
+          <a:lstStyle/>
+          <a:p>
+            <a:r>
+              <a:rPr lang="fr-CA" dirty="0"/>
+              <a:t>Le gestionnaire / ingénieur fait une planification des tâches à entreprendre </a:t>
+            </a:r>
+          </a:p>
+          <a:p>
+            <a:r>
+              <a:rPr lang="fr-CA" dirty="0"/>
+              <a:t>Il décide sur le nombre de « Work in Progress » maximum actif sur le tableau.</a:t>
+            </a:r>
+          </a:p>
+          <a:p>
+            <a:r>
+              <a:rPr lang="fr-CA" dirty="0"/>
+              <a:t>Il crée un ordre de priorité des projets</a:t>
+            </a:r>
+          </a:p>
+          <a:p>
+            <a:r>
+              <a:rPr lang="fr-CA" dirty="0"/>
+              <a:t>Il crée un tableau pour la compagnie au complet ou une section de projet spécifique</a:t>
+            </a:r>
+          </a:p>
+          <a:p>
+            <a:pPr lvl="1"/>
+            <a:r>
+              <a:rPr lang="fr-CA" dirty="0"/>
+              <a:t>Cela dépend de l’ampleur du projet et de la compagnie</a:t>
+            </a:r>
+          </a:p>
+          <a:p>
+            <a:r>
+              <a:rPr lang="fr-CA" dirty="0"/>
+              <a:t>Il nomme des colonnes pour les étapes de conception</a:t>
+            </a:r>
+          </a:p>
+          <a:p>
+            <a:pPr lvl="1"/>
+            <a:r>
+              <a:rPr lang="fr-CA" dirty="0"/>
+              <a:t>Exemple: En attente, planification, développement, test, déploiement, terminé.</a:t>
+            </a:r>
+          </a:p>
+          <a:p>
+            <a:r>
+              <a:rPr lang="fr-CA" dirty="0"/>
+              <a:t>Il crée des identificateurs visuels pour chaque projet avec des informations spécifiques</a:t>
+            </a:r>
+          </a:p>
+          <a:p>
+            <a:pPr lvl="1"/>
+            <a:r>
+              <a:rPr lang="fr-CA" dirty="0"/>
+              <a:t>Nom du projet, sous-tâches(si besoin), date limite (si besoin), etc.</a:t>
+            </a:r>
+          </a:p>
+        </p:txBody>
+      </p:sp>
+    </p:spTree>
+    <p:extLst>
+      <p:ext uri="{BB962C8B-B14F-4D97-AF65-F5344CB8AC3E}">
+        <p14:creationId xmlns:p14="http://schemas.microsoft.com/office/powerpoint/2010/main" val="2412530519"/>
+      </p:ext>
+    </p:extLst>
+  </p:cSld>
+  <p:clrMapOvr>
+    <a:masterClrMapping/>
+  </p:clrMapOvr>
+  <p:timing>
+    <p:tnLst>
+      <p:par>
+        <p:cTn id="1" dur="indefinite" restart="never" nodeType="tmRoot">
+          <p:childTnLst>
+            <p:seq concurrent="1" nextAc="seek">
+              <p:cTn id="2" dur="indefinite" nodeType="mainSeq">
+                <p:childTnLst>
+                  <p:par>
+                    <p:cTn id="3" fill="hold">
+                      <p:stCondLst>
+                        <p:cond delay="indefinite"/>
+                      </p:stCondLst>
+                      <p:childTnLst>
+                        <p:par>
+                          <p:cTn id="4" fill="hold">
+                            <p:stCondLst>
+                              <p:cond delay="0"/>
+                            </p:stCondLst>
+                            <p:childTnLst>
+                              <p:par>
+                                <p:cTn id="5" presetID="1" presetClass="entr" presetSubtype="0" fill="hold" grpId="0" nodeType="clickEffect">
+                                  <p:stCondLst>
+                                    <p:cond delay="0"/>
+                                  </p:stCondLst>
+                                  <p:childTnLst>
+                                    <p:set>
+                                      <p:cBhvr>
+                                        <p:cTn id="6" dur="1" fill="hold">
+                                          <p:stCondLst>
+                                            <p:cond delay="0"/>
+                                          </p:stCondLst>
+                                        </p:cTn>
+                                        <p:tgtEl>
+                                          <p:spTgt spid="3">
+                                            <p:txEl>
+                                              <p:pRg st="0" end="0"/>
+                                            </p:txEl>
+                                          </p:spTgt>
+                                        </p:tgtEl>
+                                        <p:attrNameLst>
+                                          <p:attrName>style.visibility</p:attrName>
+                                        </p:attrNameLst>
+                                      </p:cBhvr>
+                                      <p:to>
+                                        <p:strVal val="visible"/>
+                                      </p:to>
+                                    </p:set>
+                                  </p:childTnLst>
+                                </p:cTn>
+                              </p:par>
+                            </p:childTnLst>
+                          </p:cTn>
+                        </p:par>
+                      </p:childTnLst>
+                    </p:cTn>
+                  </p:par>
+                  <p:par>
+                    <p:cTn id="7" fill="hold">
+                      <p:stCondLst>
+                        <p:cond delay="indefinite"/>
+                      </p:stCondLst>
+                      <p:childTnLst>
+                        <p:par>
+                          <p:cTn id="8" fill="hold">
+                            <p:stCondLst>
+                              <p:cond delay="0"/>
+                            </p:stCondLst>
+                            <p:childTnLst>
+                              <p:par>
+                                <p:cTn id="9" presetID="1" presetClass="entr" presetSubtype="0" fill="hold" grpId="0" nodeType="clickEffect">
+                                  <p:stCondLst>
+                                    <p:cond delay="0"/>
+                                  </p:stCondLst>
+                                  <p:childTnLst>
+                                    <p:set>
+                                      <p:cBhvr>
+                                        <p:cTn id="10" dur="1" fill="hold">
+                                          <p:stCondLst>
+                                            <p:cond delay="0"/>
+                                          </p:stCondLst>
+                                        </p:cTn>
+                                        <p:tgtEl>
+                                          <p:spTgt spid="3">
+                                            <p:txEl>
+                                              <p:pRg st="1" end="1"/>
+                                            </p:txEl>
+                                          </p:spTgt>
+                                        </p:tgtEl>
+                                        <p:attrNameLst>
+                                          <p:attrName>style.visibility</p:attrName>
+                                        </p:attrNameLst>
+                                      </p:cBhvr>
+                                      <p:to>
+                                        <p:strVal val="visible"/>
+                                      </p:to>
+                                    </p:set>
+                                  </p:childTnLst>
+                                </p:cTn>
+                              </p:par>
+                            </p:childTnLst>
+                          </p:cTn>
+                        </p:par>
+                      </p:childTnLst>
+                    </p:cTn>
+                  </p:par>
+                  <p:par>
+                    <p:cTn id="11" fill="hold">
+                      <p:stCondLst>
+                        <p:cond delay="indefinite"/>
+                      </p:stCondLst>
+                      <p:childTnLst>
+                        <p:par>
+                          <p:cTn id="12" fill="hold">
+                            <p:stCondLst>
+                              <p:cond delay="0"/>
+                            </p:stCondLst>
+                            <p:childTnLst>
+                              <p:par>
+                                <p:cTn id="13" presetID="1" presetClass="entr" presetSubtype="0" fill="hold" grpId="0" nodeType="clickEffect">
+                                  <p:stCondLst>
+                                    <p:cond delay="0"/>
+                                  </p:stCondLst>
+                                  <p:childTnLst>
+                                    <p:set>
+                                      <p:cBhvr>
+                                        <p:cTn id="14" dur="1" fill="hold">
+                                          <p:stCondLst>
+                                            <p:cond delay="0"/>
+                                          </p:stCondLst>
+                                        </p:cTn>
+                                        <p:tgtEl>
+                                          <p:spTgt spid="3">
+                                            <p:txEl>
+                                              <p:pRg st="2" end="2"/>
+                                            </p:txEl>
+                                          </p:spTgt>
+                                        </p:tgtEl>
+                                        <p:attrNameLst>
+                                          <p:attrName>style.visibility</p:attrName>
+                                        </p:attrNameLst>
+                                      </p:cBhvr>
+                                      <p:to>
+                                        <p:strVal val="visible"/>
+                                      </p:to>
+                                    </p:set>
+                                  </p:childTnLst>
+                                </p:cTn>
+                              </p:par>
+                            </p:childTnLst>
+                          </p:cTn>
+                        </p:par>
+                      </p:childTnLst>
+                    </p:cTn>
+                  </p:par>
+                  <p:par>
+                    <p:cTn id="15" fill="hold">
+                      <p:stCondLst>
+                        <p:cond delay="indefinite"/>
+                      </p:stCondLst>
+                      <p:childTnLst>
+                        <p:par>
+                          <p:cTn id="16" fill="hold">
+                            <p:stCondLst>
+                              <p:cond delay="0"/>
+                            </p:stCondLst>
+                            <p:childTnLst>
+                              <p:par>
+                                <p:cTn id="17" presetID="1" presetClass="entr" presetSubtype="0" fill="hold" grpId="0" nodeType="clickEffect">
+                                  <p:stCondLst>
+                                    <p:cond delay="0"/>
+                                  </p:stCondLst>
+                                  <p:childTnLst>
+                                    <p:set>
+                                      <p:cBhvr>
+                                        <p:cTn id="18" dur="1" fill="hold">
+                                          <p:stCondLst>
+                                            <p:cond delay="0"/>
+                                          </p:stCondLst>
+                                        </p:cTn>
+                                        <p:tgtEl>
+                                          <p:spTgt spid="3">
+                                            <p:txEl>
+                                              <p:pRg st="3" end="3"/>
+                                            </p:txEl>
+                                          </p:spTgt>
+                                        </p:tgtEl>
+                                        <p:attrNameLst>
+                                          <p:attrName>style.visibility</p:attrName>
+                                        </p:attrNameLst>
+                                      </p:cBhvr>
+                                      <p:to>
+                                        <p:strVal val="visible"/>
+                                      </p:to>
+                                    </p:set>
+                                  </p:childTnLst>
+                                </p:cTn>
+                              </p:par>
+                              <p:par>
+                                <p:cTn id="19" presetID="1" presetClass="entr" presetSubtype="0" fill="hold" grpId="0" nodeType="withEffect">
+                                  <p:stCondLst>
+                                    <p:cond delay="0"/>
+                                  </p:stCondLst>
+                                  <p:childTnLst>
+                                    <p:set>
+                                      <p:cBhvr>
+                                        <p:cTn id="20" dur="1" fill="hold">
+                                          <p:stCondLst>
+                                            <p:cond delay="0"/>
+                                          </p:stCondLst>
+                                        </p:cTn>
+                                        <p:tgtEl>
+                                          <p:spTgt spid="3">
+                                            <p:txEl>
+                                              <p:pRg st="4" end="4"/>
+                                            </p:txEl>
+                                          </p:spTgt>
+                                        </p:tgtEl>
+                                        <p:attrNameLst>
+                                          <p:attrName>style.visibility</p:attrName>
+                                        </p:attrNameLst>
+                                      </p:cBhvr>
+                                      <p:to>
+                                        <p:strVal val="visible"/>
+                                      </p:to>
+                                    </p:set>
+                                  </p:childTnLst>
+                                </p:cTn>
+                              </p:par>
+                            </p:childTnLst>
+                          </p:cTn>
+                        </p:par>
+                      </p:childTnLst>
+                    </p:cTn>
+                  </p:par>
+                  <p:par>
+                    <p:cTn id="21" fill="hold">
+                      <p:stCondLst>
+                        <p:cond delay="indefinite"/>
+                      </p:stCondLst>
+                      <p:childTnLst>
+                        <p:par>
+                          <p:cTn id="22" fill="hold">
+                            <p:stCondLst>
+                              <p:cond delay="0"/>
+                            </p:stCondLst>
+                            <p:childTnLst>
+                              <p:par>
+                                <p:cTn id="23" presetID="1" presetClass="entr" presetSubtype="0" fill="hold" grpId="0" nodeType="clickEffect">
+                                  <p:stCondLst>
+                                    <p:cond delay="0"/>
+                                  </p:stCondLst>
+                                  <p:childTnLst>
+                                    <p:set>
+                                      <p:cBhvr>
+                                        <p:cTn id="24" dur="1" fill="hold">
+                                          <p:stCondLst>
+                                            <p:cond delay="0"/>
+                                          </p:stCondLst>
+                                        </p:cTn>
+                                        <p:tgtEl>
+                                          <p:spTgt spid="3">
+                                            <p:txEl>
+                                              <p:pRg st="5" end="5"/>
+                                            </p:txEl>
+                                          </p:spTgt>
+                                        </p:tgtEl>
+                                        <p:attrNameLst>
+                                          <p:attrName>style.visibility</p:attrName>
+                                        </p:attrNameLst>
+                                      </p:cBhvr>
+                                      <p:to>
+                                        <p:strVal val="visible"/>
+                                      </p:to>
+                                    </p:set>
+                                  </p:childTnLst>
+                                </p:cTn>
+                              </p:par>
+                              <p:par>
+                                <p:cTn id="25" presetID="1" presetClass="entr" presetSubtype="0" fill="hold" grpId="0" nodeType="withEffect">
+                                  <p:stCondLst>
+                                    <p:cond delay="0"/>
+                                  </p:stCondLst>
+                                  <p:childTnLst>
+                                    <p:set>
+                                      <p:cBhvr>
+                                        <p:cTn id="26" dur="1" fill="hold">
+                                          <p:stCondLst>
+                                            <p:cond delay="0"/>
+                                          </p:stCondLst>
+                                        </p:cTn>
+                                        <p:tgtEl>
+                                          <p:spTgt spid="3">
+                                            <p:txEl>
+                                              <p:pRg st="6" end="6"/>
+                                            </p:txEl>
+                                          </p:spTgt>
+                                        </p:tgtEl>
+                                        <p:attrNameLst>
+                                          <p:attrName>style.visibility</p:attrName>
+                                        </p:attrNameLst>
+                                      </p:cBhvr>
+                                      <p:to>
+                                        <p:strVal val="visible"/>
+                                      </p:to>
+                                    </p:set>
+                                  </p:childTnLst>
+                                </p:cTn>
+                              </p:par>
+                            </p:childTnLst>
+                          </p:cTn>
+                        </p:par>
+                      </p:childTnLst>
+                    </p:cTn>
+                  </p:par>
+                  <p:par>
+                    <p:cTn id="27" fill="hold">
+                      <p:stCondLst>
+                        <p:cond delay="indefinite"/>
+                      </p:stCondLst>
+                      <p:childTnLst>
+                        <p:par>
+                          <p:cTn id="28" fill="hold">
+                            <p:stCondLst>
+                              <p:cond delay="0"/>
+                            </p:stCondLst>
+                            <p:childTnLst>
+                              <p:par>
+                                <p:cTn id="29" presetID="1" presetClass="entr" presetSubtype="0" fill="hold" grpId="0" nodeType="clickEffect">
+                                  <p:stCondLst>
+                                    <p:cond delay="0"/>
+                                  </p:stCondLst>
+                                  <p:childTnLst>
+                                    <p:set>
+                                      <p:cBhvr>
+                                        <p:cTn id="30" dur="1" fill="hold">
+                                          <p:stCondLst>
+                                            <p:cond delay="0"/>
+                                          </p:stCondLst>
+                                        </p:cTn>
+                                        <p:tgtEl>
+                                          <p:spTgt spid="3">
+                                            <p:txEl>
+                                              <p:pRg st="7" end="7"/>
+                                            </p:txEl>
+                                          </p:spTgt>
+                                        </p:tgtEl>
+                                        <p:attrNameLst>
+                                          <p:attrName>style.visibility</p:attrName>
+                                        </p:attrNameLst>
+                                      </p:cBhvr>
+                                      <p:to>
+                                        <p:strVal val="visible"/>
+                                      </p:to>
+                                    </p:set>
+                                  </p:childTnLst>
+                                </p:cTn>
+                              </p:par>
+                              <p:par>
+                                <p:cTn id="31" presetID="1" presetClass="entr" presetSubtype="0" fill="hold" grpId="0" nodeType="withEffect">
+                                  <p:stCondLst>
+                                    <p:cond delay="0"/>
+                                  </p:stCondLst>
+                                  <p:childTnLst>
+                                    <p:set>
+                                      <p:cBhvr>
+                                        <p:cTn id="32" dur="1" fill="hold">
+                                          <p:stCondLst>
+                                            <p:cond delay="0"/>
+                                          </p:stCondLst>
+                                        </p:cTn>
+                                        <p:tgtEl>
+                                          <p:spTgt spid="3">
+                                            <p:txEl>
+                                              <p:pRg st="8" end="8"/>
+                                            </p:txEl>
+                                          </p:spTgt>
+                                        </p:tgtEl>
+                                        <p:attrNameLst>
+                                          <p:attrName>style.visibility</p:attrName>
+                                        </p:attrNameLst>
+                                      </p:cBhvr>
+                                      <p:to>
+                                        <p:strVal val="visible"/>
+                                      </p:to>
+                                    </p:set>
+                                  </p:childTnLst>
+                                </p:cTn>
+                              </p:par>
+                            </p:childTnLst>
+                          </p:cTn>
+                        </p:par>
+                      </p:childTnLst>
+                    </p:cTn>
+                  </p:par>
+                </p:childTnLst>
+              </p:cTn>
+              <p:prevCondLst>
+                <p:cond evt="onPrev" delay="0">
+                  <p:tgtEl>
+                    <p:sldTgt/>
+                  </p:tgtEl>
+                </p:cond>
+              </p:prevCondLst>
+              <p:nextCondLst>
+                <p:cond evt="onNext" delay="0">
+                  <p:tgtEl>
+                    <p:sldTgt/>
+                  </p:tgtEl>
+                </p:cond>
+              </p:nextCondLst>
+            </p:seq>
+          </p:childTnLst>
+        </p:cTn>
+      </p:par>
+    </p:tnLst>
+    <p:bldLst>
+      <p:bldP spid="3" grpId="0" uiExpand="1" build="p"/>
+    </p:bldLst>
+  </p:timing>
+</p:sld>
+</file>
+
 <file path=ppt/theme/theme1.xml><?xml version="1.0" encoding="utf-8"?>
 <a:theme xmlns:a="http://schemas.openxmlformats.org/drawingml/2006/main" name="Slate">
   <a:themeElements>
